--- a/reports/Fiber_Group_Presenetation.pptx
+++ b/reports/Fiber_Group_Presenetation.pptx
@@ -735,7 +735,7 @@
               <a:rPr lang="en-US" smtClean="0"/>
               <a:t>1</a:t>
             </a:fld>
-            <a:endParaRPr lang="en-US"/>
+            <a:endParaRPr lang="en-US" dirty="0"/>
           </a:p>
         </p:txBody>
       </p:sp>
@@ -5102,12 +5102,8 @@
           <a:lstStyle/>
           <a:p>
             <a:r>
-              <a:rPr lang="en-US" dirty="0" err="1"/>
-              <a:t>Presentors</a:t>
-            </a:r>
-            <a:r>
               <a:rPr lang="en-US" dirty="0"/>
-              <a:t>: Colin Neagle, Phillipe Volcy, Michael Foster and Victor Molina</a:t>
+              <a:t>Presenters: Colin Neagle, Phillipe Volcy, Michael Foster and Victor Molina</a:t>
             </a:r>
           </a:p>
         </p:txBody>
@@ -7315,141 +7311,6 @@
 </file>
 
 <file path=customXml/item1.xml><?xml version="1.0" encoding="utf-8"?>
-<p:properties xmlns:p="http://schemas.microsoft.com/office/2006/metadata/properties" xmlns:xsi="http://www.w3.org/2001/XMLSchema-instance" xmlns:pc="http://schemas.microsoft.com/office/infopath/2007/PartnerControls">
-  <documentManagement>
-    <APDescription xmlns="4873beb7-5857-4685-be1f-d57550cc96cc" xsi:nil="true"/>
-    <AssetExpire xmlns="4873beb7-5857-4685-be1f-d57550cc96cc">2029-01-01T08:00:00+00:00</AssetExpire>
-    <CampaignTagsTaxHTField0 xmlns="4873beb7-5857-4685-be1f-d57550cc96cc">
-      <Terms xmlns="http://schemas.microsoft.com/office/infopath/2007/PartnerControls"/>
-    </CampaignTagsTaxHTField0>
-    <IntlLangReviewDate xmlns="4873beb7-5857-4685-be1f-d57550cc96cc" xsi:nil="true"/>
-    <TPFriendlyName xmlns="4873beb7-5857-4685-be1f-d57550cc96cc" xsi:nil="true"/>
-    <IntlLangReview xmlns="4873beb7-5857-4685-be1f-d57550cc96cc">false</IntlLangReview>
-    <LocLastLocAttemptVersionLookup xmlns="4873beb7-5857-4685-be1f-d57550cc96cc">855024</LocLastLocAttemptVersionLookup>
-    <PolicheckWords xmlns="4873beb7-5857-4685-be1f-d57550cc96cc" xsi:nil="true"/>
-    <SubmitterId xmlns="4873beb7-5857-4685-be1f-d57550cc96cc" xsi:nil="true"/>
-    <AcquiredFrom xmlns="4873beb7-5857-4685-be1f-d57550cc96cc">Internal MS</AcquiredFrom>
-    <EditorialStatus xmlns="4873beb7-5857-4685-be1f-d57550cc96cc">Complete</EditorialStatus>
-    <Markets xmlns="4873beb7-5857-4685-be1f-d57550cc96cc"/>
-    <OriginAsset xmlns="4873beb7-5857-4685-be1f-d57550cc96cc" xsi:nil="true"/>
-    <AssetStart xmlns="4873beb7-5857-4685-be1f-d57550cc96cc">2012-08-31T08:50:00+00:00</AssetStart>
-    <FriendlyTitle xmlns="4873beb7-5857-4685-be1f-d57550cc96cc" xsi:nil="true"/>
-    <MarketSpecific xmlns="4873beb7-5857-4685-be1f-d57550cc96cc">false</MarketSpecific>
-    <TPNamespace xmlns="4873beb7-5857-4685-be1f-d57550cc96cc" xsi:nil="true"/>
-    <PublishStatusLookup xmlns="4873beb7-5857-4685-be1f-d57550cc96cc">
-      <Value>1616423</Value>
-    </PublishStatusLookup>
-    <APAuthor xmlns="4873beb7-5857-4685-be1f-d57550cc96cc">
-      <UserInfo>
-        <DisplayName>REDMOND\kristaa</DisplayName>
-        <AccountId>136</AccountId>
-        <AccountType/>
-      </UserInfo>
-    </APAuthor>
-    <TPCommandLine xmlns="4873beb7-5857-4685-be1f-d57550cc96cc" xsi:nil="true"/>
-    <IntlLangReviewer xmlns="4873beb7-5857-4685-be1f-d57550cc96cc" xsi:nil="true"/>
-    <OpenTemplate xmlns="4873beb7-5857-4685-be1f-d57550cc96cc">true</OpenTemplate>
-    <CSXSubmissionDate xmlns="4873beb7-5857-4685-be1f-d57550cc96cc" xsi:nil="true"/>
-    <TaxCatchAll xmlns="4873beb7-5857-4685-be1f-d57550cc96cc"/>
-    <Manager xmlns="4873beb7-5857-4685-be1f-d57550cc96cc" xsi:nil="true"/>
-    <NumericId xmlns="4873beb7-5857-4685-be1f-d57550cc96cc" xsi:nil="true"/>
-    <ParentAssetId xmlns="4873beb7-5857-4685-be1f-d57550cc96cc" xsi:nil="true"/>
-    <OriginalSourceMarket xmlns="4873beb7-5857-4685-be1f-d57550cc96cc" xsi:nil="true"/>
-    <ApprovalStatus xmlns="4873beb7-5857-4685-be1f-d57550cc96cc">InProgress</ApprovalStatus>
-    <TPComponent xmlns="4873beb7-5857-4685-be1f-d57550cc96cc" xsi:nil="true"/>
-    <EditorialTags xmlns="4873beb7-5857-4685-be1f-d57550cc96cc" xsi:nil="true"/>
-    <TPExecutable xmlns="4873beb7-5857-4685-be1f-d57550cc96cc" xsi:nil="true"/>
-    <TPLaunchHelpLink xmlns="4873beb7-5857-4685-be1f-d57550cc96cc" xsi:nil="true"/>
-    <LocComments xmlns="4873beb7-5857-4685-be1f-d57550cc96cc" xsi:nil="true"/>
-    <LocRecommendedHandoff xmlns="4873beb7-5857-4685-be1f-d57550cc96cc" xsi:nil="true"/>
-    <SourceTitle xmlns="4873beb7-5857-4685-be1f-d57550cc96cc" xsi:nil="true"/>
-    <CSXUpdate xmlns="4873beb7-5857-4685-be1f-d57550cc96cc">false</CSXUpdate>
-    <IntlLocPriority xmlns="4873beb7-5857-4685-be1f-d57550cc96cc" xsi:nil="true"/>
-    <UAProjectedTotalWords xmlns="4873beb7-5857-4685-be1f-d57550cc96cc" xsi:nil="true"/>
-    <AssetType xmlns="4873beb7-5857-4685-be1f-d57550cc96cc">TP</AssetType>
-    <MachineTranslated xmlns="4873beb7-5857-4685-be1f-d57550cc96cc">false</MachineTranslated>
-    <OutputCachingOn xmlns="4873beb7-5857-4685-be1f-d57550cc96cc">false</OutputCachingOn>
-    <TemplateStatus xmlns="4873beb7-5857-4685-be1f-d57550cc96cc">Complete</TemplateStatus>
-    <IsSearchable xmlns="4873beb7-5857-4685-be1f-d57550cc96cc">true</IsSearchable>
-    <ContentItem xmlns="4873beb7-5857-4685-be1f-d57550cc96cc" xsi:nil="true"/>
-    <HandoffToMSDN xmlns="4873beb7-5857-4685-be1f-d57550cc96cc" xsi:nil="true"/>
-    <ShowIn xmlns="4873beb7-5857-4685-be1f-d57550cc96cc">Show everywhere</ShowIn>
-    <ThumbnailAssetId xmlns="4873beb7-5857-4685-be1f-d57550cc96cc" xsi:nil="true"/>
-    <UALocComments xmlns="4873beb7-5857-4685-be1f-d57550cc96cc" xsi:nil="true"/>
-    <UALocRecommendation xmlns="4873beb7-5857-4685-be1f-d57550cc96cc">Localize</UALocRecommendation>
-    <LastModifiedDateTime xmlns="4873beb7-5857-4685-be1f-d57550cc96cc" xsi:nil="true"/>
-    <LegacyData xmlns="4873beb7-5857-4685-be1f-d57550cc96cc" xsi:nil="true"/>
-    <LocManualTestRequired xmlns="4873beb7-5857-4685-be1f-d57550cc96cc">false</LocManualTestRequired>
-    <LocMarketGroupTiers2 xmlns="4873beb7-5857-4685-be1f-d57550cc96cc" xsi:nil="true"/>
-    <ClipArtFilename xmlns="4873beb7-5857-4685-be1f-d57550cc96cc" xsi:nil="true"/>
-    <TPApplication xmlns="4873beb7-5857-4685-be1f-d57550cc96cc" xsi:nil="true"/>
-    <CSXHash xmlns="4873beb7-5857-4685-be1f-d57550cc96cc" xsi:nil="true"/>
-    <DirectSourceMarket xmlns="4873beb7-5857-4685-be1f-d57550cc96cc" xsi:nil="true"/>
-    <PrimaryImageGen xmlns="4873beb7-5857-4685-be1f-d57550cc96cc">true</PrimaryImageGen>
-    <PlannedPubDate xmlns="4873beb7-5857-4685-be1f-d57550cc96cc" xsi:nil="true"/>
-    <CSXSubmissionMarket xmlns="4873beb7-5857-4685-be1f-d57550cc96cc" xsi:nil="true"/>
-    <Downloads xmlns="4873beb7-5857-4685-be1f-d57550cc96cc">0</Downloads>
-    <ArtSampleDocs xmlns="4873beb7-5857-4685-be1f-d57550cc96cc" xsi:nil="true"/>
-    <TrustLevel xmlns="4873beb7-5857-4685-be1f-d57550cc96cc">1 Microsoft Managed Content</TrustLevel>
-    <BlockPublish xmlns="4873beb7-5857-4685-be1f-d57550cc96cc">false</BlockPublish>
-    <TPLaunchHelpLinkType xmlns="4873beb7-5857-4685-be1f-d57550cc96cc">Template</TPLaunchHelpLinkType>
-    <LocalizationTagsTaxHTField0 xmlns="4873beb7-5857-4685-be1f-d57550cc96cc">
-      <Terms xmlns="http://schemas.microsoft.com/office/infopath/2007/PartnerControls"/>
-    </LocalizationTagsTaxHTField0>
-    <BusinessGroup xmlns="4873beb7-5857-4685-be1f-d57550cc96cc" xsi:nil="true"/>
-    <Providers xmlns="4873beb7-5857-4685-be1f-d57550cc96cc" xsi:nil="true"/>
-    <TemplateTemplateType xmlns="4873beb7-5857-4685-be1f-d57550cc96cc">PowerPoint Presentation Template</TemplateTemplateType>
-    <TimesCloned xmlns="4873beb7-5857-4685-be1f-d57550cc96cc" xsi:nil="true"/>
-    <TPAppVersion xmlns="4873beb7-5857-4685-be1f-d57550cc96cc" xsi:nil="true"/>
-    <VoteCount xmlns="4873beb7-5857-4685-be1f-d57550cc96cc" xsi:nil="true"/>
-    <AverageRating xmlns="4873beb7-5857-4685-be1f-d57550cc96cc" xsi:nil="true"/>
-    <FeatureTagsTaxHTField0 xmlns="4873beb7-5857-4685-be1f-d57550cc96cc">
-      <Terms xmlns="http://schemas.microsoft.com/office/infopath/2007/PartnerControls"/>
-    </FeatureTagsTaxHTField0>
-    <Provider xmlns="4873beb7-5857-4685-be1f-d57550cc96cc" xsi:nil="true"/>
-    <UACurrentWords xmlns="4873beb7-5857-4685-be1f-d57550cc96cc" xsi:nil="true"/>
-    <AssetId xmlns="4873beb7-5857-4685-be1f-d57550cc96cc">TP103431361</AssetId>
-    <TPClientViewer xmlns="4873beb7-5857-4685-be1f-d57550cc96cc" xsi:nil="true"/>
-    <DSATActionTaken xmlns="4873beb7-5857-4685-be1f-d57550cc96cc" xsi:nil="true"/>
-    <APEditor xmlns="4873beb7-5857-4685-be1f-d57550cc96cc">
-      <UserInfo>
-        <DisplayName/>
-        <AccountId xsi:nil="true"/>
-        <AccountType/>
-      </UserInfo>
-    </APEditor>
-    <TPInstallLocation xmlns="4873beb7-5857-4685-be1f-d57550cc96cc" xsi:nil="true"/>
-    <OOCacheId xmlns="4873beb7-5857-4685-be1f-d57550cc96cc" xsi:nil="true"/>
-    <IsDeleted xmlns="4873beb7-5857-4685-be1f-d57550cc96cc">false</IsDeleted>
-    <PublishTargets xmlns="4873beb7-5857-4685-be1f-d57550cc96cc">OfficeOnlineVNext</PublishTargets>
-    <ApprovalLog xmlns="4873beb7-5857-4685-be1f-d57550cc96cc" xsi:nil="true"/>
-    <BugNumber xmlns="4873beb7-5857-4685-be1f-d57550cc96cc" xsi:nil="true"/>
-    <CrawlForDependencies xmlns="4873beb7-5857-4685-be1f-d57550cc96cc">false</CrawlForDependencies>
-    <InternalTagsTaxHTField0 xmlns="4873beb7-5857-4685-be1f-d57550cc96cc">
-      <Terms xmlns="http://schemas.microsoft.com/office/infopath/2007/PartnerControls"/>
-    </InternalTagsTaxHTField0>
-    <LastHandOff xmlns="4873beb7-5857-4685-be1f-d57550cc96cc" xsi:nil="true"/>
-    <Milestone xmlns="4873beb7-5857-4685-be1f-d57550cc96cc" xsi:nil="true"/>
-    <OriginalRelease xmlns="4873beb7-5857-4685-be1f-d57550cc96cc">15</OriginalRelease>
-    <RecommendationsModifier xmlns="4873beb7-5857-4685-be1f-d57550cc96cc" xsi:nil="true"/>
-    <ScenarioTagsTaxHTField0 xmlns="4873beb7-5857-4685-be1f-d57550cc96cc">
-      <Terms xmlns="http://schemas.microsoft.com/office/infopath/2007/PartnerControls"/>
-    </ScenarioTagsTaxHTField0>
-    <UANotes xmlns="4873beb7-5857-4685-be1f-d57550cc96cc" xsi:nil="true"/>
-  </documentManagement>
-</p:properties>
-</file>
-
-<file path=customXml/item2.xml><?xml version="1.0" encoding="utf-8"?>
-<?mso-contentType ?>
-<FormTemplates xmlns="http://schemas.microsoft.com/sharepoint/v3/contenttype/forms">
-  <Display>DocumentLibraryForm</Display>
-  <Edit>AssetEditForm</Edit>
-  <New>DocumentLibraryForm</New>
-</FormTemplates>
-</file>
-
-<file path=customXml/item3.xml><?xml version="1.0" encoding="utf-8"?>
 <ct:contentTypeSchema xmlns:ct="http://schemas.microsoft.com/office/2006/metadata/contentType" xmlns:ma="http://schemas.microsoft.com/office/2006/metadata/properties/metaAttributes" ct:_="" ma:_="" ma:contentTypeName="TemplateFile" ma:contentTypeID="0x0101006EDDDB5EE6D98C44930B742096920B300400F5B6D36B3EF94B4E9A635CDF2A18F5B8" ma:contentTypeVersion="72" ma:contentTypeDescription="Create a new document." ma:contentTypeScope="" ma:versionID="a23e56308344d904b51738559c3d67c9">
   <xsd:schema xmlns:xsd="http://www.w3.org/2001/XMLSchema" xmlns:xs="http://www.w3.org/2001/XMLSchema" xmlns:p="http://schemas.microsoft.com/office/2006/metadata/properties" xmlns:ns2="4873beb7-5857-4685-be1f-d57550cc96cc" targetNamespace="http://schemas.microsoft.com/office/2006/metadata/properties" ma:root="true" ma:fieldsID="cd0908cc4600e77bf5da051303e00c8d" ns2:_="">
     <xsd:import namespace="4873beb7-5857-4685-be1f-d57550cc96cc"/>
@@ -8489,31 +8350,142 @@
 </ct:contentTypeSchema>
 </file>
 
-<file path=customXml/itemProps1.xml><?xml version="1.0" encoding="utf-8"?>
-<ds:datastoreItem xmlns:ds="http://schemas.openxmlformats.org/officeDocument/2006/customXml" ds:itemID="{8CDDBB83-77C1-4099-A0AA-289882E745E2}">
-  <ds:schemaRefs>
-    <ds:schemaRef ds:uri="http://purl.org/dc/elements/1.1/"/>
-    <ds:schemaRef ds:uri="http://purl.org/dc/dcmitype/"/>
-    <ds:schemaRef ds:uri="http://schemas.microsoft.com/office/2006/documentManagement/types"/>
-    <ds:schemaRef ds:uri="http://schemas.microsoft.com/office/infopath/2007/PartnerControls"/>
-    <ds:schemaRef ds:uri="4873beb7-5857-4685-be1f-d57550cc96cc"/>
-    <ds:schemaRef ds:uri="http://purl.org/dc/terms/"/>
-    <ds:schemaRef ds:uri="http://schemas.openxmlformats.org/package/2006/metadata/core-properties"/>
-    <ds:schemaRef ds:uri="http://schemas.microsoft.com/office/2006/metadata/properties"/>
-    <ds:schemaRef ds:uri="http://www.w3.org/XML/1998/namespace"/>
-  </ds:schemaRefs>
-</ds:datastoreItem>
+<file path=customXml/item2.xml><?xml version="1.0" encoding="utf-8"?>
+<?mso-contentType ?>
+<FormTemplates xmlns="http://schemas.microsoft.com/sharepoint/v3/contenttype/forms">
+  <Display>DocumentLibraryForm</Display>
+  <Edit>AssetEditForm</Edit>
+  <New>DocumentLibraryForm</New>
+</FormTemplates>
 </file>
 
-<file path=customXml/itemProps2.xml><?xml version="1.0" encoding="utf-8"?>
-<ds:datastoreItem xmlns:ds="http://schemas.openxmlformats.org/officeDocument/2006/customXml" ds:itemID="{561E720F-F05D-4536-9C34-0CFCED65D3B7}">
-  <ds:schemaRefs>
-    <ds:schemaRef ds:uri="http://schemas.microsoft.com/sharepoint/v3/contenttype/forms"/>
-  </ds:schemaRefs>
-</ds:datastoreItem>
+<file path=customXml/item3.xml><?xml version="1.0" encoding="utf-8"?>
+<p:properties xmlns:p="http://schemas.microsoft.com/office/2006/metadata/properties" xmlns:xsi="http://www.w3.org/2001/XMLSchema-instance" xmlns:pc="http://schemas.microsoft.com/office/infopath/2007/PartnerControls">
+  <documentManagement>
+    <APDescription xmlns="4873beb7-5857-4685-be1f-d57550cc96cc" xsi:nil="true"/>
+    <AssetExpire xmlns="4873beb7-5857-4685-be1f-d57550cc96cc">2029-01-01T08:00:00+00:00</AssetExpire>
+    <CampaignTagsTaxHTField0 xmlns="4873beb7-5857-4685-be1f-d57550cc96cc">
+      <Terms xmlns="http://schemas.microsoft.com/office/infopath/2007/PartnerControls"/>
+    </CampaignTagsTaxHTField0>
+    <IntlLangReviewDate xmlns="4873beb7-5857-4685-be1f-d57550cc96cc" xsi:nil="true"/>
+    <TPFriendlyName xmlns="4873beb7-5857-4685-be1f-d57550cc96cc" xsi:nil="true"/>
+    <IntlLangReview xmlns="4873beb7-5857-4685-be1f-d57550cc96cc">false</IntlLangReview>
+    <LocLastLocAttemptVersionLookup xmlns="4873beb7-5857-4685-be1f-d57550cc96cc">855024</LocLastLocAttemptVersionLookup>
+    <PolicheckWords xmlns="4873beb7-5857-4685-be1f-d57550cc96cc" xsi:nil="true"/>
+    <SubmitterId xmlns="4873beb7-5857-4685-be1f-d57550cc96cc" xsi:nil="true"/>
+    <AcquiredFrom xmlns="4873beb7-5857-4685-be1f-d57550cc96cc">Internal MS</AcquiredFrom>
+    <EditorialStatus xmlns="4873beb7-5857-4685-be1f-d57550cc96cc">Complete</EditorialStatus>
+    <Markets xmlns="4873beb7-5857-4685-be1f-d57550cc96cc"/>
+    <OriginAsset xmlns="4873beb7-5857-4685-be1f-d57550cc96cc" xsi:nil="true"/>
+    <AssetStart xmlns="4873beb7-5857-4685-be1f-d57550cc96cc">2012-08-31T08:50:00+00:00</AssetStart>
+    <FriendlyTitle xmlns="4873beb7-5857-4685-be1f-d57550cc96cc" xsi:nil="true"/>
+    <MarketSpecific xmlns="4873beb7-5857-4685-be1f-d57550cc96cc">false</MarketSpecific>
+    <TPNamespace xmlns="4873beb7-5857-4685-be1f-d57550cc96cc" xsi:nil="true"/>
+    <PublishStatusLookup xmlns="4873beb7-5857-4685-be1f-d57550cc96cc">
+      <Value>1616423</Value>
+    </PublishStatusLookup>
+    <APAuthor xmlns="4873beb7-5857-4685-be1f-d57550cc96cc">
+      <UserInfo>
+        <DisplayName>REDMOND\kristaa</DisplayName>
+        <AccountId>136</AccountId>
+        <AccountType/>
+      </UserInfo>
+    </APAuthor>
+    <TPCommandLine xmlns="4873beb7-5857-4685-be1f-d57550cc96cc" xsi:nil="true"/>
+    <IntlLangReviewer xmlns="4873beb7-5857-4685-be1f-d57550cc96cc" xsi:nil="true"/>
+    <OpenTemplate xmlns="4873beb7-5857-4685-be1f-d57550cc96cc">true</OpenTemplate>
+    <CSXSubmissionDate xmlns="4873beb7-5857-4685-be1f-d57550cc96cc" xsi:nil="true"/>
+    <TaxCatchAll xmlns="4873beb7-5857-4685-be1f-d57550cc96cc"/>
+    <Manager xmlns="4873beb7-5857-4685-be1f-d57550cc96cc" xsi:nil="true"/>
+    <NumericId xmlns="4873beb7-5857-4685-be1f-d57550cc96cc" xsi:nil="true"/>
+    <ParentAssetId xmlns="4873beb7-5857-4685-be1f-d57550cc96cc" xsi:nil="true"/>
+    <OriginalSourceMarket xmlns="4873beb7-5857-4685-be1f-d57550cc96cc" xsi:nil="true"/>
+    <ApprovalStatus xmlns="4873beb7-5857-4685-be1f-d57550cc96cc">InProgress</ApprovalStatus>
+    <TPComponent xmlns="4873beb7-5857-4685-be1f-d57550cc96cc" xsi:nil="true"/>
+    <EditorialTags xmlns="4873beb7-5857-4685-be1f-d57550cc96cc" xsi:nil="true"/>
+    <TPExecutable xmlns="4873beb7-5857-4685-be1f-d57550cc96cc" xsi:nil="true"/>
+    <TPLaunchHelpLink xmlns="4873beb7-5857-4685-be1f-d57550cc96cc" xsi:nil="true"/>
+    <LocComments xmlns="4873beb7-5857-4685-be1f-d57550cc96cc" xsi:nil="true"/>
+    <LocRecommendedHandoff xmlns="4873beb7-5857-4685-be1f-d57550cc96cc" xsi:nil="true"/>
+    <SourceTitle xmlns="4873beb7-5857-4685-be1f-d57550cc96cc" xsi:nil="true"/>
+    <CSXUpdate xmlns="4873beb7-5857-4685-be1f-d57550cc96cc">false</CSXUpdate>
+    <IntlLocPriority xmlns="4873beb7-5857-4685-be1f-d57550cc96cc" xsi:nil="true"/>
+    <UAProjectedTotalWords xmlns="4873beb7-5857-4685-be1f-d57550cc96cc" xsi:nil="true"/>
+    <AssetType xmlns="4873beb7-5857-4685-be1f-d57550cc96cc">TP</AssetType>
+    <MachineTranslated xmlns="4873beb7-5857-4685-be1f-d57550cc96cc">false</MachineTranslated>
+    <OutputCachingOn xmlns="4873beb7-5857-4685-be1f-d57550cc96cc">false</OutputCachingOn>
+    <TemplateStatus xmlns="4873beb7-5857-4685-be1f-d57550cc96cc">Complete</TemplateStatus>
+    <IsSearchable xmlns="4873beb7-5857-4685-be1f-d57550cc96cc">true</IsSearchable>
+    <ContentItem xmlns="4873beb7-5857-4685-be1f-d57550cc96cc" xsi:nil="true"/>
+    <HandoffToMSDN xmlns="4873beb7-5857-4685-be1f-d57550cc96cc" xsi:nil="true"/>
+    <ShowIn xmlns="4873beb7-5857-4685-be1f-d57550cc96cc">Show everywhere</ShowIn>
+    <ThumbnailAssetId xmlns="4873beb7-5857-4685-be1f-d57550cc96cc" xsi:nil="true"/>
+    <UALocComments xmlns="4873beb7-5857-4685-be1f-d57550cc96cc" xsi:nil="true"/>
+    <UALocRecommendation xmlns="4873beb7-5857-4685-be1f-d57550cc96cc">Localize</UALocRecommendation>
+    <LastModifiedDateTime xmlns="4873beb7-5857-4685-be1f-d57550cc96cc" xsi:nil="true"/>
+    <LegacyData xmlns="4873beb7-5857-4685-be1f-d57550cc96cc" xsi:nil="true"/>
+    <LocManualTestRequired xmlns="4873beb7-5857-4685-be1f-d57550cc96cc">false</LocManualTestRequired>
+    <LocMarketGroupTiers2 xmlns="4873beb7-5857-4685-be1f-d57550cc96cc" xsi:nil="true"/>
+    <ClipArtFilename xmlns="4873beb7-5857-4685-be1f-d57550cc96cc" xsi:nil="true"/>
+    <TPApplication xmlns="4873beb7-5857-4685-be1f-d57550cc96cc" xsi:nil="true"/>
+    <CSXHash xmlns="4873beb7-5857-4685-be1f-d57550cc96cc" xsi:nil="true"/>
+    <DirectSourceMarket xmlns="4873beb7-5857-4685-be1f-d57550cc96cc" xsi:nil="true"/>
+    <PrimaryImageGen xmlns="4873beb7-5857-4685-be1f-d57550cc96cc">true</PrimaryImageGen>
+    <PlannedPubDate xmlns="4873beb7-5857-4685-be1f-d57550cc96cc" xsi:nil="true"/>
+    <CSXSubmissionMarket xmlns="4873beb7-5857-4685-be1f-d57550cc96cc" xsi:nil="true"/>
+    <Downloads xmlns="4873beb7-5857-4685-be1f-d57550cc96cc">0</Downloads>
+    <ArtSampleDocs xmlns="4873beb7-5857-4685-be1f-d57550cc96cc" xsi:nil="true"/>
+    <TrustLevel xmlns="4873beb7-5857-4685-be1f-d57550cc96cc">1 Microsoft Managed Content</TrustLevel>
+    <BlockPublish xmlns="4873beb7-5857-4685-be1f-d57550cc96cc">false</BlockPublish>
+    <TPLaunchHelpLinkType xmlns="4873beb7-5857-4685-be1f-d57550cc96cc">Template</TPLaunchHelpLinkType>
+    <LocalizationTagsTaxHTField0 xmlns="4873beb7-5857-4685-be1f-d57550cc96cc">
+      <Terms xmlns="http://schemas.microsoft.com/office/infopath/2007/PartnerControls"/>
+    </LocalizationTagsTaxHTField0>
+    <BusinessGroup xmlns="4873beb7-5857-4685-be1f-d57550cc96cc" xsi:nil="true"/>
+    <Providers xmlns="4873beb7-5857-4685-be1f-d57550cc96cc" xsi:nil="true"/>
+    <TemplateTemplateType xmlns="4873beb7-5857-4685-be1f-d57550cc96cc">PowerPoint Presentation Template</TemplateTemplateType>
+    <TimesCloned xmlns="4873beb7-5857-4685-be1f-d57550cc96cc" xsi:nil="true"/>
+    <TPAppVersion xmlns="4873beb7-5857-4685-be1f-d57550cc96cc" xsi:nil="true"/>
+    <VoteCount xmlns="4873beb7-5857-4685-be1f-d57550cc96cc" xsi:nil="true"/>
+    <AverageRating xmlns="4873beb7-5857-4685-be1f-d57550cc96cc" xsi:nil="true"/>
+    <FeatureTagsTaxHTField0 xmlns="4873beb7-5857-4685-be1f-d57550cc96cc">
+      <Terms xmlns="http://schemas.microsoft.com/office/infopath/2007/PartnerControls"/>
+    </FeatureTagsTaxHTField0>
+    <Provider xmlns="4873beb7-5857-4685-be1f-d57550cc96cc" xsi:nil="true"/>
+    <UACurrentWords xmlns="4873beb7-5857-4685-be1f-d57550cc96cc" xsi:nil="true"/>
+    <AssetId xmlns="4873beb7-5857-4685-be1f-d57550cc96cc">TP103431361</AssetId>
+    <TPClientViewer xmlns="4873beb7-5857-4685-be1f-d57550cc96cc" xsi:nil="true"/>
+    <DSATActionTaken xmlns="4873beb7-5857-4685-be1f-d57550cc96cc" xsi:nil="true"/>
+    <APEditor xmlns="4873beb7-5857-4685-be1f-d57550cc96cc">
+      <UserInfo>
+        <DisplayName/>
+        <AccountId xsi:nil="true"/>
+        <AccountType/>
+      </UserInfo>
+    </APEditor>
+    <TPInstallLocation xmlns="4873beb7-5857-4685-be1f-d57550cc96cc" xsi:nil="true"/>
+    <OOCacheId xmlns="4873beb7-5857-4685-be1f-d57550cc96cc" xsi:nil="true"/>
+    <IsDeleted xmlns="4873beb7-5857-4685-be1f-d57550cc96cc">false</IsDeleted>
+    <PublishTargets xmlns="4873beb7-5857-4685-be1f-d57550cc96cc">OfficeOnlineVNext</PublishTargets>
+    <ApprovalLog xmlns="4873beb7-5857-4685-be1f-d57550cc96cc" xsi:nil="true"/>
+    <BugNumber xmlns="4873beb7-5857-4685-be1f-d57550cc96cc" xsi:nil="true"/>
+    <CrawlForDependencies xmlns="4873beb7-5857-4685-be1f-d57550cc96cc">false</CrawlForDependencies>
+    <InternalTagsTaxHTField0 xmlns="4873beb7-5857-4685-be1f-d57550cc96cc">
+      <Terms xmlns="http://schemas.microsoft.com/office/infopath/2007/PartnerControls"/>
+    </InternalTagsTaxHTField0>
+    <LastHandOff xmlns="4873beb7-5857-4685-be1f-d57550cc96cc" xsi:nil="true"/>
+    <Milestone xmlns="4873beb7-5857-4685-be1f-d57550cc96cc" xsi:nil="true"/>
+    <OriginalRelease xmlns="4873beb7-5857-4685-be1f-d57550cc96cc">15</OriginalRelease>
+    <RecommendationsModifier xmlns="4873beb7-5857-4685-be1f-d57550cc96cc" xsi:nil="true"/>
+    <ScenarioTagsTaxHTField0 xmlns="4873beb7-5857-4685-be1f-d57550cc96cc">
+      <Terms xmlns="http://schemas.microsoft.com/office/infopath/2007/PartnerControls"/>
+    </ScenarioTagsTaxHTField0>
+    <UANotes xmlns="4873beb7-5857-4685-be1f-d57550cc96cc" xsi:nil="true"/>
+  </documentManagement>
+</p:properties>
 </file>
 
-<file path=customXml/itemProps3.xml><?xml version="1.0" encoding="utf-8"?>
+<file path=customXml/itemProps1.xml><?xml version="1.0" encoding="utf-8"?>
 <ds:datastoreItem xmlns:ds="http://schemas.openxmlformats.org/officeDocument/2006/customXml" ds:itemID="{28C8B9CA-0273-4370-889A-FC05DA5C2FA5}">
   <ds:schemaRefs>
     <ds:schemaRef ds:uri="http://schemas.microsoft.com/office/2006/metadata/contentType"/>
@@ -8529,4 +8501,28 @@
     <ds:schemaRef ds:uri="http://schemas.microsoft.com/internal/obd"/>
   </ds:schemaRefs>
 </ds:datastoreItem>
+</file>
+
+<file path=customXml/itemProps2.xml><?xml version="1.0" encoding="utf-8"?>
+<ds:datastoreItem xmlns:ds="http://schemas.openxmlformats.org/officeDocument/2006/customXml" ds:itemID="{561E720F-F05D-4536-9C34-0CFCED65D3B7}">
+  <ds:schemaRefs>
+    <ds:schemaRef ds:uri="http://schemas.microsoft.com/sharepoint/v3/contenttype/forms"/>
+  </ds:schemaRefs>
+</ds:datastoreItem>
+</file>
+
+<file path=customXml/itemProps3.xml><?xml version="1.0" encoding="utf-8"?>
+<ds:datastoreItem xmlns:ds="http://schemas.openxmlformats.org/officeDocument/2006/customXml" ds:itemID="{8CDDBB83-77C1-4099-A0AA-289882E745E2}">
+  <ds:schemaRefs>
+    <ds:schemaRef ds:uri="http://purl.org/dc/elements/1.1/"/>
+    <ds:schemaRef ds:uri="http://purl.org/dc/dcmitype/"/>
+    <ds:schemaRef ds:uri="http://schemas.microsoft.com/office/2006/documentManagement/types"/>
+    <ds:schemaRef ds:uri="http://schemas.microsoft.com/office/infopath/2007/PartnerControls"/>
+    <ds:schemaRef ds:uri="4873beb7-5857-4685-be1f-d57550cc96cc"/>
+    <ds:schemaRef ds:uri="http://purl.org/dc/terms/"/>
+    <ds:schemaRef ds:uri="http://schemas.openxmlformats.org/package/2006/metadata/core-properties"/>
+    <ds:schemaRef ds:uri="http://schemas.microsoft.com/office/2006/metadata/properties"/>
+    <ds:schemaRef ds:uri="http://www.w3.org/XML/1998/namespace"/>
+  </ds:schemaRefs>
+</ds:datastoreItem>
 </file>
--- a/reports/Fiber_Group_Presenetation.pptx
+++ b/reports/Fiber_Group_Presenetation.pptx
@@ -4950,7 +4950,7 @@
         </p:nvSpPr>
         <p:spPr>
           <a:xfrm>
-            <a:off x="361950" y="2305112"/>
+            <a:off x="371475" y="2447724"/>
             <a:ext cx="5734050" cy="2219691"/>
           </a:xfrm>
         </p:spPr>
@@ -5018,26 +5018,6 @@
                 <a:cs typeface="+mj-cs"/>
               </a:rPr>
             </a:br>
-            <a:r>
-              <a:rPr kumimoji="0" lang="en-US" sz="2400" b="0" i="1" u="none" strike="noStrike" kern="1200" cap="none" spc="-50" normalizeH="0" baseline="0" noProof="0" dirty="0">
-                <a:ln>
-                  <a:noFill/>
-                </a:ln>
-                <a:solidFill>
-                  <a:srgbClr val="000000">
-                    <a:lumMod val="85000"/>
-                    <a:lumOff val="15000"/>
-                  </a:srgbClr>
-                </a:solidFill>
-                <a:effectLst/>
-                <a:uLnTx/>
-                <a:uFillTx/>
-                <a:latin typeface="Bookman Old Style" panose="020F0302020204030204"/>
-                <a:ea typeface="+mj-ea"/>
-                <a:cs typeface="+mj-cs"/>
-              </a:rPr>
-              <a:t>A private burden within a public service</a:t>
-            </a:r>
             <a:endParaRPr lang="en-US" dirty="0"/>
           </a:p>
         </p:txBody>
@@ -7311,6 +7291,15 @@
 </file>
 
 <file path=customXml/item1.xml><?xml version="1.0" encoding="utf-8"?>
+<?mso-contentType ?>
+<FormTemplates xmlns="http://schemas.microsoft.com/sharepoint/v3/contenttype/forms">
+  <Display>DocumentLibraryForm</Display>
+  <Edit>AssetEditForm</Edit>
+  <New>DocumentLibraryForm</New>
+</FormTemplates>
+</file>
+
+<file path=customXml/item2.xml><?xml version="1.0" encoding="utf-8"?>
 <ct:contentTypeSchema xmlns:ct="http://schemas.microsoft.com/office/2006/metadata/contentType" xmlns:ma="http://schemas.microsoft.com/office/2006/metadata/properties/metaAttributes" ct:_="" ma:_="" ma:contentTypeName="TemplateFile" ma:contentTypeID="0x0101006EDDDB5EE6D98C44930B742096920B300400F5B6D36B3EF94B4E9A635CDF2A18F5B8" ma:contentTypeVersion="72" ma:contentTypeDescription="Create a new document." ma:contentTypeScope="" ma:versionID="a23e56308344d904b51738559c3d67c9">
   <xsd:schema xmlns:xsd="http://www.w3.org/2001/XMLSchema" xmlns:xs="http://www.w3.org/2001/XMLSchema" xmlns:p="http://schemas.microsoft.com/office/2006/metadata/properties" xmlns:ns2="4873beb7-5857-4685-be1f-d57550cc96cc" targetNamespace="http://schemas.microsoft.com/office/2006/metadata/properties" ma:root="true" ma:fieldsID="cd0908cc4600e77bf5da051303e00c8d" ns2:_="">
     <xsd:import namespace="4873beb7-5857-4685-be1f-d57550cc96cc"/>
@@ -8350,15 +8339,6 @@
 </ct:contentTypeSchema>
 </file>
 
-<file path=customXml/item2.xml><?xml version="1.0" encoding="utf-8"?>
-<?mso-contentType ?>
-<FormTemplates xmlns="http://schemas.microsoft.com/sharepoint/v3/contenttype/forms">
-  <Display>DocumentLibraryForm</Display>
-  <Edit>AssetEditForm</Edit>
-  <New>DocumentLibraryForm</New>
-</FormTemplates>
-</file>
-
 <file path=customXml/item3.xml><?xml version="1.0" encoding="utf-8"?>
 <p:properties xmlns:p="http://schemas.microsoft.com/office/2006/metadata/properties" xmlns:xsi="http://www.w3.org/2001/XMLSchema-instance" xmlns:pc="http://schemas.microsoft.com/office/infopath/2007/PartnerControls">
   <documentManagement>
@@ -8486,6 +8466,14 @@
 </file>
 
 <file path=customXml/itemProps1.xml><?xml version="1.0" encoding="utf-8"?>
+<ds:datastoreItem xmlns:ds="http://schemas.openxmlformats.org/officeDocument/2006/customXml" ds:itemID="{561E720F-F05D-4536-9C34-0CFCED65D3B7}">
+  <ds:schemaRefs>
+    <ds:schemaRef ds:uri="http://schemas.microsoft.com/sharepoint/v3/contenttype/forms"/>
+  </ds:schemaRefs>
+</ds:datastoreItem>
+</file>
+
+<file path=customXml/itemProps2.xml><?xml version="1.0" encoding="utf-8"?>
 <ds:datastoreItem xmlns:ds="http://schemas.openxmlformats.org/officeDocument/2006/customXml" ds:itemID="{28C8B9CA-0273-4370-889A-FC05DA5C2FA5}">
   <ds:schemaRefs>
     <ds:schemaRef ds:uri="http://schemas.microsoft.com/office/2006/metadata/contentType"/>
@@ -8499,14 +8487,6 @@
     <ds:schemaRef ds:uri="http://purl.org/dc/elements/1.1/"/>
     <ds:schemaRef ds:uri="http://purl.org/dc/terms/"/>
     <ds:schemaRef ds:uri="http://schemas.microsoft.com/internal/obd"/>
-  </ds:schemaRefs>
-</ds:datastoreItem>
-</file>
-
-<file path=customXml/itemProps2.xml><?xml version="1.0" encoding="utf-8"?>
-<ds:datastoreItem xmlns:ds="http://schemas.openxmlformats.org/officeDocument/2006/customXml" ds:itemID="{561E720F-F05D-4536-9C34-0CFCED65D3B7}">
-  <ds:schemaRefs>
-    <ds:schemaRef ds:uri="http://schemas.microsoft.com/sharepoint/v3/contenttype/forms"/>
   </ds:schemaRefs>
 </ds:datastoreItem>
 </file>

--- a/reports/Fiber_Group_Presenetation.pptx
+++ b/reports/Fiber_Group_Presenetation.pptx
@@ -5,10 +5,10 @@
     <p:sldMasterId id="2147483648" r:id="rId4"/>
   </p:sldMasterIdLst>
   <p:notesMasterIdLst>
-    <p:notesMasterId r:id="rId18"/>
+    <p:notesMasterId r:id="rId19"/>
   </p:notesMasterIdLst>
   <p:handoutMasterIdLst>
-    <p:handoutMasterId r:id="rId19"/>
+    <p:handoutMasterId r:id="rId20"/>
   </p:handoutMasterIdLst>
   <p:sldIdLst>
     <p:sldId id="256" r:id="rId5"/>
@@ -21,9 +21,10 @@
     <p:sldId id="258" r:id="rId12"/>
     <p:sldId id="274" r:id="rId13"/>
     <p:sldId id="260" r:id="rId14"/>
-    <p:sldId id="272" r:id="rId15"/>
-    <p:sldId id="266" r:id="rId16"/>
-    <p:sldId id="265" r:id="rId17"/>
+    <p:sldId id="278" r:id="rId15"/>
+    <p:sldId id="272" r:id="rId16"/>
+    <p:sldId id="266" r:id="rId17"/>
+    <p:sldId id="265" r:id="rId18"/>
   </p:sldIdLst>
   <p:sldSz cx="12192000" cy="6858000"/>
   <p:notesSz cx="7102475" cy="9388475"/>
@@ -5147,36 +5148,41 @@
           <a:p>
             <a:r>
               <a:rPr lang="en-US" dirty="0"/>
-              <a:t>Cellular and Fixed Broadband Infrastructure</a:t>
-            </a:r>
-          </a:p>
-        </p:txBody>
-      </p:sp>
-      <p:sp>
-        <p:nvSpPr>
-          <p:cNvPr id="6" name="Content Placeholder 5">
+              <a:t>Plot of Cities with 3 Years Median Wage</a:t>
+            </a:r>
+          </a:p>
+        </p:txBody>
+      </p:sp>
+      <p:pic>
+        <p:nvPicPr>
+          <p:cNvPr id="3" name="Picture 2">
             <a:extLst>
               <a:ext uri="{FF2B5EF4-FFF2-40B4-BE49-F238E27FC236}">
-                <a16:creationId xmlns:a16="http://schemas.microsoft.com/office/drawing/2014/main" id="{EFCB1D1B-2560-459E-83E6-C5DD63D41968}"/>
+                <a16:creationId xmlns:a16="http://schemas.microsoft.com/office/drawing/2014/main" id="{2261B5F9-377C-4882-A652-A8CCEA6ED5E9}"/>
               </a:ext>
             </a:extLst>
           </p:cNvPr>
-          <p:cNvSpPr>
-            <a:spLocks noGrp="1"/>
-          </p:cNvSpPr>
-          <p:nvPr>
-            <p:ph idx="1"/>
-          </p:nvPr>
-        </p:nvSpPr>
-        <p:spPr/>
-        <p:txBody>
-          <a:bodyPr/>
-          <a:lstStyle/>
-          <a:p>
-            <a:endParaRPr lang="en-US" dirty="0"/>
-          </a:p>
-        </p:txBody>
-      </p:sp>
+          <p:cNvPicPr>
+            <a:picLocks noChangeAspect="1"/>
+          </p:cNvPicPr>
+          <p:nvPr/>
+        </p:nvPicPr>
+        <p:blipFill>
+          <a:blip r:embed="rId2"/>
+          <a:stretch>
+            <a:fillRect/>
+          </a:stretch>
+        </p:blipFill>
+        <p:spPr>
+          <a:xfrm>
+            <a:off x="1617022" y="1876294"/>
+            <a:ext cx="8639175" cy="4162425"/>
+          </a:xfrm>
+          <a:prstGeom prst="rect">
+            <a:avLst/>
+          </a:prstGeom>
+        </p:spPr>
+      </p:pic>
     </p:spTree>
     <p:extLst>
       <p:ext uri="{BB962C8B-B14F-4D97-AF65-F5344CB8AC3E}">
@@ -5221,32 +5227,10 @@
       </p:grpSpPr>
       <p:sp>
         <p:nvSpPr>
-          <p:cNvPr id="2" name="Title 1"/>
-          <p:cNvSpPr>
-            <a:spLocks noGrp="1"/>
-          </p:cNvSpPr>
-          <p:nvPr>
-            <p:ph type="title"/>
-          </p:nvPr>
-        </p:nvSpPr>
-        <p:spPr/>
-        <p:txBody>
-          <a:bodyPr/>
-          <a:lstStyle/>
-          <a:p>
-            <a:r>
-              <a:rPr lang="en-US" dirty="0"/>
-              <a:t>FCC Complaints data</a:t>
-            </a:r>
-          </a:p>
-        </p:txBody>
-      </p:sp>
-      <p:sp>
-        <p:nvSpPr>
-          <p:cNvPr id="5" name="Content Placeholder 4">
+          <p:cNvPr id="2" name="Title 1">
             <a:extLst>
               <a:ext uri="{FF2B5EF4-FFF2-40B4-BE49-F238E27FC236}">
-                <a16:creationId xmlns:a16="http://schemas.microsoft.com/office/drawing/2014/main" id="{1C18B280-069E-40CB-AE35-07F9DA34BC03}"/>
+                <a16:creationId xmlns:a16="http://schemas.microsoft.com/office/drawing/2014/main" id="{D8187CD3-9DB8-4A0B-B347-C9092068BF33}"/>
               </a:ext>
             </a:extLst>
           </p:cNvPr>
@@ -5254,7 +5238,7 @@
             <a:spLocks noGrp="1"/>
           </p:cNvSpPr>
           <p:nvPr>
-            <p:ph idx="1"/>
+            <p:ph type="title"/>
           </p:nvPr>
         </p:nvSpPr>
         <p:spPr/>
@@ -5262,14 +5246,42 @@
           <a:bodyPr/>
           <a:lstStyle/>
           <a:p>
-            <a:endParaRPr lang="en-US" dirty="0"/>
+            <a:r>
+              <a:rPr lang="en-US" dirty="0"/>
+              <a:t>Cellular and Fixed Broadband Infrastructure</a:t>
+            </a:r>
+          </a:p>
+        </p:txBody>
+      </p:sp>
+      <p:sp>
+        <p:nvSpPr>
+          <p:cNvPr id="3" name="Content Placeholder 2">
+            <a:extLst>
+              <a:ext uri="{FF2B5EF4-FFF2-40B4-BE49-F238E27FC236}">
+                <a16:creationId xmlns:a16="http://schemas.microsoft.com/office/drawing/2014/main" id="{2287D467-DA66-4C09-9ACA-CB1FBB1EBE41}"/>
+              </a:ext>
+            </a:extLst>
+          </p:cNvPr>
+          <p:cNvSpPr>
+            <a:spLocks noGrp="1"/>
+          </p:cNvSpPr>
+          <p:nvPr>
+            <p:ph idx="1"/>
+          </p:nvPr>
+        </p:nvSpPr>
+        <p:spPr/>
+        <p:txBody>
+          <a:bodyPr/>
+          <a:lstStyle/>
+          <a:p>
+            <a:endParaRPr lang="en-US"/>
           </a:p>
         </p:txBody>
       </p:sp>
     </p:spTree>
     <p:extLst>
       <p:ext uri="{BB962C8B-B14F-4D97-AF65-F5344CB8AC3E}">
-        <p14:creationId xmlns:p14="http://schemas.microsoft.com/office/powerpoint/2010/main" val="2851694177"/>
+        <p14:creationId xmlns:p14="http://schemas.microsoft.com/office/powerpoint/2010/main" val="1881910317"/>
       </p:ext>
     </p:extLst>
   </p:cSld>
@@ -5325,6 +5337,95 @@
           <a:p>
             <a:r>
               <a:rPr lang="en-US" dirty="0"/>
+              <a:t>FCC Complaints data</a:t>
+            </a:r>
+          </a:p>
+        </p:txBody>
+      </p:sp>
+      <p:sp>
+        <p:nvSpPr>
+          <p:cNvPr id="5" name="Content Placeholder 4">
+            <a:extLst>
+              <a:ext uri="{FF2B5EF4-FFF2-40B4-BE49-F238E27FC236}">
+                <a16:creationId xmlns:a16="http://schemas.microsoft.com/office/drawing/2014/main" id="{1C18B280-069E-40CB-AE35-07F9DA34BC03}"/>
+              </a:ext>
+            </a:extLst>
+          </p:cNvPr>
+          <p:cNvSpPr>
+            <a:spLocks noGrp="1"/>
+          </p:cNvSpPr>
+          <p:nvPr>
+            <p:ph idx="1"/>
+          </p:nvPr>
+        </p:nvSpPr>
+        <p:spPr/>
+        <p:txBody>
+          <a:bodyPr/>
+          <a:lstStyle/>
+          <a:p>
+            <a:endParaRPr lang="en-US" dirty="0"/>
+          </a:p>
+        </p:txBody>
+      </p:sp>
+    </p:spTree>
+    <p:extLst>
+      <p:ext uri="{BB962C8B-B14F-4D97-AF65-F5344CB8AC3E}">
+        <p14:creationId xmlns:p14="http://schemas.microsoft.com/office/powerpoint/2010/main" val="2851694177"/>
+      </p:ext>
+    </p:extLst>
+  </p:cSld>
+  <p:clrMapOvr>
+    <a:masterClrMapping/>
+  </p:clrMapOvr>
+  <mc:AlternateContent xmlns:mc="http://schemas.openxmlformats.org/markup-compatibility/2006" xmlns:p14="http://schemas.microsoft.com/office/powerpoint/2010/main">
+    <mc:Choice Requires="p14">
+      <p:transition spd="med" p14:dur="700">
+        <p:fade/>
+      </p:transition>
+    </mc:Choice>
+    <mc:Fallback xmlns="">
+      <p:transition spd="med">
+        <p:fade/>
+      </p:transition>
+    </mc:Fallback>
+  </mc:AlternateContent>
+</p:sld>
+</file>
+
+<file path=ppt/slides/slide13.xml><?xml version="1.0" encoding="utf-8"?>
+<p:sld xmlns:a="http://schemas.openxmlformats.org/drawingml/2006/main" xmlns:r="http://schemas.openxmlformats.org/officeDocument/2006/relationships" xmlns:p="http://schemas.openxmlformats.org/presentationml/2006/main">
+  <p:cSld>
+    <p:spTree>
+      <p:nvGrpSpPr>
+        <p:cNvPr id="1" name=""/>
+        <p:cNvGrpSpPr/>
+        <p:nvPr/>
+      </p:nvGrpSpPr>
+      <p:grpSpPr>
+        <a:xfrm>
+          <a:off x="0" y="0"/>
+          <a:ext cx="0" cy="0"/>
+          <a:chOff x="0" y="0"/>
+          <a:chExt cx="0" cy="0"/>
+        </a:xfrm>
+      </p:grpSpPr>
+      <p:sp>
+        <p:nvSpPr>
+          <p:cNvPr id="2" name="Title 1"/>
+          <p:cNvSpPr>
+            <a:spLocks noGrp="1"/>
+          </p:cNvSpPr>
+          <p:nvPr>
+            <p:ph type="title"/>
+          </p:nvPr>
+        </p:nvSpPr>
+        <p:spPr/>
+        <p:txBody>
+          <a:bodyPr/>
+          <a:lstStyle/>
+          <a:p>
+            <a:r>
+              <a:rPr lang="en-US" dirty="0"/>
               <a:t>Where US cities rank amongst the world in terms of internet cost</a:t>
             </a:r>
           </a:p>
@@ -5395,7 +5496,7 @@
 </p:sld>
 </file>
 
-<file path=ppt/slides/slide13.xml><?xml version="1.0" encoding="utf-8"?>
+<file path=ppt/slides/slide14.xml><?xml version="1.0" encoding="utf-8"?>
 <p:sld xmlns:a="http://schemas.openxmlformats.org/drawingml/2006/main" xmlns:r="http://schemas.openxmlformats.org/officeDocument/2006/relationships" xmlns:p="http://schemas.openxmlformats.org/presentationml/2006/main">
   <p:cSld>
     <p:spTree>
@@ -7291,12 +7392,129 @@
 </file>
 
 <file path=customXml/item1.xml><?xml version="1.0" encoding="utf-8"?>
-<?mso-contentType ?>
-<FormTemplates xmlns="http://schemas.microsoft.com/sharepoint/v3/contenttype/forms">
-  <Display>DocumentLibraryForm</Display>
-  <Edit>AssetEditForm</Edit>
-  <New>DocumentLibraryForm</New>
-</FormTemplates>
+<p:properties xmlns:p="http://schemas.microsoft.com/office/2006/metadata/properties" xmlns:xsi="http://www.w3.org/2001/XMLSchema-instance" xmlns:pc="http://schemas.microsoft.com/office/infopath/2007/PartnerControls">
+  <documentManagement>
+    <APDescription xmlns="4873beb7-5857-4685-be1f-d57550cc96cc" xsi:nil="true"/>
+    <AssetExpire xmlns="4873beb7-5857-4685-be1f-d57550cc96cc">2029-01-01T08:00:00+00:00</AssetExpire>
+    <CampaignTagsTaxHTField0 xmlns="4873beb7-5857-4685-be1f-d57550cc96cc">
+      <Terms xmlns="http://schemas.microsoft.com/office/infopath/2007/PartnerControls"/>
+    </CampaignTagsTaxHTField0>
+    <IntlLangReviewDate xmlns="4873beb7-5857-4685-be1f-d57550cc96cc" xsi:nil="true"/>
+    <TPFriendlyName xmlns="4873beb7-5857-4685-be1f-d57550cc96cc" xsi:nil="true"/>
+    <IntlLangReview xmlns="4873beb7-5857-4685-be1f-d57550cc96cc">false</IntlLangReview>
+    <LocLastLocAttemptVersionLookup xmlns="4873beb7-5857-4685-be1f-d57550cc96cc">855024</LocLastLocAttemptVersionLookup>
+    <PolicheckWords xmlns="4873beb7-5857-4685-be1f-d57550cc96cc" xsi:nil="true"/>
+    <SubmitterId xmlns="4873beb7-5857-4685-be1f-d57550cc96cc" xsi:nil="true"/>
+    <AcquiredFrom xmlns="4873beb7-5857-4685-be1f-d57550cc96cc">Internal MS</AcquiredFrom>
+    <EditorialStatus xmlns="4873beb7-5857-4685-be1f-d57550cc96cc">Complete</EditorialStatus>
+    <Markets xmlns="4873beb7-5857-4685-be1f-d57550cc96cc"/>
+    <OriginAsset xmlns="4873beb7-5857-4685-be1f-d57550cc96cc" xsi:nil="true"/>
+    <AssetStart xmlns="4873beb7-5857-4685-be1f-d57550cc96cc">2012-08-31T08:50:00+00:00</AssetStart>
+    <FriendlyTitle xmlns="4873beb7-5857-4685-be1f-d57550cc96cc" xsi:nil="true"/>
+    <MarketSpecific xmlns="4873beb7-5857-4685-be1f-d57550cc96cc">false</MarketSpecific>
+    <TPNamespace xmlns="4873beb7-5857-4685-be1f-d57550cc96cc" xsi:nil="true"/>
+    <PublishStatusLookup xmlns="4873beb7-5857-4685-be1f-d57550cc96cc">
+      <Value>1616423</Value>
+    </PublishStatusLookup>
+    <APAuthor xmlns="4873beb7-5857-4685-be1f-d57550cc96cc">
+      <UserInfo>
+        <DisplayName>REDMOND\kristaa</DisplayName>
+        <AccountId>136</AccountId>
+        <AccountType/>
+      </UserInfo>
+    </APAuthor>
+    <TPCommandLine xmlns="4873beb7-5857-4685-be1f-d57550cc96cc" xsi:nil="true"/>
+    <IntlLangReviewer xmlns="4873beb7-5857-4685-be1f-d57550cc96cc" xsi:nil="true"/>
+    <OpenTemplate xmlns="4873beb7-5857-4685-be1f-d57550cc96cc">true</OpenTemplate>
+    <CSXSubmissionDate xmlns="4873beb7-5857-4685-be1f-d57550cc96cc" xsi:nil="true"/>
+    <TaxCatchAll xmlns="4873beb7-5857-4685-be1f-d57550cc96cc"/>
+    <Manager xmlns="4873beb7-5857-4685-be1f-d57550cc96cc" xsi:nil="true"/>
+    <NumericId xmlns="4873beb7-5857-4685-be1f-d57550cc96cc" xsi:nil="true"/>
+    <ParentAssetId xmlns="4873beb7-5857-4685-be1f-d57550cc96cc" xsi:nil="true"/>
+    <OriginalSourceMarket xmlns="4873beb7-5857-4685-be1f-d57550cc96cc" xsi:nil="true"/>
+    <ApprovalStatus xmlns="4873beb7-5857-4685-be1f-d57550cc96cc">InProgress</ApprovalStatus>
+    <TPComponent xmlns="4873beb7-5857-4685-be1f-d57550cc96cc" xsi:nil="true"/>
+    <EditorialTags xmlns="4873beb7-5857-4685-be1f-d57550cc96cc" xsi:nil="true"/>
+    <TPExecutable xmlns="4873beb7-5857-4685-be1f-d57550cc96cc" xsi:nil="true"/>
+    <TPLaunchHelpLink xmlns="4873beb7-5857-4685-be1f-d57550cc96cc" xsi:nil="true"/>
+    <LocComments xmlns="4873beb7-5857-4685-be1f-d57550cc96cc" xsi:nil="true"/>
+    <LocRecommendedHandoff xmlns="4873beb7-5857-4685-be1f-d57550cc96cc" xsi:nil="true"/>
+    <SourceTitle xmlns="4873beb7-5857-4685-be1f-d57550cc96cc" xsi:nil="true"/>
+    <CSXUpdate xmlns="4873beb7-5857-4685-be1f-d57550cc96cc">false</CSXUpdate>
+    <IntlLocPriority xmlns="4873beb7-5857-4685-be1f-d57550cc96cc" xsi:nil="true"/>
+    <UAProjectedTotalWords xmlns="4873beb7-5857-4685-be1f-d57550cc96cc" xsi:nil="true"/>
+    <AssetType xmlns="4873beb7-5857-4685-be1f-d57550cc96cc">TP</AssetType>
+    <MachineTranslated xmlns="4873beb7-5857-4685-be1f-d57550cc96cc">false</MachineTranslated>
+    <OutputCachingOn xmlns="4873beb7-5857-4685-be1f-d57550cc96cc">false</OutputCachingOn>
+    <TemplateStatus xmlns="4873beb7-5857-4685-be1f-d57550cc96cc">Complete</TemplateStatus>
+    <IsSearchable xmlns="4873beb7-5857-4685-be1f-d57550cc96cc">true</IsSearchable>
+    <ContentItem xmlns="4873beb7-5857-4685-be1f-d57550cc96cc" xsi:nil="true"/>
+    <HandoffToMSDN xmlns="4873beb7-5857-4685-be1f-d57550cc96cc" xsi:nil="true"/>
+    <ShowIn xmlns="4873beb7-5857-4685-be1f-d57550cc96cc">Show everywhere</ShowIn>
+    <ThumbnailAssetId xmlns="4873beb7-5857-4685-be1f-d57550cc96cc" xsi:nil="true"/>
+    <UALocComments xmlns="4873beb7-5857-4685-be1f-d57550cc96cc" xsi:nil="true"/>
+    <UALocRecommendation xmlns="4873beb7-5857-4685-be1f-d57550cc96cc">Localize</UALocRecommendation>
+    <LastModifiedDateTime xmlns="4873beb7-5857-4685-be1f-d57550cc96cc" xsi:nil="true"/>
+    <LegacyData xmlns="4873beb7-5857-4685-be1f-d57550cc96cc" xsi:nil="true"/>
+    <LocManualTestRequired xmlns="4873beb7-5857-4685-be1f-d57550cc96cc">false</LocManualTestRequired>
+    <LocMarketGroupTiers2 xmlns="4873beb7-5857-4685-be1f-d57550cc96cc" xsi:nil="true"/>
+    <ClipArtFilename xmlns="4873beb7-5857-4685-be1f-d57550cc96cc" xsi:nil="true"/>
+    <TPApplication xmlns="4873beb7-5857-4685-be1f-d57550cc96cc" xsi:nil="true"/>
+    <CSXHash xmlns="4873beb7-5857-4685-be1f-d57550cc96cc" xsi:nil="true"/>
+    <DirectSourceMarket xmlns="4873beb7-5857-4685-be1f-d57550cc96cc" xsi:nil="true"/>
+    <PrimaryImageGen xmlns="4873beb7-5857-4685-be1f-d57550cc96cc">true</PrimaryImageGen>
+    <PlannedPubDate xmlns="4873beb7-5857-4685-be1f-d57550cc96cc" xsi:nil="true"/>
+    <CSXSubmissionMarket xmlns="4873beb7-5857-4685-be1f-d57550cc96cc" xsi:nil="true"/>
+    <Downloads xmlns="4873beb7-5857-4685-be1f-d57550cc96cc">0</Downloads>
+    <ArtSampleDocs xmlns="4873beb7-5857-4685-be1f-d57550cc96cc" xsi:nil="true"/>
+    <TrustLevel xmlns="4873beb7-5857-4685-be1f-d57550cc96cc">1 Microsoft Managed Content</TrustLevel>
+    <BlockPublish xmlns="4873beb7-5857-4685-be1f-d57550cc96cc">false</BlockPublish>
+    <TPLaunchHelpLinkType xmlns="4873beb7-5857-4685-be1f-d57550cc96cc">Template</TPLaunchHelpLinkType>
+    <LocalizationTagsTaxHTField0 xmlns="4873beb7-5857-4685-be1f-d57550cc96cc">
+      <Terms xmlns="http://schemas.microsoft.com/office/infopath/2007/PartnerControls"/>
+    </LocalizationTagsTaxHTField0>
+    <BusinessGroup xmlns="4873beb7-5857-4685-be1f-d57550cc96cc" xsi:nil="true"/>
+    <Providers xmlns="4873beb7-5857-4685-be1f-d57550cc96cc" xsi:nil="true"/>
+    <TemplateTemplateType xmlns="4873beb7-5857-4685-be1f-d57550cc96cc">PowerPoint Presentation Template</TemplateTemplateType>
+    <TimesCloned xmlns="4873beb7-5857-4685-be1f-d57550cc96cc" xsi:nil="true"/>
+    <TPAppVersion xmlns="4873beb7-5857-4685-be1f-d57550cc96cc" xsi:nil="true"/>
+    <VoteCount xmlns="4873beb7-5857-4685-be1f-d57550cc96cc" xsi:nil="true"/>
+    <AverageRating xmlns="4873beb7-5857-4685-be1f-d57550cc96cc" xsi:nil="true"/>
+    <FeatureTagsTaxHTField0 xmlns="4873beb7-5857-4685-be1f-d57550cc96cc">
+      <Terms xmlns="http://schemas.microsoft.com/office/infopath/2007/PartnerControls"/>
+    </FeatureTagsTaxHTField0>
+    <Provider xmlns="4873beb7-5857-4685-be1f-d57550cc96cc" xsi:nil="true"/>
+    <UACurrentWords xmlns="4873beb7-5857-4685-be1f-d57550cc96cc" xsi:nil="true"/>
+    <AssetId xmlns="4873beb7-5857-4685-be1f-d57550cc96cc">TP103431361</AssetId>
+    <TPClientViewer xmlns="4873beb7-5857-4685-be1f-d57550cc96cc" xsi:nil="true"/>
+    <DSATActionTaken xmlns="4873beb7-5857-4685-be1f-d57550cc96cc" xsi:nil="true"/>
+    <APEditor xmlns="4873beb7-5857-4685-be1f-d57550cc96cc">
+      <UserInfo>
+        <DisplayName/>
+        <AccountId xsi:nil="true"/>
+        <AccountType/>
+      </UserInfo>
+    </APEditor>
+    <TPInstallLocation xmlns="4873beb7-5857-4685-be1f-d57550cc96cc" xsi:nil="true"/>
+    <OOCacheId xmlns="4873beb7-5857-4685-be1f-d57550cc96cc" xsi:nil="true"/>
+    <IsDeleted xmlns="4873beb7-5857-4685-be1f-d57550cc96cc">false</IsDeleted>
+    <PublishTargets xmlns="4873beb7-5857-4685-be1f-d57550cc96cc">OfficeOnlineVNext</PublishTargets>
+    <ApprovalLog xmlns="4873beb7-5857-4685-be1f-d57550cc96cc" xsi:nil="true"/>
+    <BugNumber xmlns="4873beb7-5857-4685-be1f-d57550cc96cc" xsi:nil="true"/>
+    <CrawlForDependencies xmlns="4873beb7-5857-4685-be1f-d57550cc96cc">false</CrawlForDependencies>
+    <InternalTagsTaxHTField0 xmlns="4873beb7-5857-4685-be1f-d57550cc96cc">
+      <Terms xmlns="http://schemas.microsoft.com/office/infopath/2007/PartnerControls"/>
+    </InternalTagsTaxHTField0>
+    <LastHandOff xmlns="4873beb7-5857-4685-be1f-d57550cc96cc" xsi:nil="true"/>
+    <Milestone xmlns="4873beb7-5857-4685-be1f-d57550cc96cc" xsi:nil="true"/>
+    <OriginalRelease xmlns="4873beb7-5857-4685-be1f-d57550cc96cc">15</OriginalRelease>
+    <RecommendationsModifier xmlns="4873beb7-5857-4685-be1f-d57550cc96cc" xsi:nil="true"/>
+    <ScenarioTagsTaxHTField0 xmlns="4873beb7-5857-4685-be1f-d57550cc96cc">
+      <Terms xmlns="http://schemas.microsoft.com/office/infopath/2007/PartnerControls"/>
+    </ScenarioTagsTaxHTField0>
+    <UANotes xmlns="4873beb7-5857-4685-be1f-d57550cc96cc" xsi:nil="true"/>
+  </documentManagement>
+</p:properties>
 </file>
 
 <file path=customXml/item2.xml><?xml version="1.0" encoding="utf-8"?>
@@ -8340,135 +8558,26 @@
 </file>
 
 <file path=customXml/item3.xml><?xml version="1.0" encoding="utf-8"?>
-<p:properties xmlns:p="http://schemas.microsoft.com/office/2006/metadata/properties" xmlns:xsi="http://www.w3.org/2001/XMLSchema-instance" xmlns:pc="http://schemas.microsoft.com/office/infopath/2007/PartnerControls">
-  <documentManagement>
-    <APDescription xmlns="4873beb7-5857-4685-be1f-d57550cc96cc" xsi:nil="true"/>
-    <AssetExpire xmlns="4873beb7-5857-4685-be1f-d57550cc96cc">2029-01-01T08:00:00+00:00</AssetExpire>
-    <CampaignTagsTaxHTField0 xmlns="4873beb7-5857-4685-be1f-d57550cc96cc">
-      <Terms xmlns="http://schemas.microsoft.com/office/infopath/2007/PartnerControls"/>
-    </CampaignTagsTaxHTField0>
-    <IntlLangReviewDate xmlns="4873beb7-5857-4685-be1f-d57550cc96cc" xsi:nil="true"/>
-    <TPFriendlyName xmlns="4873beb7-5857-4685-be1f-d57550cc96cc" xsi:nil="true"/>
-    <IntlLangReview xmlns="4873beb7-5857-4685-be1f-d57550cc96cc">false</IntlLangReview>
-    <LocLastLocAttemptVersionLookup xmlns="4873beb7-5857-4685-be1f-d57550cc96cc">855024</LocLastLocAttemptVersionLookup>
-    <PolicheckWords xmlns="4873beb7-5857-4685-be1f-d57550cc96cc" xsi:nil="true"/>
-    <SubmitterId xmlns="4873beb7-5857-4685-be1f-d57550cc96cc" xsi:nil="true"/>
-    <AcquiredFrom xmlns="4873beb7-5857-4685-be1f-d57550cc96cc">Internal MS</AcquiredFrom>
-    <EditorialStatus xmlns="4873beb7-5857-4685-be1f-d57550cc96cc">Complete</EditorialStatus>
-    <Markets xmlns="4873beb7-5857-4685-be1f-d57550cc96cc"/>
-    <OriginAsset xmlns="4873beb7-5857-4685-be1f-d57550cc96cc" xsi:nil="true"/>
-    <AssetStart xmlns="4873beb7-5857-4685-be1f-d57550cc96cc">2012-08-31T08:50:00+00:00</AssetStart>
-    <FriendlyTitle xmlns="4873beb7-5857-4685-be1f-d57550cc96cc" xsi:nil="true"/>
-    <MarketSpecific xmlns="4873beb7-5857-4685-be1f-d57550cc96cc">false</MarketSpecific>
-    <TPNamespace xmlns="4873beb7-5857-4685-be1f-d57550cc96cc" xsi:nil="true"/>
-    <PublishStatusLookup xmlns="4873beb7-5857-4685-be1f-d57550cc96cc">
-      <Value>1616423</Value>
-    </PublishStatusLookup>
-    <APAuthor xmlns="4873beb7-5857-4685-be1f-d57550cc96cc">
-      <UserInfo>
-        <DisplayName>REDMOND\kristaa</DisplayName>
-        <AccountId>136</AccountId>
-        <AccountType/>
-      </UserInfo>
-    </APAuthor>
-    <TPCommandLine xmlns="4873beb7-5857-4685-be1f-d57550cc96cc" xsi:nil="true"/>
-    <IntlLangReviewer xmlns="4873beb7-5857-4685-be1f-d57550cc96cc" xsi:nil="true"/>
-    <OpenTemplate xmlns="4873beb7-5857-4685-be1f-d57550cc96cc">true</OpenTemplate>
-    <CSXSubmissionDate xmlns="4873beb7-5857-4685-be1f-d57550cc96cc" xsi:nil="true"/>
-    <TaxCatchAll xmlns="4873beb7-5857-4685-be1f-d57550cc96cc"/>
-    <Manager xmlns="4873beb7-5857-4685-be1f-d57550cc96cc" xsi:nil="true"/>
-    <NumericId xmlns="4873beb7-5857-4685-be1f-d57550cc96cc" xsi:nil="true"/>
-    <ParentAssetId xmlns="4873beb7-5857-4685-be1f-d57550cc96cc" xsi:nil="true"/>
-    <OriginalSourceMarket xmlns="4873beb7-5857-4685-be1f-d57550cc96cc" xsi:nil="true"/>
-    <ApprovalStatus xmlns="4873beb7-5857-4685-be1f-d57550cc96cc">InProgress</ApprovalStatus>
-    <TPComponent xmlns="4873beb7-5857-4685-be1f-d57550cc96cc" xsi:nil="true"/>
-    <EditorialTags xmlns="4873beb7-5857-4685-be1f-d57550cc96cc" xsi:nil="true"/>
-    <TPExecutable xmlns="4873beb7-5857-4685-be1f-d57550cc96cc" xsi:nil="true"/>
-    <TPLaunchHelpLink xmlns="4873beb7-5857-4685-be1f-d57550cc96cc" xsi:nil="true"/>
-    <LocComments xmlns="4873beb7-5857-4685-be1f-d57550cc96cc" xsi:nil="true"/>
-    <LocRecommendedHandoff xmlns="4873beb7-5857-4685-be1f-d57550cc96cc" xsi:nil="true"/>
-    <SourceTitle xmlns="4873beb7-5857-4685-be1f-d57550cc96cc" xsi:nil="true"/>
-    <CSXUpdate xmlns="4873beb7-5857-4685-be1f-d57550cc96cc">false</CSXUpdate>
-    <IntlLocPriority xmlns="4873beb7-5857-4685-be1f-d57550cc96cc" xsi:nil="true"/>
-    <UAProjectedTotalWords xmlns="4873beb7-5857-4685-be1f-d57550cc96cc" xsi:nil="true"/>
-    <AssetType xmlns="4873beb7-5857-4685-be1f-d57550cc96cc">TP</AssetType>
-    <MachineTranslated xmlns="4873beb7-5857-4685-be1f-d57550cc96cc">false</MachineTranslated>
-    <OutputCachingOn xmlns="4873beb7-5857-4685-be1f-d57550cc96cc">false</OutputCachingOn>
-    <TemplateStatus xmlns="4873beb7-5857-4685-be1f-d57550cc96cc">Complete</TemplateStatus>
-    <IsSearchable xmlns="4873beb7-5857-4685-be1f-d57550cc96cc">true</IsSearchable>
-    <ContentItem xmlns="4873beb7-5857-4685-be1f-d57550cc96cc" xsi:nil="true"/>
-    <HandoffToMSDN xmlns="4873beb7-5857-4685-be1f-d57550cc96cc" xsi:nil="true"/>
-    <ShowIn xmlns="4873beb7-5857-4685-be1f-d57550cc96cc">Show everywhere</ShowIn>
-    <ThumbnailAssetId xmlns="4873beb7-5857-4685-be1f-d57550cc96cc" xsi:nil="true"/>
-    <UALocComments xmlns="4873beb7-5857-4685-be1f-d57550cc96cc" xsi:nil="true"/>
-    <UALocRecommendation xmlns="4873beb7-5857-4685-be1f-d57550cc96cc">Localize</UALocRecommendation>
-    <LastModifiedDateTime xmlns="4873beb7-5857-4685-be1f-d57550cc96cc" xsi:nil="true"/>
-    <LegacyData xmlns="4873beb7-5857-4685-be1f-d57550cc96cc" xsi:nil="true"/>
-    <LocManualTestRequired xmlns="4873beb7-5857-4685-be1f-d57550cc96cc">false</LocManualTestRequired>
-    <LocMarketGroupTiers2 xmlns="4873beb7-5857-4685-be1f-d57550cc96cc" xsi:nil="true"/>
-    <ClipArtFilename xmlns="4873beb7-5857-4685-be1f-d57550cc96cc" xsi:nil="true"/>
-    <TPApplication xmlns="4873beb7-5857-4685-be1f-d57550cc96cc" xsi:nil="true"/>
-    <CSXHash xmlns="4873beb7-5857-4685-be1f-d57550cc96cc" xsi:nil="true"/>
-    <DirectSourceMarket xmlns="4873beb7-5857-4685-be1f-d57550cc96cc" xsi:nil="true"/>
-    <PrimaryImageGen xmlns="4873beb7-5857-4685-be1f-d57550cc96cc">true</PrimaryImageGen>
-    <PlannedPubDate xmlns="4873beb7-5857-4685-be1f-d57550cc96cc" xsi:nil="true"/>
-    <CSXSubmissionMarket xmlns="4873beb7-5857-4685-be1f-d57550cc96cc" xsi:nil="true"/>
-    <Downloads xmlns="4873beb7-5857-4685-be1f-d57550cc96cc">0</Downloads>
-    <ArtSampleDocs xmlns="4873beb7-5857-4685-be1f-d57550cc96cc" xsi:nil="true"/>
-    <TrustLevel xmlns="4873beb7-5857-4685-be1f-d57550cc96cc">1 Microsoft Managed Content</TrustLevel>
-    <BlockPublish xmlns="4873beb7-5857-4685-be1f-d57550cc96cc">false</BlockPublish>
-    <TPLaunchHelpLinkType xmlns="4873beb7-5857-4685-be1f-d57550cc96cc">Template</TPLaunchHelpLinkType>
-    <LocalizationTagsTaxHTField0 xmlns="4873beb7-5857-4685-be1f-d57550cc96cc">
-      <Terms xmlns="http://schemas.microsoft.com/office/infopath/2007/PartnerControls"/>
-    </LocalizationTagsTaxHTField0>
-    <BusinessGroup xmlns="4873beb7-5857-4685-be1f-d57550cc96cc" xsi:nil="true"/>
-    <Providers xmlns="4873beb7-5857-4685-be1f-d57550cc96cc" xsi:nil="true"/>
-    <TemplateTemplateType xmlns="4873beb7-5857-4685-be1f-d57550cc96cc">PowerPoint Presentation Template</TemplateTemplateType>
-    <TimesCloned xmlns="4873beb7-5857-4685-be1f-d57550cc96cc" xsi:nil="true"/>
-    <TPAppVersion xmlns="4873beb7-5857-4685-be1f-d57550cc96cc" xsi:nil="true"/>
-    <VoteCount xmlns="4873beb7-5857-4685-be1f-d57550cc96cc" xsi:nil="true"/>
-    <AverageRating xmlns="4873beb7-5857-4685-be1f-d57550cc96cc" xsi:nil="true"/>
-    <FeatureTagsTaxHTField0 xmlns="4873beb7-5857-4685-be1f-d57550cc96cc">
-      <Terms xmlns="http://schemas.microsoft.com/office/infopath/2007/PartnerControls"/>
-    </FeatureTagsTaxHTField0>
-    <Provider xmlns="4873beb7-5857-4685-be1f-d57550cc96cc" xsi:nil="true"/>
-    <UACurrentWords xmlns="4873beb7-5857-4685-be1f-d57550cc96cc" xsi:nil="true"/>
-    <AssetId xmlns="4873beb7-5857-4685-be1f-d57550cc96cc">TP103431361</AssetId>
-    <TPClientViewer xmlns="4873beb7-5857-4685-be1f-d57550cc96cc" xsi:nil="true"/>
-    <DSATActionTaken xmlns="4873beb7-5857-4685-be1f-d57550cc96cc" xsi:nil="true"/>
-    <APEditor xmlns="4873beb7-5857-4685-be1f-d57550cc96cc">
-      <UserInfo>
-        <DisplayName/>
-        <AccountId xsi:nil="true"/>
-        <AccountType/>
-      </UserInfo>
-    </APEditor>
-    <TPInstallLocation xmlns="4873beb7-5857-4685-be1f-d57550cc96cc" xsi:nil="true"/>
-    <OOCacheId xmlns="4873beb7-5857-4685-be1f-d57550cc96cc" xsi:nil="true"/>
-    <IsDeleted xmlns="4873beb7-5857-4685-be1f-d57550cc96cc">false</IsDeleted>
-    <PublishTargets xmlns="4873beb7-5857-4685-be1f-d57550cc96cc">OfficeOnlineVNext</PublishTargets>
-    <ApprovalLog xmlns="4873beb7-5857-4685-be1f-d57550cc96cc" xsi:nil="true"/>
-    <BugNumber xmlns="4873beb7-5857-4685-be1f-d57550cc96cc" xsi:nil="true"/>
-    <CrawlForDependencies xmlns="4873beb7-5857-4685-be1f-d57550cc96cc">false</CrawlForDependencies>
-    <InternalTagsTaxHTField0 xmlns="4873beb7-5857-4685-be1f-d57550cc96cc">
-      <Terms xmlns="http://schemas.microsoft.com/office/infopath/2007/PartnerControls"/>
-    </InternalTagsTaxHTField0>
-    <LastHandOff xmlns="4873beb7-5857-4685-be1f-d57550cc96cc" xsi:nil="true"/>
-    <Milestone xmlns="4873beb7-5857-4685-be1f-d57550cc96cc" xsi:nil="true"/>
-    <OriginalRelease xmlns="4873beb7-5857-4685-be1f-d57550cc96cc">15</OriginalRelease>
-    <RecommendationsModifier xmlns="4873beb7-5857-4685-be1f-d57550cc96cc" xsi:nil="true"/>
-    <ScenarioTagsTaxHTField0 xmlns="4873beb7-5857-4685-be1f-d57550cc96cc">
-      <Terms xmlns="http://schemas.microsoft.com/office/infopath/2007/PartnerControls"/>
-    </ScenarioTagsTaxHTField0>
-    <UANotes xmlns="4873beb7-5857-4685-be1f-d57550cc96cc" xsi:nil="true"/>
-  </documentManagement>
-</p:properties>
+<?mso-contentType ?>
+<FormTemplates xmlns="http://schemas.microsoft.com/sharepoint/v3/contenttype/forms">
+  <Display>DocumentLibraryForm</Display>
+  <Edit>AssetEditForm</Edit>
+  <New>DocumentLibraryForm</New>
+</FormTemplates>
 </file>
 
 <file path=customXml/itemProps1.xml><?xml version="1.0" encoding="utf-8"?>
-<ds:datastoreItem xmlns:ds="http://schemas.openxmlformats.org/officeDocument/2006/customXml" ds:itemID="{561E720F-F05D-4536-9C34-0CFCED65D3B7}">
+<ds:datastoreItem xmlns:ds="http://schemas.openxmlformats.org/officeDocument/2006/customXml" ds:itemID="{8CDDBB83-77C1-4099-A0AA-289882E745E2}">
   <ds:schemaRefs>
-    <ds:schemaRef ds:uri="http://schemas.microsoft.com/sharepoint/v3/contenttype/forms"/>
+    <ds:schemaRef ds:uri="http://purl.org/dc/elements/1.1/"/>
+    <ds:schemaRef ds:uri="http://purl.org/dc/dcmitype/"/>
+    <ds:schemaRef ds:uri="http://schemas.microsoft.com/office/2006/documentManagement/types"/>
+    <ds:schemaRef ds:uri="http://schemas.microsoft.com/office/infopath/2007/PartnerControls"/>
+    <ds:schemaRef ds:uri="4873beb7-5857-4685-be1f-d57550cc96cc"/>
+    <ds:schemaRef ds:uri="http://purl.org/dc/terms/"/>
+    <ds:schemaRef ds:uri="http://schemas.openxmlformats.org/package/2006/metadata/core-properties"/>
+    <ds:schemaRef ds:uri="http://schemas.microsoft.com/office/2006/metadata/properties"/>
+    <ds:schemaRef ds:uri="http://www.w3.org/XML/1998/namespace"/>
   </ds:schemaRefs>
 </ds:datastoreItem>
 </file>
@@ -8492,17 +8601,9 @@
 </file>
 
 <file path=customXml/itemProps3.xml><?xml version="1.0" encoding="utf-8"?>
-<ds:datastoreItem xmlns:ds="http://schemas.openxmlformats.org/officeDocument/2006/customXml" ds:itemID="{8CDDBB83-77C1-4099-A0AA-289882E745E2}">
+<ds:datastoreItem xmlns:ds="http://schemas.openxmlformats.org/officeDocument/2006/customXml" ds:itemID="{561E720F-F05D-4536-9C34-0CFCED65D3B7}">
   <ds:schemaRefs>
-    <ds:schemaRef ds:uri="http://purl.org/dc/elements/1.1/"/>
-    <ds:schemaRef ds:uri="http://purl.org/dc/dcmitype/"/>
-    <ds:schemaRef ds:uri="http://schemas.microsoft.com/office/2006/documentManagement/types"/>
-    <ds:schemaRef ds:uri="http://schemas.microsoft.com/office/infopath/2007/PartnerControls"/>
-    <ds:schemaRef ds:uri="4873beb7-5857-4685-be1f-d57550cc96cc"/>
-    <ds:schemaRef ds:uri="http://purl.org/dc/terms/"/>
-    <ds:schemaRef ds:uri="http://schemas.openxmlformats.org/package/2006/metadata/core-properties"/>
-    <ds:schemaRef ds:uri="http://schemas.microsoft.com/office/2006/metadata/properties"/>
-    <ds:schemaRef ds:uri="http://www.w3.org/XML/1998/namespace"/>
+    <ds:schemaRef ds:uri="http://schemas.microsoft.com/sharepoint/v3/contenttype/forms"/>
   </ds:schemaRefs>
 </ds:datastoreItem>
 </file>
--- a/reports/Fiber_Group_Presenetation.pptx
+++ b/reports/Fiber_Group_Presenetation.pptx
@@ -5944,6 +5944,12 @@
             </a:r>
           </a:p>
           <a:p>
+            <a:pPr marL="914400" lvl="2" indent="0">
+              <a:buNone/>
+            </a:pPr>
+            <a:endParaRPr lang="en-US" dirty="0"/>
+          </a:p>
+          <a:p>
             <a:r>
               <a:rPr lang="en-US" dirty="0"/>
               <a:t>Why does this matter? </a:t>
@@ -5953,7 +5959,30 @@
             <a:pPr lvl="1"/>
             <a:r>
               <a:rPr lang="en-US" dirty="0"/>
-              <a:t>The average US household uses 5 devices,</a:t>
+              <a:t>The average US household uses 5 internet devices.</a:t>
+            </a:r>
+          </a:p>
+          <a:p>
+            <a:pPr lvl="2"/>
+            <a:r>
+              <a:rPr lang="en-US" dirty="0"/>
+              <a:t>High speed availability</a:t>
+            </a:r>
+          </a:p>
+          <a:p>
+            <a:pPr lvl="2"/>
+            <a:r>
+              <a:rPr lang="en-US" dirty="0"/>
+              <a:t>Affordability</a:t>
+            </a:r>
+          </a:p>
+          <a:p>
+            <a:pPr marL="914400" lvl="2" indent="0">
+              <a:buNone/>
+            </a:pPr>
+            <a:r>
+              <a:rPr lang="en-US" dirty="0"/>
+              <a:t>	</a:t>
             </a:r>
           </a:p>
           <a:p>
@@ -6077,6 +6106,16 @@
             </a:r>
           </a:p>
           <a:p>
+            <a:pPr lvl="1"/>
+            <a:endParaRPr lang="en-US" dirty="0"/>
+          </a:p>
+          <a:p>
+            <a:pPr marL="457200" lvl="1" indent="0">
+              <a:buNone/>
+            </a:pPr>
+            <a:endParaRPr lang="en-US" dirty="0"/>
+          </a:p>
+          <a:p>
             <a:r>
               <a:rPr lang="en-US" dirty="0"/>
               <a:t>The essential nature of the internet</a:t>
@@ -6095,19 +6134,6 @@
             <a:r>
               <a:rPr lang="en-US" dirty="0"/>
               <a:t>, 53% of Americans stated that access to the internet has been essential to them during the Covid-19 Pandemic.</a:t>
-            </a:r>
-          </a:p>
-          <a:p>
-            <a:pPr lvl="1"/>
-            <a:r>
-              <a:rPr lang="en-US" dirty="0"/>
-              <a:t>This survey found at least 28% of consumers reported concerns about how they could pay their internet bills over the coming months.</a:t>
-            </a:r>
-          </a:p>
-          <a:p>
-            <a:r>
-              <a:rPr lang="en-US" dirty="0"/>
-              <a:t>Our presentation covers the following: a representative sample of the cost of basic broadband access in a subsample of cities, a function of this cost in terms of both median income in that area, and the infrastructure that supports those areas (may have to cut broadband and use complaints data)</a:t>
             </a:r>
           </a:p>
           <a:p>
@@ -7392,132 +7418,6 @@
 </file>
 
 <file path=customXml/item1.xml><?xml version="1.0" encoding="utf-8"?>
-<p:properties xmlns:p="http://schemas.microsoft.com/office/2006/metadata/properties" xmlns:xsi="http://www.w3.org/2001/XMLSchema-instance" xmlns:pc="http://schemas.microsoft.com/office/infopath/2007/PartnerControls">
-  <documentManagement>
-    <APDescription xmlns="4873beb7-5857-4685-be1f-d57550cc96cc" xsi:nil="true"/>
-    <AssetExpire xmlns="4873beb7-5857-4685-be1f-d57550cc96cc">2029-01-01T08:00:00+00:00</AssetExpire>
-    <CampaignTagsTaxHTField0 xmlns="4873beb7-5857-4685-be1f-d57550cc96cc">
-      <Terms xmlns="http://schemas.microsoft.com/office/infopath/2007/PartnerControls"/>
-    </CampaignTagsTaxHTField0>
-    <IntlLangReviewDate xmlns="4873beb7-5857-4685-be1f-d57550cc96cc" xsi:nil="true"/>
-    <TPFriendlyName xmlns="4873beb7-5857-4685-be1f-d57550cc96cc" xsi:nil="true"/>
-    <IntlLangReview xmlns="4873beb7-5857-4685-be1f-d57550cc96cc">false</IntlLangReview>
-    <LocLastLocAttemptVersionLookup xmlns="4873beb7-5857-4685-be1f-d57550cc96cc">855024</LocLastLocAttemptVersionLookup>
-    <PolicheckWords xmlns="4873beb7-5857-4685-be1f-d57550cc96cc" xsi:nil="true"/>
-    <SubmitterId xmlns="4873beb7-5857-4685-be1f-d57550cc96cc" xsi:nil="true"/>
-    <AcquiredFrom xmlns="4873beb7-5857-4685-be1f-d57550cc96cc">Internal MS</AcquiredFrom>
-    <EditorialStatus xmlns="4873beb7-5857-4685-be1f-d57550cc96cc">Complete</EditorialStatus>
-    <Markets xmlns="4873beb7-5857-4685-be1f-d57550cc96cc"/>
-    <OriginAsset xmlns="4873beb7-5857-4685-be1f-d57550cc96cc" xsi:nil="true"/>
-    <AssetStart xmlns="4873beb7-5857-4685-be1f-d57550cc96cc">2012-08-31T08:50:00+00:00</AssetStart>
-    <FriendlyTitle xmlns="4873beb7-5857-4685-be1f-d57550cc96cc" xsi:nil="true"/>
-    <MarketSpecific xmlns="4873beb7-5857-4685-be1f-d57550cc96cc">false</MarketSpecific>
-    <TPNamespace xmlns="4873beb7-5857-4685-be1f-d57550cc96cc" xsi:nil="true"/>
-    <PublishStatusLookup xmlns="4873beb7-5857-4685-be1f-d57550cc96cc">
-      <Value>1616423</Value>
-    </PublishStatusLookup>
-    <APAuthor xmlns="4873beb7-5857-4685-be1f-d57550cc96cc">
-      <UserInfo>
-        <DisplayName>REDMOND\kristaa</DisplayName>
-        <AccountId>136</AccountId>
-        <AccountType/>
-      </UserInfo>
-    </APAuthor>
-    <TPCommandLine xmlns="4873beb7-5857-4685-be1f-d57550cc96cc" xsi:nil="true"/>
-    <IntlLangReviewer xmlns="4873beb7-5857-4685-be1f-d57550cc96cc" xsi:nil="true"/>
-    <OpenTemplate xmlns="4873beb7-5857-4685-be1f-d57550cc96cc">true</OpenTemplate>
-    <CSXSubmissionDate xmlns="4873beb7-5857-4685-be1f-d57550cc96cc" xsi:nil="true"/>
-    <TaxCatchAll xmlns="4873beb7-5857-4685-be1f-d57550cc96cc"/>
-    <Manager xmlns="4873beb7-5857-4685-be1f-d57550cc96cc" xsi:nil="true"/>
-    <NumericId xmlns="4873beb7-5857-4685-be1f-d57550cc96cc" xsi:nil="true"/>
-    <ParentAssetId xmlns="4873beb7-5857-4685-be1f-d57550cc96cc" xsi:nil="true"/>
-    <OriginalSourceMarket xmlns="4873beb7-5857-4685-be1f-d57550cc96cc" xsi:nil="true"/>
-    <ApprovalStatus xmlns="4873beb7-5857-4685-be1f-d57550cc96cc">InProgress</ApprovalStatus>
-    <TPComponent xmlns="4873beb7-5857-4685-be1f-d57550cc96cc" xsi:nil="true"/>
-    <EditorialTags xmlns="4873beb7-5857-4685-be1f-d57550cc96cc" xsi:nil="true"/>
-    <TPExecutable xmlns="4873beb7-5857-4685-be1f-d57550cc96cc" xsi:nil="true"/>
-    <TPLaunchHelpLink xmlns="4873beb7-5857-4685-be1f-d57550cc96cc" xsi:nil="true"/>
-    <LocComments xmlns="4873beb7-5857-4685-be1f-d57550cc96cc" xsi:nil="true"/>
-    <LocRecommendedHandoff xmlns="4873beb7-5857-4685-be1f-d57550cc96cc" xsi:nil="true"/>
-    <SourceTitle xmlns="4873beb7-5857-4685-be1f-d57550cc96cc" xsi:nil="true"/>
-    <CSXUpdate xmlns="4873beb7-5857-4685-be1f-d57550cc96cc">false</CSXUpdate>
-    <IntlLocPriority xmlns="4873beb7-5857-4685-be1f-d57550cc96cc" xsi:nil="true"/>
-    <UAProjectedTotalWords xmlns="4873beb7-5857-4685-be1f-d57550cc96cc" xsi:nil="true"/>
-    <AssetType xmlns="4873beb7-5857-4685-be1f-d57550cc96cc">TP</AssetType>
-    <MachineTranslated xmlns="4873beb7-5857-4685-be1f-d57550cc96cc">false</MachineTranslated>
-    <OutputCachingOn xmlns="4873beb7-5857-4685-be1f-d57550cc96cc">false</OutputCachingOn>
-    <TemplateStatus xmlns="4873beb7-5857-4685-be1f-d57550cc96cc">Complete</TemplateStatus>
-    <IsSearchable xmlns="4873beb7-5857-4685-be1f-d57550cc96cc">true</IsSearchable>
-    <ContentItem xmlns="4873beb7-5857-4685-be1f-d57550cc96cc" xsi:nil="true"/>
-    <HandoffToMSDN xmlns="4873beb7-5857-4685-be1f-d57550cc96cc" xsi:nil="true"/>
-    <ShowIn xmlns="4873beb7-5857-4685-be1f-d57550cc96cc">Show everywhere</ShowIn>
-    <ThumbnailAssetId xmlns="4873beb7-5857-4685-be1f-d57550cc96cc" xsi:nil="true"/>
-    <UALocComments xmlns="4873beb7-5857-4685-be1f-d57550cc96cc" xsi:nil="true"/>
-    <UALocRecommendation xmlns="4873beb7-5857-4685-be1f-d57550cc96cc">Localize</UALocRecommendation>
-    <LastModifiedDateTime xmlns="4873beb7-5857-4685-be1f-d57550cc96cc" xsi:nil="true"/>
-    <LegacyData xmlns="4873beb7-5857-4685-be1f-d57550cc96cc" xsi:nil="true"/>
-    <LocManualTestRequired xmlns="4873beb7-5857-4685-be1f-d57550cc96cc">false</LocManualTestRequired>
-    <LocMarketGroupTiers2 xmlns="4873beb7-5857-4685-be1f-d57550cc96cc" xsi:nil="true"/>
-    <ClipArtFilename xmlns="4873beb7-5857-4685-be1f-d57550cc96cc" xsi:nil="true"/>
-    <TPApplication xmlns="4873beb7-5857-4685-be1f-d57550cc96cc" xsi:nil="true"/>
-    <CSXHash xmlns="4873beb7-5857-4685-be1f-d57550cc96cc" xsi:nil="true"/>
-    <DirectSourceMarket xmlns="4873beb7-5857-4685-be1f-d57550cc96cc" xsi:nil="true"/>
-    <PrimaryImageGen xmlns="4873beb7-5857-4685-be1f-d57550cc96cc">true</PrimaryImageGen>
-    <PlannedPubDate xmlns="4873beb7-5857-4685-be1f-d57550cc96cc" xsi:nil="true"/>
-    <CSXSubmissionMarket xmlns="4873beb7-5857-4685-be1f-d57550cc96cc" xsi:nil="true"/>
-    <Downloads xmlns="4873beb7-5857-4685-be1f-d57550cc96cc">0</Downloads>
-    <ArtSampleDocs xmlns="4873beb7-5857-4685-be1f-d57550cc96cc" xsi:nil="true"/>
-    <TrustLevel xmlns="4873beb7-5857-4685-be1f-d57550cc96cc">1 Microsoft Managed Content</TrustLevel>
-    <BlockPublish xmlns="4873beb7-5857-4685-be1f-d57550cc96cc">false</BlockPublish>
-    <TPLaunchHelpLinkType xmlns="4873beb7-5857-4685-be1f-d57550cc96cc">Template</TPLaunchHelpLinkType>
-    <LocalizationTagsTaxHTField0 xmlns="4873beb7-5857-4685-be1f-d57550cc96cc">
-      <Terms xmlns="http://schemas.microsoft.com/office/infopath/2007/PartnerControls"/>
-    </LocalizationTagsTaxHTField0>
-    <BusinessGroup xmlns="4873beb7-5857-4685-be1f-d57550cc96cc" xsi:nil="true"/>
-    <Providers xmlns="4873beb7-5857-4685-be1f-d57550cc96cc" xsi:nil="true"/>
-    <TemplateTemplateType xmlns="4873beb7-5857-4685-be1f-d57550cc96cc">PowerPoint Presentation Template</TemplateTemplateType>
-    <TimesCloned xmlns="4873beb7-5857-4685-be1f-d57550cc96cc" xsi:nil="true"/>
-    <TPAppVersion xmlns="4873beb7-5857-4685-be1f-d57550cc96cc" xsi:nil="true"/>
-    <VoteCount xmlns="4873beb7-5857-4685-be1f-d57550cc96cc" xsi:nil="true"/>
-    <AverageRating xmlns="4873beb7-5857-4685-be1f-d57550cc96cc" xsi:nil="true"/>
-    <FeatureTagsTaxHTField0 xmlns="4873beb7-5857-4685-be1f-d57550cc96cc">
-      <Terms xmlns="http://schemas.microsoft.com/office/infopath/2007/PartnerControls"/>
-    </FeatureTagsTaxHTField0>
-    <Provider xmlns="4873beb7-5857-4685-be1f-d57550cc96cc" xsi:nil="true"/>
-    <UACurrentWords xmlns="4873beb7-5857-4685-be1f-d57550cc96cc" xsi:nil="true"/>
-    <AssetId xmlns="4873beb7-5857-4685-be1f-d57550cc96cc">TP103431361</AssetId>
-    <TPClientViewer xmlns="4873beb7-5857-4685-be1f-d57550cc96cc" xsi:nil="true"/>
-    <DSATActionTaken xmlns="4873beb7-5857-4685-be1f-d57550cc96cc" xsi:nil="true"/>
-    <APEditor xmlns="4873beb7-5857-4685-be1f-d57550cc96cc">
-      <UserInfo>
-        <DisplayName/>
-        <AccountId xsi:nil="true"/>
-        <AccountType/>
-      </UserInfo>
-    </APEditor>
-    <TPInstallLocation xmlns="4873beb7-5857-4685-be1f-d57550cc96cc" xsi:nil="true"/>
-    <OOCacheId xmlns="4873beb7-5857-4685-be1f-d57550cc96cc" xsi:nil="true"/>
-    <IsDeleted xmlns="4873beb7-5857-4685-be1f-d57550cc96cc">false</IsDeleted>
-    <PublishTargets xmlns="4873beb7-5857-4685-be1f-d57550cc96cc">OfficeOnlineVNext</PublishTargets>
-    <ApprovalLog xmlns="4873beb7-5857-4685-be1f-d57550cc96cc" xsi:nil="true"/>
-    <BugNumber xmlns="4873beb7-5857-4685-be1f-d57550cc96cc" xsi:nil="true"/>
-    <CrawlForDependencies xmlns="4873beb7-5857-4685-be1f-d57550cc96cc">false</CrawlForDependencies>
-    <InternalTagsTaxHTField0 xmlns="4873beb7-5857-4685-be1f-d57550cc96cc">
-      <Terms xmlns="http://schemas.microsoft.com/office/infopath/2007/PartnerControls"/>
-    </InternalTagsTaxHTField0>
-    <LastHandOff xmlns="4873beb7-5857-4685-be1f-d57550cc96cc" xsi:nil="true"/>
-    <Milestone xmlns="4873beb7-5857-4685-be1f-d57550cc96cc" xsi:nil="true"/>
-    <OriginalRelease xmlns="4873beb7-5857-4685-be1f-d57550cc96cc">15</OriginalRelease>
-    <RecommendationsModifier xmlns="4873beb7-5857-4685-be1f-d57550cc96cc" xsi:nil="true"/>
-    <ScenarioTagsTaxHTField0 xmlns="4873beb7-5857-4685-be1f-d57550cc96cc">
-      <Terms xmlns="http://schemas.microsoft.com/office/infopath/2007/PartnerControls"/>
-    </ScenarioTagsTaxHTField0>
-    <UANotes xmlns="4873beb7-5857-4685-be1f-d57550cc96cc" xsi:nil="true"/>
-  </documentManagement>
-</p:properties>
-</file>
-
-<file path=customXml/item2.xml><?xml version="1.0" encoding="utf-8"?>
 <ct:contentTypeSchema xmlns:ct="http://schemas.microsoft.com/office/2006/metadata/contentType" xmlns:ma="http://schemas.microsoft.com/office/2006/metadata/properties/metaAttributes" ct:_="" ma:_="" ma:contentTypeName="TemplateFile" ma:contentTypeID="0x0101006EDDDB5EE6D98C44930B742096920B300400F5B6D36B3EF94B4E9A635CDF2A18F5B8" ma:contentTypeVersion="72" ma:contentTypeDescription="Create a new document." ma:contentTypeScope="" ma:versionID="a23e56308344d904b51738559c3d67c9">
   <xsd:schema xmlns:xsd="http://www.w3.org/2001/XMLSchema" xmlns:xs="http://www.w3.org/2001/XMLSchema" xmlns:p="http://schemas.microsoft.com/office/2006/metadata/properties" xmlns:ns2="4873beb7-5857-4685-be1f-d57550cc96cc" targetNamespace="http://schemas.microsoft.com/office/2006/metadata/properties" ma:root="true" ma:fieldsID="cd0908cc4600e77bf5da051303e00c8d" ns2:_="">
     <xsd:import namespace="4873beb7-5857-4685-be1f-d57550cc96cc"/>
@@ -8557,6 +8457,132 @@
 </ct:contentTypeSchema>
 </file>
 
+<file path=customXml/item2.xml><?xml version="1.0" encoding="utf-8"?>
+<p:properties xmlns:p="http://schemas.microsoft.com/office/2006/metadata/properties" xmlns:xsi="http://www.w3.org/2001/XMLSchema-instance" xmlns:pc="http://schemas.microsoft.com/office/infopath/2007/PartnerControls">
+  <documentManagement>
+    <APDescription xmlns="4873beb7-5857-4685-be1f-d57550cc96cc" xsi:nil="true"/>
+    <AssetExpire xmlns="4873beb7-5857-4685-be1f-d57550cc96cc">2029-01-01T08:00:00+00:00</AssetExpire>
+    <CampaignTagsTaxHTField0 xmlns="4873beb7-5857-4685-be1f-d57550cc96cc">
+      <Terms xmlns="http://schemas.microsoft.com/office/infopath/2007/PartnerControls"/>
+    </CampaignTagsTaxHTField0>
+    <IntlLangReviewDate xmlns="4873beb7-5857-4685-be1f-d57550cc96cc" xsi:nil="true"/>
+    <TPFriendlyName xmlns="4873beb7-5857-4685-be1f-d57550cc96cc" xsi:nil="true"/>
+    <IntlLangReview xmlns="4873beb7-5857-4685-be1f-d57550cc96cc">false</IntlLangReview>
+    <LocLastLocAttemptVersionLookup xmlns="4873beb7-5857-4685-be1f-d57550cc96cc">855024</LocLastLocAttemptVersionLookup>
+    <PolicheckWords xmlns="4873beb7-5857-4685-be1f-d57550cc96cc" xsi:nil="true"/>
+    <SubmitterId xmlns="4873beb7-5857-4685-be1f-d57550cc96cc" xsi:nil="true"/>
+    <AcquiredFrom xmlns="4873beb7-5857-4685-be1f-d57550cc96cc">Internal MS</AcquiredFrom>
+    <EditorialStatus xmlns="4873beb7-5857-4685-be1f-d57550cc96cc">Complete</EditorialStatus>
+    <Markets xmlns="4873beb7-5857-4685-be1f-d57550cc96cc"/>
+    <OriginAsset xmlns="4873beb7-5857-4685-be1f-d57550cc96cc" xsi:nil="true"/>
+    <AssetStart xmlns="4873beb7-5857-4685-be1f-d57550cc96cc">2012-08-31T08:50:00+00:00</AssetStart>
+    <FriendlyTitle xmlns="4873beb7-5857-4685-be1f-d57550cc96cc" xsi:nil="true"/>
+    <MarketSpecific xmlns="4873beb7-5857-4685-be1f-d57550cc96cc">false</MarketSpecific>
+    <TPNamespace xmlns="4873beb7-5857-4685-be1f-d57550cc96cc" xsi:nil="true"/>
+    <PublishStatusLookup xmlns="4873beb7-5857-4685-be1f-d57550cc96cc">
+      <Value>1616423</Value>
+    </PublishStatusLookup>
+    <APAuthor xmlns="4873beb7-5857-4685-be1f-d57550cc96cc">
+      <UserInfo>
+        <DisplayName>REDMOND\kristaa</DisplayName>
+        <AccountId>136</AccountId>
+        <AccountType/>
+      </UserInfo>
+    </APAuthor>
+    <TPCommandLine xmlns="4873beb7-5857-4685-be1f-d57550cc96cc" xsi:nil="true"/>
+    <IntlLangReviewer xmlns="4873beb7-5857-4685-be1f-d57550cc96cc" xsi:nil="true"/>
+    <OpenTemplate xmlns="4873beb7-5857-4685-be1f-d57550cc96cc">true</OpenTemplate>
+    <CSXSubmissionDate xmlns="4873beb7-5857-4685-be1f-d57550cc96cc" xsi:nil="true"/>
+    <TaxCatchAll xmlns="4873beb7-5857-4685-be1f-d57550cc96cc"/>
+    <Manager xmlns="4873beb7-5857-4685-be1f-d57550cc96cc" xsi:nil="true"/>
+    <NumericId xmlns="4873beb7-5857-4685-be1f-d57550cc96cc" xsi:nil="true"/>
+    <ParentAssetId xmlns="4873beb7-5857-4685-be1f-d57550cc96cc" xsi:nil="true"/>
+    <OriginalSourceMarket xmlns="4873beb7-5857-4685-be1f-d57550cc96cc" xsi:nil="true"/>
+    <ApprovalStatus xmlns="4873beb7-5857-4685-be1f-d57550cc96cc">InProgress</ApprovalStatus>
+    <TPComponent xmlns="4873beb7-5857-4685-be1f-d57550cc96cc" xsi:nil="true"/>
+    <EditorialTags xmlns="4873beb7-5857-4685-be1f-d57550cc96cc" xsi:nil="true"/>
+    <TPExecutable xmlns="4873beb7-5857-4685-be1f-d57550cc96cc" xsi:nil="true"/>
+    <TPLaunchHelpLink xmlns="4873beb7-5857-4685-be1f-d57550cc96cc" xsi:nil="true"/>
+    <LocComments xmlns="4873beb7-5857-4685-be1f-d57550cc96cc" xsi:nil="true"/>
+    <LocRecommendedHandoff xmlns="4873beb7-5857-4685-be1f-d57550cc96cc" xsi:nil="true"/>
+    <SourceTitle xmlns="4873beb7-5857-4685-be1f-d57550cc96cc" xsi:nil="true"/>
+    <CSXUpdate xmlns="4873beb7-5857-4685-be1f-d57550cc96cc">false</CSXUpdate>
+    <IntlLocPriority xmlns="4873beb7-5857-4685-be1f-d57550cc96cc" xsi:nil="true"/>
+    <UAProjectedTotalWords xmlns="4873beb7-5857-4685-be1f-d57550cc96cc" xsi:nil="true"/>
+    <AssetType xmlns="4873beb7-5857-4685-be1f-d57550cc96cc">TP</AssetType>
+    <MachineTranslated xmlns="4873beb7-5857-4685-be1f-d57550cc96cc">false</MachineTranslated>
+    <OutputCachingOn xmlns="4873beb7-5857-4685-be1f-d57550cc96cc">false</OutputCachingOn>
+    <TemplateStatus xmlns="4873beb7-5857-4685-be1f-d57550cc96cc">Complete</TemplateStatus>
+    <IsSearchable xmlns="4873beb7-5857-4685-be1f-d57550cc96cc">true</IsSearchable>
+    <ContentItem xmlns="4873beb7-5857-4685-be1f-d57550cc96cc" xsi:nil="true"/>
+    <HandoffToMSDN xmlns="4873beb7-5857-4685-be1f-d57550cc96cc" xsi:nil="true"/>
+    <ShowIn xmlns="4873beb7-5857-4685-be1f-d57550cc96cc">Show everywhere</ShowIn>
+    <ThumbnailAssetId xmlns="4873beb7-5857-4685-be1f-d57550cc96cc" xsi:nil="true"/>
+    <UALocComments xmlns="4873beb7-5857-4685-be1f-d57550cc96cc" xsi:nil="true"/>
+    <UALocRecommendation xmlns="4873beb7-5857-4685-be1f-d57550cc96cc">Localize</UALocRecommendation>
+    <LastModifiedDateTime xmlns="4873beb7-5857-4685-be1f-d57550cc96cc" xsi:nil="true"/>
+    <LegacyData xmlns="4873beb7-5857-4685-be1f-d57550cc96cc" xsi:nil="true"/>
+    <LocManualTestRequired xmlns="4873beb7-5857-4685-be1f-d57550cc96cc">false</LocManualTestRequired>
+    <LocMarketGroupTiers2 xmlns="4873beb7-5857-4685-be1f-d57550cc96cc" xsi:nil="true"/>
+    <ClipArtFilename xmlns="4873beb7-5857-4685-be1f-d57550cc96cc" xsi:nil="true"/>
+    <TPApplication xmlns="4873beb7-5857-4685-be1f-d57550cc96cc" xsi:nil="true"/>
+    <CSXHash xmlns="4873beb7-5857-4685-be1f-d57550cc96cc" xsi:nil="true"/>
+    <DirectSourceMarket xmlns="4873beb7-5857-4685-be1f-d57550cc96cc" xsi:nil="true"/>
+    <PrimaryImageGen xmlns="4873beb7-5857-4685-be1f-d57550cc96cc">true</PrimaryImageGen>
+    <PlannedPubDate xmlns="4873beb7-5857-4685-be1f-d57550cc96cc" xsi:nil="true"/>
+    <CSXSubmissionMarket xmlns="4873beb7-5857-4685-be1f-d57550cc96cc" xsi:nil="true"/>
+    <Downloads xmlns="4873beb7-5857-4685-be1f-d57550cc96cc">0</Downloads>
+    <ArtSampleDocs xmlns="4873beb7-5857-4685-be1f-d57550cc96cc" xsi:nil="true"/>
+    <TrustLevel xmlns="4873beb7-5857-4685-be1f-d57550cc96cc">1 Microsoft Managed Content</TrustLevel>
+    <BlockPublish xmlns="4873beb7-5857-4685-be1f-d57550cc96cc">false</BlockPublish>
+    <TPLaunchHelpLinkType xmlns="4873beb7-5857-4685-be1f-d57550cc96cc">Template</TPLaunchHelpLinkType>
+    <LocalizationTagsTaxHTField0 xmlns="4873beb7-5857-4685-be1f-d57550cc96cc">
+      <Terms xmlns="http://schemas.microsoft.com/office/infopath/2007/PartnerControls"/>
+    </LocalizationTagsTaxHTField0>
+    <BusinessGroup xmlns="4873beb7-5857-4685-be1f-d57550cc96cc" xsi:nil="true"/>
+    <Providers xmlns="4873beb7-5857-4685-be1f-d57550cc96cc" xsi:nil="true"/>
+    <TemplateTemplateType xmlns="4873beb7-5857-4685-be1f-d57550cc96cc">PowerPoint Presentation Template</TemplateTemplateType>
+    <TimesCloned xmlns="4873beb7-5857-4685-be1f-d57550cc96cc" xsi:nil="true"/>
+    <TPAppVersion xmlns="4873beb7-5857-4685-be1f-d57550cc96cc" xsi:nil="true"/>
+    <VoteCount xmlns="4873beb7-5857-4685-be1f-d57550cc96cc" xsi:nil="true"/>
+    <AverageRating xmlns="4873beb7-5857-4685-be1f-d57550cc96cc" xsi:nil="true"/>
+    <FeatureTagsTaxHTField0 xmlns="4873beb7-5857-4685-be1f-d57550cc96cc">
+      <Terms xmlns="http://schemas.microsoft.com/office/infopath/2007/PartnerControls"/>
+    </FeatureTagsTaxHTField0>
+    <Provider xmlns="4873beb7-5857-4685-be1f-d57550cc96cc" xsi:nil="true"/>
+    <UACurrentWords xmlns="4873beb7-5857-4685-be1f-d57550cc96cc" xsi:nil="true"/>
+    <AssetId xmlns="4873beb7-5857-4685-be1f-d57550cc96cc">TP103431361</AssetId>
+    <TPClientViewer xmlns="4873beb7-5857-4685-be1f-d57550cc96cc" xsi:nil="true"/>
+    <DSATActionTaken xmlns="4873beb7-5857-4685-be1f-d57550cc96cc" xsi:nil="true"/>
+    <APEditor xmlns="4873beb7-5857-4685-be1f-d57550cc96cc">
+      <UserInfo>
+        <DisplayName/>
+        <AccountId xsi:nil="true"/>
+        <AccountType/>
+      </UserInfo>
+    </APEditor>
+    <TPInstallLocation xmlns="4873beb7-5857-4685-be1f-d57550cc96cc" xsi:nil="true"/>
+    <OOCacheId xmlns="4873beb7-5857-4685-be1f-d57550cc96cc" xsi:nil="true"/>
+    <IsDeleted xmlns="4873beb7-5857-4685-be1f-d57550cc96cc">false</IsDeleted>
+    <PublishTargets xmlns="4873beb7-5857-4685-be1f-d57550cc96cc">OfficeOnlineVNext</PublishTargets>
+    <ApprovalLog xmlns="4873beb7-5857-4685-be1f-d57550cc96cc" xsi:nil="true"/>
+    <BugNumber xmlns="4873beb7-5857-4685-be1f-d57550cc96cc" xsi:nil="true"/>
+    <CrawlForDependencies xmlns="4873beb7-5857-4685-be1f-d57550cc96cc">false</CrawlForDependencies>
+    <InternalTagsTaxHTField0 xmlns="4873beb7-5857-4685-be1f-d57550cc96cc">
+      <Terms xmlns="http://schemas.microsoft.com/office/infopath/2007/PartnerControls"/>
+    </InternalTagsTaxHTField0>
+    <LastHandOff xmlns="4873beb7-5857-4685-be1f-d57550cc96cc" xsi:nil="true"/>
+    <Milestone xmlns="4873beb7-5857-4685-be1f-d57550cc96cc" xsi:nil="true"/>
+    <OriginalRelease xmlns="4873beb7-5857-4685-be1f-d57550cc96cc">15</OriginalRelease>
+    <RecommendationsModifier xmlns="4873beb7-5857-4685-be1f-d57550cc96cc" xsi:nil="true"/>
+    <ScenarioTagsTaxHTField0 xmlns="4873beb7-5857-4685-be1f-d57550cc96cc">
+      <Terms xmlns="http://schemas.microsoft.com/office/infopath/2007/PartnerControls"/>
+    </ScenarioTagsTaxHTField0>
+    <UANotes xmlns="4873beb7-5857-4685-be1f-d57550cc96cc" xsi:nil="true"/>
+  </documentManagement>
+</p:properties>
+</file>
+
 <file path=customXml/item3.xml><?xml version="1.0" encoding="utf-8"?>
 <?mso-contentType ?>
 <FormTemplates xmlns="http://schemas.microsoft.com/sharepoint/v3/contenttype/forms">
@@ -8567,22 +8593,6 @@
 </file>
 
 <file path=customXml/itemProps1.xml><?xml version="1.0" encoding="utf-8"?>
-<ds:datastoreItem xmlns:ds="http://schemas.openxmlformats.org/officeDocument/2006/customXml" ds:itemID="{8CDDBB83-77C1-4099-A0AA-289882E745E2}">
-  <ds:schemaRefs>
-    <ds:schemaRef ds:uri="http://purl.org/dc/elements/1.1/"/>
-    <ds:schemaRef ds:uri="http://purl.org/dc/dcmitype/"/>
-    <ds:schemaRef ds:uri="http://schemas.microsoft.com/office/2006/documentManagement/types"/>
-    <ds:schemaRef ds:uri="http://schemas.microsoft.com/office/infopath/2007/PartnerControls"/>
-    <ds:schemaRef ds:uri="4873beb7-5857-4685-be1f-d57550cc96cc"/>
-    <ds:schemaRef ds:uri="http://purl.org/dc/terms/"/>
-    <ds:schemaRef ds:uri="http://schemas.openxmlformats.org/package/2006/metadata/core-properties"/>
-    <ds:schemaRef ds:uri="http://schemas.microsoft.com/office/2006/metadata/properties"/>
-    <ds:schemaRef ds:uri="http://www.w3.org/XML/1998/namespace"/>
-  </ds:schemaRefs>
-</ds:datastoreItem>
-</file>
-
-<file path=customXml/itemProps2.xml><?xml version="1.0" encoding="utf-8"?>
 <ds:datastoreItem xmlns:ds="http://schemas.openxmlformats.org/officeDocument/2006/customXml" ds:itemID="{28C8B9CA-0273-4370-889A-FC05DA5C2FA5}">
   <ds:schemaRefs>
     <ds:schemaRef ds:uri="http://schemas.microsoft.com/office/2006/metadata/contentType"/>
@@ -8600,6 +8610,22 @@
 </ds:datastoreItem>
 </file>
 
+<file path=customXml/itemProps2.xml><?xml version="1.0" encoding="utf-8"?>
+<ds:datastoreItem xmlns:ds="http://schemas.openxmlformats.org/officeDocument/2006/customXml" ds:itemID="{8CDDBB83-77C1-4099-A0AA-289882E745E2}">
+  <ds:schemaRefs>
+    <ds:schemaRef ds:uri="http://purl.org/dc/elements/1.1/"/>
+    <ds:schemaRef ds:uri="http://purl.org/dc/dcmitype/"/>
+    <ds:schemaRef ds:uri="http://schemas.microsoft.com/office/2006/documentManagement/types"/>
+    <ds:schemaRef ds:uri="http://schemas.microsoft.com/office/infopath/2007/PartnerControls"/>
+    <ds:schemaRef ds:uri="4873beb7-5857-4685-be1f-d57550cc96cc"/>
+    <ds:schemaRef ds:uri="http://purl.org/dc/terms/"/>
+    <ds:schemaRef ds:uri="http://schemas.openxmlformats.org/package/2006/metadata/core-properties"/>
+    <ds:schemaRef ds:uri="http://schemas.microsoft.com/office/2006/metadata/properties"/>
+    <ds:schemaRef ds:uri="http://www.w3.org/XML/1998/namespace"/>
+  </ds:schemaRefs>
+</ds:datastoreItem>
+</file>
+
 <file path=customXml/itemProps3.xml><?xml version="1.0" encoding="utf-8"?>
 <ds:datastoreItem xmlns:ds="http://schemas.openxmlformats.org/officeDocument/2006/customXml" ds:itemID="{561E720F-F05D-4536-9C34-0CFCED65D3B7}">
   <ds:schemaRefs>

--- a/reports/Fiber_Group_Presenetation.pptx
+++ b/reports/Fiber_Group_Presenetation.pptx
@@ -7418,6 +7418,132 @@
 </file>
 
 <file path=customXml/item1.xml><?xml version="1.0" encoding="utf-8"?>
+<p:properties xmlns:p="http://schemas.microsoft.com/office/2006/metadata/properties" xmlns:xsi="http://www.w3.org/2001/XMLSchema-instance" xmlns:pc="http://schemas.microsoft.com/office/infopath/2007/PartnerControls">
+  <documentManagement>
+    <APDescription xmlns="4873beb7-5857-4685-be1f-d57550cc96cc" xsi:nil="true"/>
+    <AssetExpire xmlns="4873beb7-5857-4685-be1f-d57550cc96cc">2029-01-01T08:00:00+00:00</AssetExpire>
+    <CampaignTagsTaxHTField0 xmlns="4873beb7-5857-4685-be1f-d57550cc96cc">
+      <Terms xmlns="http://schemas.microsoft.com/office/infopath/2007/PartnerControls"/>
+    </CampaignTagsTaxHTField0>
+    <IntlLangReviewDate xmlns="4873beb7-5857-4685-be1f-d57550cc96cc" xsi:nil="true"/>
+    <TPFriendlyName xmlns="4873beb7-5857-4685-be1f-d57550cc96cc" xsi:nil="true"/>
+    <IntlLangReview xmlns="4873beb7-5857-4685-be1f-d57550cc96cc">false</IntlLangReview>
+    <LocLastLocAttemptVersionLookup xmlns="4873beb7-5857-4685-be1f-d57550cc96cc">855024</LocLastLocAttemptVersionLookup>
+    <PolicheckWords xmlns="4873beb7-5857-4685-be1f-d57550cc96cc" xsi:nil="true"/>
+    <SubmitterId xmlns="4873beb7-5857-4685-be1f-d57550cc96cc" xsi:nil="true"/>
+    <AcquiredFrom xmlns="4873beb7-5857-4685-be1f-d57550cc96cc">Internal MS</AcquiredFrom>
+    <EditorialStatus xmlns="4873beb7-5857-4685-be1f-d57550cc96cc">Complete</EditorialStatus>
+    <Markets xmlns="4873beb7-5857-4685-be1f-d57550cc96cc"/>
+    <OriginAsset xmlns="4873beb7-5857-4685-be1f-d57550cc96cc" xsi:nil="true"/>
+    <AssetStart xmlns="4873beb7-5857-4685-be1f-d57550cc96cc">2012-08-31T08:50:00+00:00</AssetStart>
+    <FriendlyTitle xmlns="4873beb7-5857-4685-be1f-d57550cc96cc" xsi:nil="true"/>
+    <MarketSpecific xmlns="4873beb7-5857-4685-be1f-d57550cc96cc">false</MarketSpecific>
+    <TPNamespace xmlns="4873beb7-5857-4685-be1f-d57550cc96cc" xsi:nil="true"/>
+    <PublishStatusLookup xmlns="4873beb7-5857-4685-be1f-d57550cc96cc">
+      <Value>1616423</Value>
+    </PublishStatusLookup>
+    <APAuthor xmlns="4873beb7-5857-4685-be1f-d57550cc96cc">
+      <UserInfo>
+        <DisplayName>REDMOND\kristaa</DisplayName>
+        <AccountId>136</AccountId>
+        <AccountType/>
+      </UserInfo>
+    </APAuthor>
+    <TPCommandLine xmlns="4873beb7-5857-4685-be1f-d57550cc96cc" xsi:nil="true"/>
+    <IntlLangReviewer xmlns="4873beb7-5857-4685-be1f-d57550cc96cc" xsi:nil="true"/>
+    <OpenTemplate xmlns="4873beb7-5857-4685-be1f-d57550cc96cc">true</OpenTemplate>
+    <CSXSubmissionDate xmlns="4873beb7-5857-4685-be1f-d57550cc96cc" xsi:nil="true"/>
+    <TaxCatchAll xmlns="4873beb7-5857-4685-be1f-d57550cc96cc"/>
+    <Manager xmlns="4873beb7-5857-4685-be1f-d57550cc96cc" xsi:nil="true"/>
+    <NumericId xmlns="4873beb7-5857-4685-be1f-d57550cc96cc" xsi:nil="true"/>
+    <ParentAssetId xmlns="4873beb7-5857-4685-be1f-d57550cc96cc" xsi:nil="true"/>
+    <OriginalSourceMarket xmlns="4873beb7-5857-4685-be1f-d57550cc96cc" xsi:nil="true"/>
+    <ApprovalStatus xmlns="4873beb7-5857-4685-be1f-d57550cc96cc">InProgress</ApprovalStatus>
+    <TPComponent xmlns="4873beb7-5857-4685-be1f-d57550cc96cc" xsi:nil="true"/>
+    <EditorialTags xmlns="4873beb7-5857-4685-be1f-d57550cc96cc" xsi:nil="true"/>
+    <TPExecutable xmlns="4873beb7-5857-4685-be1f-d57550cc96cc" xsi:nil="true"/>
+    <TPLaunchHelpLink xmlns="4873beb7-5857-4685-be1f-d57550cc96cc" xsi:nil="true"/>
+    <LocComments xmlns="4873beb7-5857-4685-be1f-d57550cc96cc" xsi:nil="true"/>
+    <LocRecommendedHandoff xmlns="4873beb7-5857-4685-be1f-d57550cc96cc" xsi:nil="true"/>
+    <SourceTitle xmlns="4873beb7-5857-4685-be1f-d57550cc96cc" xsi:nil="true"/>
+    <CSXUpdate xmlns="4873beb7-5857-4685-be1f-d57550cc96cc">false</CSXUpdate>
+    <IntlLocPriority xmlns="4873beb7-5857-4685-be1f-d57550cc96cc" xsi:nil="true"/>
+    <UAProjectedTotalWords xmlns="4873beb7-5857-4685-be1f-d57550cc96cc" xsi:nil="true"/>
+    <AssetType xmlns="4873beb7-5857-4685-be1f-d57550cc96cc">TP</AssetType>
+    <MachineTranslated xmlns="4873beb7-5857-4685-be1f-d57550cc96cc">false</MachineTranslated>
+    <OutputCachingOn xmlns="4873beb7-5857-4685-be1f-d57550cc96cc">false</OutputCachingOn>
+    <TemplateStatus xmlns="4873beb7-5857-4685-be1f-d57550cc96cc">Complete</TemplateStatus>
+    <IsSearchable xmlns="4873beb7-5857-4685-be1f-d57550cc96cc">true</IsSearchable>
+    <ContentItem xmlns="4873beb7-5857-4685-be1f-d57550cc96cc" xsi:nil="true"/>
+    <HandoffToMSDN xmlns="4873beb7-5857-4685-be1f-d57550cc96cc" xsi:nil="true"/>
+    <ShowIn xmlns="4873beb7-5857-4685-be1f-d57550cc96cc">Show everywhere</ShowIn>
+    <ThumbnailAssetId xmlns="4873beb7-5857-4685-be1f-d57550cc96cc" xsi:nil="true"/>
+    <UALocComments xmlns="4873beb7-5857-4685-be1f-d57550cc96cc" xsi:nil="true"/>
+    <UALocRecommendation xmlns="4873beb7-5857-4685-be1f-d57550cc96cc">Localize</UALocRecommendation>
+    <LastModifiedDateTime xmlns="4873beb7-5857-4685-be1f-d57550cc96cc" xsi:nil="true"/>
+    <LegacyData xmlns="4873beb7-5857-4685-be1f-d57550cc96cc" xsi:nil="true"/>
+    <LocManualTestRequired xmlns="4873beb7-5857-4685-be1f-d57550cc96cc">false</LocManualTestRequired>
+    <LocMarketGroupTiers2 xmlns="4873beb7-5857-4685-be1f-d57550cc96cc" xsi:nil="true"/>
+    <ClipArtFilename xmlns="4873beb7-5857-4685-be1f-d57550cc96cc" xsi:nil="true"/>
+    <TPApplication xmlns="4873beb7-5857-4685-be1f-d57550cc96cc" xsi:nil="true"/>
+    <CSXHash xmlns="4873beb7-5857-4685-be1f-d57550cc96cc" xsi:nil="true"/>
+    <DirectSourceMarket xmlns="4873beb7-5857-4685-be1f-d57550cc96cc" xsi:nil="true"/>
+    <PrimaryImageGen xmlns="4873beb7-5857-4685-be1f-d57550cc96cc">true</PrimaryImageGen>
+    <PlannedPubDate xmlns="4873beb7-5857-4685-be1f-d57550cc96cc" xsi:nil="true"/>
+    <CSXSubmissionMarket xmlns="4873beb7-5857-4685-be1f-d57550cc96cc" xsi:nil="true"/>
+    <Downloads xmlns="4873beb7-5857-4685-be1f-d57550cc96cc">0</Downloads>
+    <ArtSampleDocs xmlns="4873beb7-5857-4685-be1f-d57550cc96cc" xsi:nil="true"/>
+    <TrustLevel xmlns="4873beb7-5857-4685-be1f-d57550cc96cc">1 Microsoft Managed Content</TrustLevel>
+    <BlockPublish xmlns="4873beb7-5857-4685-be1f-d57550cc96cc">false</BlockPublish>
+    <TPLaunchHelpLinkType xmlns="4873beb7-5857-4685-be1f-d57550cc96cc">Template</TPLaunchHelpLinkType>
+    <LocalizationTagsTaxHTField0 xmlns="4873beb7-5857-4685-be1f-d57550cc96cc">
+      <Terms xmlns="http://schemas.microsoft.com/office/infopath/2007/PartnerControls"/>
+    </LocalizationTagsTaxHTField0>
+    <BusinessGroup xmlns="4873beb7-5857-4685-be1f-d57550cc96cc" xsi:nil="true"/>
+    <Providers xmlns="4873beb7-5857-4685-be1f-d57550cc96cc" xsi:nil="true"/>
+    <TemplateTemplateType xmlns="4873beb7-5857-4685-be1f-d57550cc96cc">PowerPoint Presentation Template</TemplateTemplateType>
+    <TimesCloned xmlns="4873beb7-5857-4685-be1f-d57550cc96cc" xsi:nil="true"/>
+    <TPAppVersion xmlns="4873beb7-5857-4685-be1f-d57550cc96cc" xsi:nil="true"/>
+    <VoteCount xmlns="4873beb7-5857-4685-be1f-d57550cc96cc" xsi:nil="true"/>
+    <AverageRating xmlns="4873beb7-5857-4685-be1f-d57550cc96cc" xsi:nil="true"/>
+    <FeatureTagsTaxHTField0 xmlns="4873beb7-5857-4685-be1f-d57550cc96cc">
+      <Terms xmlns="http://schemas.microsoft.com/office/infopath/2007/PartnerControls"/>
+    </FeatureTagsTaxHTField0>
+    <Provider xmlns="4873beb7-5857-4685-be1f-d57550cc96cc" xsi:nil="true"/>
+    <UACurrentWords xmlns="4873beb7-5857-4685-be1f-d57550cc96cc" xsi:nil="true"/>
+    <AssetId xmlns="4873beb7-5857-4685-be1f-d57550cc96cc">TP103431361</AssetId>
+    <TPClientViewer xmlns="4873beb7-5857-4685-be1f-d57550cc96cc" xsi:nil="true"/>
+    <DSATActionTaken xmlns="4873beb7-5857-4685-be1f-d57550cc96cc" xsi:nil="true"/>
+    <APEditor xmlns="4873beb7-5857-4685-be1f-d57550cc96cc">
+      <UserInfo>
+        <DisplayName/>
+        <AccountId xsi:nil="true"/>
+        <AccountType/>
+      </UserInfo>
+    </APEditor>
+    <TPInstallLocation xmlns="4873beb7-5857-4685-be1f-d57550cc96cc" xsi:nil="true"/>
+    <OOCacheId xmlns="4873beb7-5857-4685-be1f-d57550cc96cc" xsi:nil="true"/>
+    <IsDeleted xmlns="4873beb7-5857-4685-be1f-d57550cc96cc">false</IsDeleted>
+    <PublishTargets xmlns="4873beb7-5857-4685-be1f-d57550cc96cc">OfficeOnlineVNext</PublishTargets>
+    <ApprovalLog xmlns="4873beb7-5857-4685-be1f-d57550cc96cc" xsi:nil="true"/>
+    <BugNumber xmlns="4873beb7-5857-4685-be1f-d57550cc96cc" xsi:nil="true"/>
+    <CrawlForDependencies xmlns="4873beb7-5857-4685-be1f-d57550cc96cc">false</CrawlForDependencies>
+    <InternalTagsTaxHTField0 xmlns="4873beb7-5857-4685-be1f-d57550cc96cc">
+      <Terms xmlns="http://schemas.microsoft.com/office/infopath/2007/PartnerControls"/>
+    </InternalTagsTaxHTField0>
+    <LastHandOff xmlns="4873beb7-5857-4685-be1f-d57550cc96cc" xsi:nil="true"/>
+    <Milestone xmlns="4873beb7-5857-4685-be1f-d57550cc96cc" xsi:nil="true"/>
+    <OriginalRelease xmlns="4873beb7-5857-4685-be1f-d57550cc96cc">15</OriginalRelease>
+    <RecommendationsModifier xmlns="4873beb7-5857-4685-be1f-d57550cc96cc" xsi:nil="true"/>
+    <ScenarioTagsTaxHTField0 xmlns="4873beb7-5857-4685-be1f-d57550cc96cc">
+      <Terms xmlns="http://schemas.microsoft.com/office/infopath/2007/PartnerControls"/>
+    </ScenarioTagsTaxHTField0>
+    <UANotes xmlns="4873beb7-5857-4685-be1f-d57550cc96cc" xsi:nil="true"/>
+  </documentManagement>
+</p:properties>
+</file>
+
+<file path=customXml/item2.xml><?xml version="1.0" encoding="utf-8"?>
 <ct:contentTypeSchema xmlns:ct="http://schemas.microsoft.com/office/2006/metadata/contentType" xmlns:ma="http://schemas.microsoft.com/office/2006/metadata/properties/metaAttributes" ct:_="" ma:_="" ma:contentTypeName="TemplateFile" ma:contentTypeID="0x0101006EDDDB5EE6D98C44930B742096920B300400F5B6D36B3EF94B4E9A635CDF2A18F5B8" ma:contentTypeVersion="72" ma:contentTypeDescription="Create a new document." ma:contentTypeScope="" ma:versionID="a23e56308344d904b51738559c3d67c9">
   <xsd:schema xmlns:xsd="http://www.w3.org/2001/XMLSchema" xmlns:xs="http://www.w3.org/2001/XMLSchema" xmlns:p="http://schemas.microsoft.com/office/2006/metadata/properties" xmlns:ns2="4873beb7-5857-4685-be1f-d57550cc96cc" targetNamespace="http://schemas.microsoft.com/office/2006/metadata/properties" ma:root="true" ma:fieldsID="cd0908cc4600e77bf5da051303e00c8d" ns2:_="">
     <xsd:import namespace="4873beb7-5857-4685-be1f-d57550cc96cc"/>
@@ -8457,132 +8583,6 @@
 </ct:contentTypeSchema>
 </file>
 
-<file path=customXml/item2.xml><?xml version="1.0" encoding="utf-8"?>
-<p:properties xmlns:p="http://schemas.microsoft.com/office/2006/metadata/properties" xmlns:xsi="http://www.w3.org/2001/XMLSchema-instance" xmlns:pc="http://schemas.microsoft.com/office/infopath/2007/PartnerControls">
-  <documentManagement>
-    <APDescription xmlns="4873beb7-5857-4685-be1f-d57550cc96cc" xsi:nil="true"/>
-    <AssetExpire xmlns="4873beb7-5857-4685-be1f-d57550cc96cc">2029-01-01T08:00:00+00:00</AssetExpire>
-    <CampaignTagsTaxHTField0 xmlns="4873beb7-5857-4685-be1f-d57550cc96cc">
-      <Terms xmlns="http://schemas.microsoft.com/office/infopath/2007/PartnerControls"/>
-    </CampaignTagsTaxHTField0>
-    <IntlLangReviewDate xmlns="4873beb7-5857-4685-be1f-d57550cc96cc" xsi:nil="true"/>
-    <TPFriendlyName xmlns="4873beb7-5857-4685-be1f-d57550cc96cc" xsi:nil="true"/>
-    <IntlLangReview xmlns="4873beb7-5857-4685-be1f-d57550cc96cc">false</IntlLangReview>
-    <LocLastLocAttemptVersionLookup xmlns="4873beb7-5857-4685-be1f-d57550cc96cc">855024</LocLastLocAttemptVersionLookup>
-    <PolicheckWords xmlns="4873beb7-5857-4685-be1f-d57550cc96cc" xsi:nil="true"/>
-    <SubmitterId xmlns="4873beb7-5857-4685-be1f-d57550cc96cc" xsi:nil="true"/>
-    <AcquiredFrom xmlns="4873beb7-5857-4685-be1f-d57550cc96cc">Internal MS</AcquiredFrom>
-    <EditorialStatus xmlns="4873beb7-5857-4685-be1f-d57550cc96cc">Complete</EditorialStatus>
-    <Markets xmlns="4873beb7-5857-4685-be1f-d57550cc96cc"/>
-    <OriginAsset xmlns="4873beb7-5857-4685-be1f-d57550cc96cc" xsi:nil="true"/>
-    <AssetStart xmlns="4873beb7-5857-4685-be1f-d57550cc96cc">2012-08-31T08:50:00+00:00</AssetStart>
-    <FriendlyTitle xmlns="4873beb7-5857-4685-be1f-d57550cc96cc" xsi:nil="true"/>
-    <MarketSpecific xmlns="4873beb7-5857-4685-be1f-d57550cc96cc">false</MarketSpecific>
-    <TPNamespace xmlns="4873beb7-5857-4685-be1f-d57550cc96cc" xsi:nil="true"/>
-    <PublishStatusLookup xmlns="4873beb7-5857-4685-be1f-d57550cc96cc">
-      <Value>1616423</Value>
-    </PublishStatusLookup>
-    <APAuthor xmlns="4873beb7-5857-4685-be1f-d57550cc96cc">
-      <UserInfo>
-        <DisplayName>REDMOND\kristaa</DisplayName>
-        <AccountId>136</AccountId>
-        <AccountType/>
-      </UserInfo>
-    </APAuthor>
-    <TPCommandLine xmlns="4873beb7-5857-4685-be1f-d57550cc96cc" xsi:nil="true"/>
-    <IntlLangReviewer xmlns="4873beb7-5857-4685-be1f-d57550cc96cc" xsi:nil="true"/>
-    <OpenTemplate xmlns="4873beb7-5857-4685-be1f-d57550cc96cc">true</OpenTemplate>
-    <CSXSubmissionDate xmlns="4873beb7-5857-4685-be1f-d57550cc96cc" xsi:nil="true"/>
-    <TaxCatchAll xmlns="4873beb7-5857-4685-be1f-d57550cc96cc"/>
-    <Manager xmlns="4873beb7-5857-4685-be1f-d57550cc96cc" xsi:nil="true"/>
-    <NumericId xmlns="4873beb7-5857-4685-be1f-d57550cc96cc" xsi:nil="true"/>
-    <ParentAssetId xmlns="4873beb7-5857-4685-be1f-d57550cc96cc" xsi:nil="true"/>
-    <OriginalSourceMarket xmlns="4873beb7-5857-4685-be1f-d57550cc96cc" xsi:nil="true"/>
-    <ApprovalStatus xmlns="4873beb7-5857-4685-be1f-d57550cc96cc">InProgress</ApprovalStatus>
-    <TPComponent xmlns="4873beb7-5857-4685-be1f-d57550cc96cc" xsi:nil="true"/>
-    <EditorialTags xmlns="4873beb7-5857-4685-be1f-d57550cc96cc" xsi:nil="true"/>
-    <TPExecutable xmlns="4873beb7-5857-4685-be1f-d57550cc96cc" xsi:nil="true"/>
-    <TPLaunchHelpLink xmlns="4873beb7-5857-4685-be1f-d57550cc96cc" xsi:nil="true"/>
-    <LocComments xmlns="4873beb7-5857-4685-be1f-d57550cc96cc" xsi:nil="true"/>
-    <LocRecommendedHandoff xmlns="4873beb7-5857-4685-be1f-d57550cc96cc" xsi:nil="true"/>
-    <SourceTitle xmlns="4873beb7-5857-4685-be1f-d57550cc96cc" xsi:nil="true"/>
-    <CSXUpdate xmlns="4873beb7-5857-4685-be1f-d57550cc96cc">false</CSXUpdate>
-    <IntlLocPriority xmlns="4873beb7-5857-4685-be1f-d57550cc96cc" xsi:nil="true"/>
-    <UAProjectedTotalWords xmlns="4873beb7-5857-4685-be1f-d57550cc96cc" xsi:nil="true"/>
-    <AssetType xmlns="4873beb7-5857-4685-be1f-d57550cc96cc">TP</AssetType>
-    <MachineTranslated xmlns="4873beb7-5857-4685-be1f-d57550cc96cc">false</MachineTranslated>
-    <OutputCachingOn xmlns="4873beb7-5857-4685-be1f-d57550cc96cc">false</OutputCachingOn>
-    <TemplateStatus xmlns="4873beb7-5857-4685-be1f-d57550cc96cc">Complete</TemplateStatus>
-    <IsSearchable xmlns="4873beb7-5857-4685-be1f-d57550cc96cc">true</IsSearchable>
-    <ContentItem xmlns="4873beb7-5857-4685-be1f-d57550cc96cc" xsi:nil="true"/>
-    <HandoffToMSDN xmlns="4873beb7-5857-4685-be1f-d57550cc96cc" xsi:nil="true"/>
-    <ShowIn xmlns="4873beb7-5857-4685-be1f-d57550cc96cc">Show everywhere</ShowIn>
-    <ThumbnailAssetId xmlns="4873beb7-5857-4685-be1f-d57550cc96cc" xsi:nil="true"/>
-    <UALocComments xmlns="4873beb7-5857-4685-be1f-d57550cc96cc" xsi:nil="true"/>
-    <UALocRecommendation xmlns="4873beb7-5857-4685-be1f-d57550cc96cc">Localize</UALocRecommendation>
-    <LastModifiedDateTime xmlns="4873beb7-5857-4685-be1f-d57550cc96cc" xsi:nil="true"/>
-    <LegacyData xmlns="4873beb7-5857-4685-be1f-d57550cc96cc" xsi:nil="true"/>
-    <LocManualTestRequired xmlns="4873beb7-5857-4685-be1f-d57550cc96cc">false</LocManualTestRequired>
-    <LocMarketGroupTiers2 xmlns="4873beb7-5857-4685-be1f-d57550cc96cc" xsi:nil="true"/>
-    <ClipArtFilename xmlns="4873beb7-5857-4685-be1f-d57550cc96cc" xsi:nil="true"/>
-    <TPApplication xmlns="4873beb7-5857-4685-be1f-d57550cc96cc" xsi:nil="true"/>
-    <CSXHash xmlns="4873beb7-5857-4685-be1f-d57550cc96cc" xsi:nil="true"/>
-    <DirectSourceMarket xmlns="4873beb7-5857-4685-be1f-d57550cc96cc" xsi:nil="true"/>
-    <PrimaryImageGen xmlns="4873beb7-5857-4685-be1f-d57550cc96cc">true</PrimaryImageGen>
-    <PlannedPubDate xmlns="4873beb7-5857-4685-be1f-d57550cc96cc" xsi:nil="true"/>
-    <CSXSubmissionMarket xmlns="4873beb7-5857-4685-be1f-d57550cc96cc" xsi:nil="true"/>
-    <Downloads xmlns="4873beb7-5857-4685-be1f-d57550cc96cc">0</Downloads>
-    <ArtSampleDocs xmlns="4873beb7-5857-4685-be1f-d57550cc96cc" xsi:nil="true"/>
-    <TrustLevel xmlns="4873beb7-5857-4685-be1f-d57550cc96cc">1 Microsoft Managed Content</TrustLevel>
-    <BlockPublish xmlns="4873beb7-5857-4685-be1f-d57550cc96cc">false</BlockPublish>
-    <TPLaunchHelpLinkType xmlns="4873beb7-5857-4685-be1f-d57550cc96cc">Template</TPLaunchHelpLinkType>
-    <LocalizationTagsTaxHTField0 xmlns="4873beb7-5857-4685-be1f-d57550cc96cc">
-      <Terms xmlns="http://schemas.microsoft.com/office/infopath/2007/PartnerControls"/>
-    </LocalizationTagsTaxHTField0>
-    <BusinessGroup xmlns="4873beb7-5857-4685-be1f-d57550cc96cc" xsi:nil="true"/>
-    <Providers xmlns="4873beb7-5857-4685-be1f-d57550cc96cc" xsi:nil="true"/>
-    <TemplateTemplateType xmlns="4873beb7-5857-4685-be1f-d57550cc96cc">PowerPoint Presentation Template</TemplateTemplateType>
-    <TimesCloned xmlns="4873beb7-5857-4685-be1f-d57550cc96cc" xsi:nil="true"/>
-    <TPAppVersion xmlns="4873beb7-5857-4685-be1f-d57550cc96cc" xsi:nil="true"/>
-    <VoteCount xmlns="4873beb7-5857-4685-be1f-d57550cc96cc" xsi:nil="true"/>
-    <AverageRating xmlns="4873beb7-5857-4685-be1f-d57550cc96cc" xsi:nil="true"/>
-    <FeatureTagsTaxHTField0 xmlns="4873beb7-5857-4685-be1f-d57550cc96cc">
-      <Terms xmlns="http://schemas.microsoft.com/office/infopath/2007/PartnerControls"/>
-    </FeatureTagsTaxHTField0>
-    <Provider xmlns="4873beb7-5857-4685-be1f-d57550cc96cc" xsi:nil="true"/>
-    <UACurrentWords xmlns="4873beb7-5857-4685-be1f-d57550cc96cc" xsi:nil="true"/>
-    <AssetId xmlns="4873beb7-5857-4685-be1f-d57550cc96cc">TP103431361</AssetId>
-    <TPClientViewer xmlns="4873beb7-5857-4685-be1f-d57550cc96cc" xsi:nil="true"/>
-    <DSATActionTaken xmlns="4873beb7-5857-4685-be1f-d57550cc96cc" xsi:nil="true"/>
-    <APEditor xmlns="4873beb7-5857-4685-be1f-d57550cc96cc">
-      <UserInfo>
-        <DisplayName/>
-        <AccountId xsi:nil="true"/>
-        <AccountType/>
-      </UserInfo>
-    </APEditor>
-    <TPInstallLocation xmlns="4873beb7-5857-4685-be1f-d57550cc96cc" xsi:nil="true"/>
-    <OOCacheId xmlns="4873beb7-5857-4685-be1f-d57550cc96cc" xsi:nil="true"/>
-    <IsDeleted xmlns="4873beb7-5857-4685-be1f-d57550cc96cc">false</IsDeleted>
-    <PublishTargets xmlns="4873beb7-5857-4685-be1f-d57550cc96cc">OfficeOnlineVNext</PublishTargets>
-    <ApprovalLog xmlns="4873beb7-5857-4685-be1f-d57550cc96cc" xsi:nil="true"/>
-    <BugNumber xmlns="4873beb7-5857-4685-be1f-d57550cc96cc" xsi:nil="true"/>
-    <CrawlForDependencies xmlns="4873beb7-5857-4685-be1f-d57550cc96cc">false</CrawlForDependencies>
-    <InternalTagsTaxHTField0 xmlns="4873beb7-5857-4685-be1f-d57550cc96cc">
-      <Terms xmlns="http://schemas.microsoft.com/office/infopath/2007/PartnerControls"/>
-    </InternalTagsTaxHTField0>
-    <LastHandOff xmlns="4873beb7-5857-4685-be1f-d57550cc96cc" xsi:nil="true"/>
-    <Milestone xmlns="4873beb7-5857-4685-be1f-d57550cc96cc" xsi:nil="true"/>
-    <OriginalRelease xmlns="4873beb7-5857-4685-be1f-d57550cc96cc">15</OriginalRelease>
-    <RecommendationsModifier xmlns="4873beb7-5857-4685-be1f-d57550cc96cc" xsi:nil="true"/>
-    <ScenarioTagsTaxHTField0 xmlns="4873beb7-5857-4685-be1f-d57550cc96cc">
-      <Terms xmlns="http://schemas.microsoft.com/office/infopath/2007/PartnerControls"/>
-    </ScenarioTagsTaxHTField0>
-    <UANotes xmlns="4873beb7-5857-4685-be1f-d57550cc96cc" xsi:nil="true"/>
-  </documentManagement>
-</p:properties>
-</file>
-
 <file path=customXml/item3.xml><?xml version="1.0" encoding="utf-8"?>
 <?mso-contentType ?>
 <FormTemplates xmlns="http://schemas.microsoft.com/sharepoint/v3/contenttype/forms">
@@ -8593,6 +8593,22 @@
 </file>
 
 <file path=customXml/itemProps1.xml><?xml version="1.0" encoding="utf-8"?>
+<ds:datastoreItem xmlns:ds="http://schemas.openxmlformats.org/officeDocument/2006/customXml" ds:itemID="{8CDDBB83-77C1-4099-A0AA-289882E745E2}">
+  <ds:schemaRefs>
+    <ds:schemaRef ds:uri="http://schemas.openxmlformats.org/package/2006/metadata/core-properties"/>
+    <ds:schemaRef ds:uri="http://www.w3.org/XML/1998/namespace"/>
+    <ds:schemaRef ds:uri="http://purl.org/dc/dcmitype/"/>
+    <ds:schemaRef ds:uri="4873beb7-5857-4685-be1f-d57550cc96cc"/>
+    <ds:schemaRef ds:uri="http://purl.org/dc/terms/"/>
+    <ds:schemaRef ds:uri="http://purl.org/dc/elements/1.1/"/>
+    <ds:schemaRef ds:uri="http://schemas.microsoft.com/office/2006/documentManagement/types"/>
+    <ds:schemaRef ds:uri="http://schemas.microsoft.com/office/infopath/2007/PartnerControls"/>
+    <ds:schemaRef ds:uri="http://schemas.microsoft.com/office/2006/metadata/properties"/>
+  </ds:schemaRefs>
+</ds:datastoreItem>
+</file>
+
+<file path=customXml/itemProps2.xml><?xml version="1.0" encoding="utf-8"?>
 <ds:datastoreItem xmlns:ds="http://schemas.openxmlformats.org/officeDocument/2006/customXml" ds:itemID="{28C8B9CA-0273-4370-889A-FC05DA5C2FA5}">
   <ds:schemaRefs>
     <ds:schemaRef ds:uri="http://schemas.microsoft.com/office/2006/metadata/contentType"/>
@@ -8610,22 +8626,6 @@
 </ds:datastoreItem>
 </file>
 
-<file path=customXml/itemProps2.xml><?xml version="1.0" encoding="utf-8"?>
-<ds:datastoreItem xmlns:ds="http://schemas.openxmlformats.org/officeDocument/2006/customXml" ds:itemID="{8CDDBB83-77C1-4099-A0AA-289882E745E2}">
-  <ds:schemaRefs>
-    <ds:schemaRef ds:uri="http://purl.org/dc/elements/1.1/"/>
-    <ds:schemaRef ds:uri="http://purl.org/dc/dcmitype/"/>
-    <ds:schemaRef ds:uri="http://schemas.microsoft.com/office/2006/documentManagement/types"/>
-    <ds:schemaRef ds:uri="http://schemas.microsoft.com/office/infopath/2007/PartnerControls"/>
-    <ds:schemaRef ds:uri="4873beb7-5857-4685-be1f-d57550cc96cc"/>
-    <ds:schemaRef ds:uri="http://purl.org/dc/terms/"/>
-    <ds:schemaRef ds:uri="http://schemas.openxmlformats.org/package/2006/metadata/core-properties"/>
-    <ds:schemaRef ds:uri="http://schemas.microsoft.com/office/2006/metadata/properties"/>
-    <ds:schemaRef ds:uri="http://www.w3.org/XML/1998/namespace"/>
-  </ds:schemaRefs>
-</ds:datastoreItem>
-</file>
-
 <file path=customXml/itemProps3.xml><?xml version="1.0" encoding="utf-8"?>
 <ds:datastoreItem xmlns:ds="http://schemas.openxmlformats.org/officeDocument/2006/customXml" ds:itemID="{561E720F-F05D-4536-9C34-0CFCED65D3B7}">
   <ds:schemaRefs>

--- a/reports/Fiber_Group_Presenetation.pptx
+++ b/reports/Fiber_Group_Presenetation.pptx
@@ -5,10 +5,10 @@
     <p:sldMasterId id="2147483648" r:id="rId4"/>
   </p:sldMasterIdLst>
   <p:notesMasterIdLst>
-    <p:notesMasterId r:id="rId19"/>
+    <p:notesMasterId r:id="rId18"/>
   </p:notesMasterIdLst>
   <p:handoutMasterIdLst>
-    <p:handoutMasterId r:id="rId20"/>
+    <p:handoutMasterId r:id="rId19"/>
   </p:handoutMasterIdLst>
   <p:sldIdLst>
     <p:sldId id="256" r:id="rId5"/>
@@ -23,8 +23,7 @@
     <p:sldId id="260" r:id="rId14"/>
     <p:sldId id="278" r:id="rId15"/>
     <p:sldId id="272" r:id="rId16"/>
-    <p:sldId id="266" r:id="rId17"/>
-    <p:sldId id="265" r:id="rId18"/>
+    <p:sldId id="265" r:id="rId17"/>
   </p:sldIdLst>
   <p:sldSz cx="12192000" cy="6858000"/>
   <p:notesSz cx="7102475" cy="9388475"/>
@@ -227,7 +226,7 @@
           <a:p>
             <a:fld id="{23CEAAF3-9831-450B-8D59-2C09DB96C8FC}" type="datetimeFigureOut">
               <a:rPr lang="en-US"/>
-              <a:t>11/6/2020</a:t>
+              <a:t>11/7/2020</a:t>
             </a:fld>
             <a:endParaRPr dirty="0"/>
           </a:p>
@@ -392,7 +391,7 @@
           <a:p>
             <a:fld id="{2D50CD79-FC16-4410-AB61-17F26E6D3BC8}" type="datetimeFigureOut">
               <a:rPr lang="en-US"/>
-              <a:t>11/6/2020</a:t>
+              <a:t>11/7/2020</a:t>
             </a:fld>
             <a:endParaRPr dirty="0"/>
           </a:p>
@@ -1034,7 +1033,7 @@
             <a:fld id="{402B9795-92DC-40DC-A1CA-9A4B349D7824}" type="datetimeFigureOut">
               <a:rPr lang="en-US" smtClean="0"/>
               <a:pPr/>
-              <a:t>11/6/2020</a:t>
+              <a:t>11/7/2020</a:t>
             </a:fld>
             <a:endParaRPr lang="en-US" dirty="0"/>
           </a:p>
@@ -1328,7 +1327,7 @@
           <a:p>
             <a:fld id="{402B9795-92DC-40DC-A1CA-9A4B349D7824}" type="datetimeFigureOut">
               <a:rPr lang="en-US"/>
-              <a:t>11/6/2020</a:t>
+              <a:t>11/7/2020</a:t>
             </a:fld>
             <a:endParaRPr dirty="0"/>
           </a:p>
@@ -1510,7 +1509,7 @@
           <a:p>
             <a:fld id="{402B9795-92DC-40DC-A1CA-9A4B349D7824}" type="datetimeFigureOut">
               <a:rPr lang="en-US"/>
-              <a:t>11/6/2020</a:t>
+              <a:t>11/7/2020</a:t>
             </a:fld>
             <a:endParaRPr dirty="0"/>
           </a:p>
@@ -1702,7 +1701,7 @@
           <a:p>
             <a:fld id="{402B9795-92DC-40DC-A1CA-9A4B349D7824}" type="datetimeFigureOut">
               <a:rPr lang="en-US"/>
-              <a:t>11/6/2020</a:t>
+              <a:t>11/7/2020</a:t>
             </a:fld>
             <a:endParaRPr dirty="0"/>
           </a:p>
@@ -1971,7 +1970,7 @@
           <a:p>
             <a:fld id="{402B9795-92DC-40DC-A1CA-9A4B349D7824}" type="datetimeFigureOut">
               <a:rPr lang="en-US"/>
-              <a:t>11/6/2020</a:t>
+              <a:t>11/7/2020</a:t>
             </a:fld>
             <a:endParaRPr dirty="0"/>
           </a:p>
@@ -3000,7 +2999,7 @@
           <a:p>
             <a:fld id="{402B9795-92DC-40DC-A1CA-9A4B349D7824}" type="datetimeFigureOut">
               <a:rPr lang="en-US"/>
-              <a:t>11/6/2020</a:t>
+              <a:t>11/7/2020</a:t>
             </a:fld>
             <a:endParaRPr dirty="0"/>
           </a:p>
@@ -3273,7 +3272,7 @@
           <a:p>
             <a:fld id="{402B9795-92DC-40DC-A1CA-9A4B349D7824}" type="datetimeFigureOut">
               <a:rPr lang="en-US"/>
-              <a:t>11/6/2020</a:t>
+              <a:t>11/7/2020</a:t>
             </a:fld>
             <a:endParaRPr dirty="0"/>
           </a:p>
@@ -3653,7 +3652,7 @@
           <a:p>
             <a:fld id="{402B9795-92DC-40DC-A1CA-9A4B349D7824}" type="datetimeFigureOut">
               <a:rPr lang="en-US"/>
-              <a:t>11/6/2020</a:t>
+              <a:t>11/7/2020</a:t>
             </a:fld>
             <a:endParaRPr dirty="0"/>
           </a:p>
@@ -3783,7 +3782,7 @@
           <a:p>
             <a:fld id="{402B9795-92DC-40DC-A1CA-9A4B349D7824}" type="datetimeFigureOut">
               <a:rPr lang="en-US"/>
-              <a:t>11/6/2020</a:t>
+              <a:t>11/7/2020</a:t>
             </a:fld>
             <a:endParaRPr dirty="0"/>
           </a:p>
@@ -3890,7 +3889,7 @@
           <a:p>
             <a:fld id="{402B9795-92DC-40DC-A1CA-9A4B349D7824}" type="datetimeFigureOut">
               <a:rPr lang="en-US"/>
-              <a:t>11/6/2020</a:t>
+              <a:t>11/7/2020</a:t>
             </a:fld>
             <a:endParaRPr dirty="0"/>
           </a:p>
@@ -4181,7 +4180,7 @@
           <a:p>
             <a:fld id="{402B9795-92DC-40DC-A1CA-9A4B349D7824}" type="datetimeFigureOut">
               <a:rPr lang="en-US"/>
-              <a:t>11/6/2020</a:t>
+              <a:t>11/7/2020</a:t>
             </a:fld>
             <a:endParaRPr dirty="0"/>
           </a:p>
@@ -4407,7 +4406,7 @@
             <a:fld id="{402B9795-92DC-40DC-A1CA-9A4B349D7824}" type="datetimeFigureOut">
               <a:rPr lang="en-US" smtClean="0"/>
               <a:pPr/>
-              <a:t>11/6/2020</a:t>
+              <a:t>11/7/2020</a:t>
             </a:fld>
             <a:endParaRPr lang="en-US" dirty="0"/>
           </a:p>
@@ -5253,31 +5252,38 @@
           </a:p>
         </p:txBody>
       </p:sp>
-      <p:sp>
-        <p:nvSpPr>
-          <p:cNvPr id="3" name="Content Placeholder 2">
+      <p:pic>
+        <p:nvPicPr>
+          <p:cNvPr id="4" name="Content Placeholder 3">
             <a:extLst>
               <a:ext uri="{FF2B5EF4-FFF2-40B4-BE49-F238E27FC236}">
-                <a16:creationId xmlns:a16="http://schemas.microsoft.com/office/drawing/2014/main" id="{2287D467-DA66-4C09-9ACA-CB1FBB1EBE41}"/>
+                <a16:creationId xmlns:a16="http://schemas.microsoft.com/office/drawing/2014/main" id="{4E677CA2-FE6A-4A47-A496-7803069095BB}"/>
               </a:ext>
             </a:extLst>
           </p:cNvPr>
-          <p:cNvSpPr>
-            <a:spLocks noGrp="1"/>
-          </p:cNvSpPr>
+          <p:cNvPicPr>
+            <a:picLocks noGrp="1" noChangeAspect="1"/>
+          </p:cNvPicPr>
           <p:nvPr>
             <p:ph idx="1"/>
           </p:nvPr>
-        </p:nvSpPr>
-        <p:spPr/>
-        <p:txBody>
-          <a:bodyPr/>
-          <a:lstStyle/>
-          <a:p>
-            <a:endParaRPr lang="en-US"/>
-          </a:p>
-        </p:txBody>
-      </p:sp>
+        </p:nvPicPr>
+        <p:blipFill>
+          <a:blip r:embed="rId2"/>
+          <a:stretch>
+            <a:fillRect/>
+          </a:stretch>
+        </p:blipFill>
+        <p:spPr>
+          <a:xfrm>
+            <a:off x="2079074" y="1541477"/>
+            <a:ext cx="7111062" cy="4572000"/>
+          </a:xfrm>
+          <a:prstGeom prst="rect">
+            <a:avLst/>
+          </a:prstGeom>
+        </p:spPr>
+      </p:pic>
     </p:spTree>
     <p:extLst>
       <p:ext uri="{BB962C8B-B14F-4D97-AF65-F5344CB8AC3E}">
@@ -5393,110 +5399,6 @@
 </file>
 
 <file path=ppt/slides/slide13.xml><?xml version="1.0" encoding="utf-8"?>
-<p:sld xmlns:a="http://schemas.openxmlformats.org/drawingml/2006/main" xmlns:r="http://schemas.openxmlformats.org/officeDocument/2006/relationships" xmlns:p="http://schemas.openxmlformats.org/presentationml/2006/main">
-  <p:cSld>
-    <p:spTree>
-      <p:nvGrpSpPr>
-        <p:cNvPr id="1" name=""/>
-        <p:cNvGrpSpPr/>
-        <p:nvPr/>
-      </p:nvGrpSpPr>
-      <p:grpSpPr>
-        <a:xfrm>
-          <a:off x="0" y="0"/>
-          <a:ext cx="0" cy="0"/>
-          <a:chOff x="0" y="0"/>
-          <a:chExt cx="0" cy="0"/>
-        </a:xfrm>
-      </p:grpSpPr>
-      <p:sp>
-        <p:nvSpPr>
-          <p:cNvPr id="2" name="Title 1"/>
-          <p:cNvSpPr>
-            <a:spLocks noGrp="1"/>
-          </p:cNvSpPr>
-          <p:nvPr>
-            <p:ph type="title"/>
-          </p:nvPr>
-        </p:nvSpPr>
-        <p:spPr/>
-        <p:txBody>
-          <a:bodyPr/>
-          <a:lstStyle/>
-          <a:p>
-            <a:r>
-              <a:rPr lang="en-US" dirty="0"/>
-              <a:t>Where US cities rank amongst the world in terms of internet cost</a:t>
-            </a:r>
-          </a:p>
-        </p:txBody>
-      </p:sp>
-      <p:sp>
-        <p:nvSpPr>
-          <p:cNvPr id="4" name="Text Placeholder 3"/>
-          <p:cNvSpPr>
-            <a:spLocks noGrp="1"/>
-          </p:cNvSpPr>
-          <p:nvPr>
-            <p:ph type="body" sz="half" idx="2"/>
-          </p:nvPr>
-        </p:nvSpPr>
-        <p:spPr/>
-        <p:txBody>
-          <a:bodyPr/>
-          <a:lstStyle/>
-          <a:p>
-            <a:r>
-              <a:rPr lang="en-US" dirty="0"/>
-              <a:t>Caption</a:t>
-            </a:r>
-          </a:p>
-        </p:txBody>
-      </p:sp>
-      <p:sp>
-        <p:nvSpPr>
-          <p:cNvPr id="6" name="Picture Placeholder 5">
-            <a:extLst>
-              <a:ext uri="{FF2B5EF4-FFF2-40B4-BE49-F238E27FC236}">
-                <a16:creationId xmlns:a16="http://schemas.microsoft.com/office/drawing/2014/main" id="{E417C5DC-97EC-4DA4-88F6-D6D6DCEDB3A2}"/>
-              </a:ext>
-            </a:extLst>
-          </p:cNvPr>
-          <p:cNvSpPr>
-            <a:spLocks noGrp="1"/>
-          </p:cNvSpPr>
-          <p:nvPr>
-            <p:ph type="pic" idx="1"/>
-          </p:nvPr>
-        </p:nvSpPr>
-        <p:spPr/>
-      </p:sp>
-    </p:spTree>
-    <p:extLst>
-      <p:ext uri="{BB962C8B-B14F-4D97-AF65-F5344CB8AC3E}">
-        <p14:creationId xmlns:p14="http://schemas.microsoft.com/office/powerpoint/2010/main" val="3683544629"/>
-      </p:ext>
-    </p:extLst>
-  </p:cSld>
-  <p:clrMapOvr>
-    <a:masterClrMapping/>
-  </p:clrMapOvr>
-  <mc:AlternateContent xmlns:mc="http://schemas.openxmlformats.org/markup-compatibility/2006" xmlns:p14="http://schemas.microsoft.com/office/powerpoint/2010/main">
-    <mc:Choice Requires="p14">
-      <p:transition spd="med" p14:dur="700">
-        <p:fade/>
-      </p:transition>
-    </mc:Choice>
-    <mc:Fallback xmlns="">
-      <p:transition spd="med">
-        <p:fade/>
-      </p:transition>
-    </mc:Fallback>
-  </mc:AlternateContent>
-</p:sld>
-</file>
-
-<file path=ppt/slides/slide14.xml><?xml version="1.0" encoding="utf-8"?>
 <p:sld xmlns:a="http://schemas.openxmlformats.org/drawingml/2006/main" xmlns:r="http://schemas.openxmlformats.org/officeDocument/2006/relationships" xmlns:p="http://schemas.openxmlformats.org/presentationml/2006/main">
   <p:cSld>
     <p:spTree>
@@ -7418,129 +7320,12 @@
 </file>
 
 <file path=customXml/item1.xml><?xml version="1.0" encoding="utf-8"?>
-<p:properties xmlns:p="http://schemas.microsoft.com/office/2006/metadata/properties" xmlns:xsi="http://www.w3.org/2001/XMLSchema-instance" xmlns:pc="http://schemas.microsoft.com/office/infopath/2007/PartnerControls">
-  <documentManagement>
-    <APDescription xmlns="4873beb7-5857-4685-be1f-d57550cc96cc" xsi:nil="true"/>
-    <AssetExpire xmlns="4873beb7-5857-4685-be1f-d57550cc96cc">2029-01-01T08:00:00+00:00</AssetExpire>
-    <CampaignTagsTaxHTField0 xmlns="4873beb7-5857-4685-be1f-d57550cc96cc">
-      <Terms xmlns="http://schemas.microsoft.com/office/infopath/2007/PartnerControls"/>
-    </CampaignTagsTaxHTField0>
-    <IntlLangReviewDate xmlns="4873beb7-5857-4685-be1f-d57550cc96cc" xsi:nil="true"/>
-    <TPFriendlyName xmlns="4873beb7-5857-4685-be1f-d57550cc96cc" xsi:nil="true"/>
-    <IntlLangReview xmlns="4873beb7-5857-4685-be1f-d57550cc96cc">false</IntlLangReview>
-    <LocLastLocAttemptVersionLookup xmlns="4873beb7-5857-4685-be1f-d57550cc96cc">855024</LocLastLocAttemptVersionLookup>
-    <PolicheckWords xmlns="4873beb7-5857-4685-be1f-d57550cc96cc" xsi:nil="true"/>
-    <SubmitterId xmlns="4873beb7-5857-4685-be1f-d57550cc96cc" xsi:nil="true"/>
-    <AcquiredFrom xmlns="4873beb7-5857-4685-be1f-d57550cc96cc">Internal MS</AcquiredFrom>
-    <EditorialStatus xmlns="4873beb7-5857-4685-be1f-d57550cc96cc">Complete</EditorialStatus>
-    <Markets xmlns="4873beb7-5857-4685-be1f-d57550cc96cc"/>
-    <OriginAsset xmlns="4873beb7-5857-4685-be1f-d57550cc96cc" xsi:nil="true"/>
-    <AssetStart xmlns="4873beb7-5857-4685-be1f-d57550cc96cc">2012-08-31T08:50:00+00:00</AssetStart>
-    <FriendlyTitle xmlns="4873beb7-5857-4685-be1f-d57550cc96cc" xsi:nil="true"/>
-    <MarketSpecific xmlns="4873beb7-5857-4685-be1f-d57550cc96cc">false</MarketSpecific>
-    <TPNamespace xmlns="4873beb7-5857-4685-be1f-d57550cc96cc" xsi:nil="true"/>
-    <PublishStatusLookup xmlns="4873beb7-5857-4685-be1f-d57550cc96cc">
-      <Value>1616423</Value>
-    </PublishStatusLookup>
-    <APAuthor xmlns="4873beb7-5857-4685-be1f-d57550cc96cc">
-      <UserInfo>
-        <DisplayName>REDMOND\kristaa</DisplayName>
-        <AccountId>136</AccountId>
-        <AccountType/>
-      </UserInfo>
-    </APAuthor>
-    <TPCommandLine xmlns="4873beb7-5857-4685-be1f-d57550cc96cc" xsi:nil="true"/>
-    <IntlLangReviewer xmlns="4873beb7-5857-4685-be1f-d57550cc96cc" xsi:nil="true"/>
-    <OpenTemplate xmlns="4873beb7-5857-4685-be1f-d57550cc96cc">true</OpenTemplate>
-    <CSXSubmissionDate xmlns="4873beb7-5857-4685-be1f-d57550cc96cc" xsi:nil="true"/>
-    <TaxCatchAll xmlns="4873beb7-5857-4685-be1f-d57550cc96cc"/>
-    <Manager xmlns="4873beb7-5857-4685-be1f-d57550cc96cc" xsi:nil="true"/>
-    <NumericId xmlns="4873beb7-5857-4685-be1f-d57550cc96cc" xsi:nil="true"/>
-    <ParentAssetId xmlns="4873beb7-5857-4685-be1f-d57550cc96cc" xsi:nil="true"/>
-    <OriginalSourceMarket xmlns="4873beb7-5857-4685-be1f-d57550cc96cc" xsi:nil="true"/>
-    <ApprovalStatus xmlns="4873beb7-5857-4685-be1f-d57550cc96cc">InProgress</ApprovalStatus>
-    <TPComponent xmlns="4873beb7-5857-4685-be1f-d57550cc96cc" xsi:nil="true"/>
-    <EditorialTags xmlns="4873beb7-5857-4685-be1f-d57550cc96cc" xsi:nil="true"/>
-    <TPExecutable xmlns="4873beb7-5857-4685-be1f-d57550cc96cc" xsi:nil="true"/>
-    <TPLaunchHelpLink xmlns="4873beb7-5857-4685-be1f-d57550cc96cc" xsi:nil="true"/>
-    <LocComments xmlns="4873beb7-5857-4685-be1f-d57550cc96cc" xsi:nil="true"/>
-    <LocRecommendedHandoff xmlns="4873beb7-5857-4685-be1f-d57550cc96cc" xsi:nil="true"/>
-    <SourceTitle xmlns="4873beb7-5857-4685-be1f-d57550cc96cc" xsi:nil="true"/>
-    <CSXUpdate xmlns="4873beb7-5857-4685-be1f-d57550cc96cc">false</CSXUpdate>
-    <IntlLocPriority xmlns="4873beb7-5857-4685-be1f-d57550cc96cc" xsi:nil="true"/>
-    <UAProjectedTotalWords xmlns="4873beb7-5857-4685-be1f-d57550cc96cc" xsi:nil="true"/>
-    <AssetType xmlns="4873beb7-5857-4685-be1f-d57550cc96cc">TP</AssetType>
-    <MachineTranslated xmlns="4873beb7-5857-4685-be1f-d57550cc96cc">false</MachineTranslated>
-    <OutputCachingOn xmlns="4873beb7-5857-4685-be1f-d57550cc96cc">false</OutputCachingOn>
-    <TemplateStatus xmlns="4873beb7-5857-4685-be1f-d57550cc96cc">Complete</TemplateStatus>
-    <IsSearchable xmlns="4873beb7-5857-4685-be1f-d57550cc96cc">true</IsSearchable>
-    <ContentItem xmlns="4873beb7-5857-4685-be1f-d57550cc96cc" xsi:nil="true"/>
-    <HandoffToMSDN xmlns="4873beb7-5857-4685-be1f-d57550cc96cc" xsi:nil="true"/>
-    <ShowIn xmlns="4873beb7-5857-4685-be1f-d57550cc96cc">Show everywhere</ShowIn>
-    <ThumbnailAssetId xmlns="4873beb7-5857-4685-be1f-d57550cc96cc" xsi:nil="true"/>
-    <UALocComments xmlns="4873beb7-5857-4685-be1f-d57550cc96cc" xsi:nil="true"/>
-    <UALocRecommendation xmlns="4873beb7-5857-4685-be1f-d57550cc96cc">Localize</UALocRecommendation>
-    <LastModifiedDateTime xmlns="4873beb7-5857-4685-be1f-d57550cc96cc" xsi:nil="true"/>
-    <LegacyData xmlns="4873beb7-5857-4685-be1f-d57550cc96cc" xsi:nil="true"/>
-    <LocManualTestRequired xmlns="4873beb7-5857-4685-be1f-d57550cc96cc">false</LocManualTestRequired>
-    <LocMarketGroupTiers2 xmlns="4873beb7-5857-4685-be1f-d57550cc96cc" xsi:nil="true"/>
-    <ClipArtFilename xmlns="4873beb7-5857-4685-be1f-d57550cc96cc" xsi:nil="true"/>
-    <TPApplication xmlns="4873beb7-5857-4685-be1f-d57550cc96cc" xsi:nil="true"/>
-    <CSXHash xmlns="4873beb7-5857-4685-be1f-d57550cc96cc" xsi:nil="true"/>
-    <DirectSourceMarket xmlns="4873beb7-5857-4685-be1f-d57550cc96cc" xsi:nil="true"/>
-    <PrimaryImageGen xmlns="4873beb7-5857-4685-be1f-d57550cc96cc">true</PrimaryImageGen>
-    <PlannedPubDate xmlns="4873beb7-5857-4685-be1f-d57550cc96cc" xsi:nil="true"/>
-    <CSXSubmissionMarket xmlns="4873beb7-5857-4685-be1f-d57550cc96cc" xsi:nil="true"/>
-    <Downloads xmlns="4873beb7-5857-4685-be1f-d57550cc96cc">0</Downloads>
-    <ArtSampleDocs xmlns="4873beb7-5857-4685-be1f-d57550cc96cc" xsi:nil="true"/>
-    <TrustLevel xmlns="4873beb7-5857-4685-be1f-d57550cc96cc">1 Microsoft Managed Content</TrustLevel>
-    <BlockPublish xmlns="4873beb7-5857-4685-be1f-d57550cc96cc">false</BlockPublish>
-    <TPLaunchHelpLinkType xmlns="4873beb7-5857-4685-be1f-d57550cc96cc">Template</TPLaunchHelpLinkType>
-    <LocalizationTagsTaxHTField0 xmlns="4873beb7-5857-4685-be1f-d57550cc96cc">
-      <Terms xmlns="http://schemas.microsoft.com/office/infopath/2007/PartnerControls"/>
-    </LocalizationTagsTaxHTField0>
-    <BusinessGroup xmlns="4873beb7-5857-4685-be1f-d57550cc96cc" xsi:nil="true"/>
-    <Providers xmlns="4873beb7-5857-4685-be1f-d57550cc96cc" xsi:nil="true"/>
-    <TemplateTemplateType xmlns="4873beb7-5857-4685-be1f-d57550cc96cc">PowerPoint Presentation Template</TemplateTemplateType>
-    <TimesCloned xmlns="4873beb7-5857-4685-be1f-d57550cc96cc" xsi:nil="true"/>
-    <TPAppVersion xmlns="4873beb7-5857-4685-be1f-d57550cc96cc" xsi:nil="true"/>
-    <VoteCount xmlns="4873beb7-5857-4685-be1f-d57550cc96cc" xsi:nil="true"/>
-    <AverageRating xmlns="4873beb7-5857-4685-be1f-d57550cc96cc" xsi:nil="true"/>
-    <FeatureTagsTaxHTField0 xmlns="4873beb7-5857-4685-be1f-d57550cc96cc">
-      <Terms xmlns="http://schemas.microsoft.com/office/infopath/2007/PartnerControls"/>
-    </FeatureTagsTaxHTField0>
-    <Provider xmlns="4873beb7-5857-4685-be1f-d57550cc96cc" xsi:nil="true"/>
-    <UACurrentWords xmlns="4873beb7-5857-4685-be1f-d57550cc96cc" xsi:nil="true"/>
-    <AssetId xmlns="4873beb7-5857-4685-be1f-d57550cc96cc">TP103431361</AssetId>
-    <TPClientViewer xmlns="4873beb7-5857-4685-be1f-d57550cc96cc" xsi:nil="true"/>
-    <DSATActionTaken xmlns="4873beb7-5857-4685-be1f-d57550cc96cc" xsi:nil="true"/>
-    <APEditor xmlns="4873beb7-5857-4685-be1f-d57550cc96cc">
-      <UserInfo>
-        <DisplayName/>
-        <AccountId xsi:nil="true"/>
-        <AccountType/>
-      </UserInfo>
-    </APEditor>
-    <TPInstallLocation xmlns="4873beb7-5857-4685-be1f-d57550cc96cc" xsi:nil="true"/>
-    <OOCacheId xmlns="4873beb7-5857-4685-be1f-d57550cc96cc" xsi:nil="true"/>
-    <IsDeleted xmlns="4873beb7-5857-4685-be1f-d57550cc96cc">false</IsDeleted>
-    <PublishTargets xmlns="4873beb7-5857-4685-be1f-d57550cc96cc">OfficeOnlineVNext</PublishTargets>
-    <ApprovalLog xmlns="4873beb7-5857-4685-be1f-d57550cc96cc" xsi:nil="true"/>
-    <BugNumber xmlns="4873beb7-5857-4685-be1f-d57550cc96cc" xsi:nil="true"/>
-    <CrawlForDependencies xmlns="4873beb7-5857-4685-be1f-d57550cc96cc">false</CrawlForDependencies>
-    <InternalTagsTaxHTField0 xmlns="4873beb7-5857-4685-be1f-d57550cc96cc">
-      <Terms xmlns="http://schemas.microsoft.com/office/infopath/2007/PartnerControls"/>
-    </InternalTagsTaxHTField0>
-    <LastHandOff xmlns="4873beb7-5857-4685-be1f-d57550cc96cc" xsi:nil="true"/>
-    <Milestone xmlns="4873beb7-5857-4685-be1f-d57550cc96cc" xsi:nil="true"/>
-    <OriginalRelease xmlns="4873beb7-5857-4685-be1f-d57550cc96cc">15</OriginalRelease>
-    <RecommendationsModifier xmlns="4873beb7-5857-4685-be1f-d57550cc96cc" xsi:nil="true"/>
-    <ScenarioTagsTaxHTField0 xmlns="4873beb7-5857-4685-be1f-d57550cc96cc">
-      <Terms xmlns="http://schemas.microsoft.com/office/infopath/2007/PartnerControls"/>
-    </ScenarioTagsTaxHTField0>
-    <UANotes xmlns="4873beb7-5857-4685-be1f-d57550cc96cc" xsi:nil="true"/>
-  </documentManagement>
-</p:properties>
+<?mso-contentType ?>
+<FormTemplates xmlns="http://schemas.microsoft.com/sharepoint/v3/contenttype/forms">
+  <Display>DocumentLibraryForm</Display>
+  <Edit>AssetEditForm</Edit>
+  <New>DocumentLibraryForm</New>
+</FormTemplates>
 </file>
 
 <file path=customXml/item2.xml><?xml version="1.0" encoding="utf-8"?>
@@ -8584,26 +8369,135 @@
 </file>
 
 <file path=customXml/item3.xml><?xml version="1.0" encoding="utf-8"?>
-<?mso-contentType ?>
-<FormTemplates xmlns="http://schemas.microsoft.com/sharepoint/v3/contenttype/forms">
-  <Display>DocumentLibraryForm</Display>
-  <Edit>AssetEditForm</Edit>
-  <New>DocumentLibraryForm</New>
-</FormTemplates>
+<p:properties xmlns:p="http://schemas.microsoft.com/office/2006/metadata/properties" xmlns:xsi="http://www.w3.org/2001/XMLSchema-instance" xmlns:pc="http://schemas.microsoft.com/office/infopath/2007/PartnerControls">
+  <documentManagement>
+    <APDescription xmlns="4873beb7-5857-4685-be1f-d57550cc96cc" xsi:nil="true"/>
+    <AssetExpire xmlns="4873beb7-5857-4685-be1f-d57550cc96cc">2029-01-01T08:00:00+00:00</AssetExpire>
+    <CampaignTagsTaxHTField0 xmlns="4873beb7-5857-4685-be1f-d57550cc96cc">
+      <Terms xmlns="http://schemas.microsoft.com/office/infopath/2007/PartnerControls"/>
+    </CampaignTagsTaxHTField0>
+    <IntlLangReviewDate xmlns="4873beb7-5857-4685-be1f-d57550cc96cc" xsi:nil="true"/>
+    <TPFriendlyName xmlns="4873beb7-5857-4685-be1f-d57550cc96cc" xsi:nil="true"/>
+    <IntlLangReview xmlns="4873beb7-5857-4685-be1f-d57550cc96cc">false</IntlLangReview>
+    <LocLastLocAttemptVersionLookup xmlns="4873beb7-5857-4685-be1f-d57550cc96cc">855024</LocLastLocAttemptVersionLookup>
+    <PolicheckWords xmlns="4873beb7-5857-4685-be1f-d57550cc96cc" xsi:nil="true"/>
+    <SubmitterId xmlns="4873beb7-5857-4685-be1f-d57550cc96cc" xsi:nil="true"/>
+    <AcquiredFrom xmlns="4873beb7-5857-4685-be1f-d57550cc96cc">Internal MS</AcquiredFrom>
+    <EditorialStatus xmlns="4873beb7-5857-4685-be1f-d57550cc96cc">Complete</EditorialStatus>
+    <Markets xmlns="4873beb7-5857-4685-be1f-d57550cc96cc"/>
+    <OriginAsset xmlns="4873beb7-5857-4685-be1f-d57550cc96cc" xsi:nil="true"/>
+    <AssetStart xmlns="4873beb7-5857-4685-be1f-d57550cc96cc">2012-08-31T08:50:00+00:00</AssetStart>
+    <FriendlyTitle xmlns="4873beb7-5857-4685-be1f-d57550cc96cc" xsi:nil="true"/>
+    <MarketSpecific xmlns="4873beb7-5857-4685-be1f-d57550cc96cc">false</MarketSpecific>
+    <TPNamespace xmlns="4873beb7-5857-4685-be1f-d57550cc96cc" xsi:nil="true"/>
+    <PublishStatusLookup xmlns="4873beb7-5857-4685-be1f-d57550cc96cc">
+      <Value>1616423</Value>
+    </PublishStatusLookup>
+    <APAuthor xmlns="4873beb7-5857-4685-be1f-d57550cc96cc">
+      <UserInfo>
+        <DisplayName>REDMOND\kristaa</DisplayName>
+        <AccountId>136</AccountId>
+        <AccountType/>
+      </UserInfo>
+    </APAuthor>
+    <TPCommandLine xmlns="4873beb7-5857-4685-be1f-d57550cc96cc" xsi:nil="true"/>
+    <IntlLangReviewer xmlns="4873beb7-5857-4685-be1f-d57550cc96cc" xsi:nil="true"/>
+    <OpenTemplate xmlns="4873beb7-5857-4685-be1f-d57550cc96cc">true</OpenTemplate>
+    <CSXSubmissionDate xmlns="4873beb7-5857-4685-be1f-d57550cc96cc" xsi:nil="true"/>
+    <TaxCatchAll xmlns="4873beb7-5857-4685-be1f-d57550cc96cc"/>
+    <Manager xmlns="4873beb7-5857-4685-be1f-d57550cc96cc" xsi:nil="true"/>
+    <NumericId xmlns="4873beb7-5857-4685-be1f-d57550cc96cc" xsi:nil="true"/>
+    <ParentAssetId xmlns="4873beb7-5857-4685-be1f-d57550cc96cc" xsi:nil="true"/>
+    <OriginalSourceMarket xmlns="4873beb7-5857-4685-be1f-d57550cc96cc" xsi:nil="true"/>
+    <ApprovalStatus xmlns="4873beb7-5857-4685-be1f-d57550cc96cc">InProgress</ApprovalStatus>
+    <TPComponent xmlns="4873beb7-5857-4685-be1f-d57550cc96cc" xsi:nil="true"/>
+    <EditorialTags xmlns="4873beb7-5857-4685-be1f-d57550cc96cc" xsi:nil="true"/>
+    <TPExecutable xmlns="4873beb7-5857-4685-be1f-d57550cc96cc" xsi:nil="true"/>
+    <TPLaunchHelpLink xmlns="4873beb7-5857-4685-be1f-d57550cc96cc" xsi:nil="true"/>
+    <LocComments xmlns="4873beb7-5857-4685-be1f-d57550cc96cc" xsi:nil="true"/>
+    <LocRecommendedHandoff xmlns="4873beb7-5857-4685-be1f-d57550cc96cc" xsi:nil="true"/>
+    <SourceTitle xmlns="4873beb7-5857-4685-be1f-d57550cc96cc" xsi:nil="true"/>
+    <CSXUpdate xmlns="4873beb7-5857-4685-be1f-d57550cc96cc">false</CSXUpdate>
+    <IntlLocPriority xmlns="4873beb7-5857-4685-be1f-d57550cc96cc" xsi:nil="true"/>
+    <UAProjectedTotalWords xmlns="4873beb7-5857-4685-be1f-d57550cc96cc" xsi:nil="true"/>
+    <AssetType xmlns="4873beb7-5857-4685-be1f-d57550cc96cc">TP</AssetType>
+    <MachineTranslated xmlns="4873beb7-5857-4685-be1f-d57550cc96cc">false</MachineTranslated>
+    <OutputCachingOn xmlns="4873beb7-5857-4685-be1f-d57550cc96cc">false</OutputCachingOn>
+    <TemplateStatus xmlns="4873beb7-5857-4685-be1f-d57550cc96cc">Complete</TemplateStatus>
+    <IsSearchable xmlns="4873beb7-5857-4685-be1f-d57550cc96cc">true</IsSearchable>
+    <ContentItem xmlns="4873beb7-5857-4685-be1f-d57550cc96cc" xsi:nil="true"/>
+    <HandoffToMSDN xmlns="4873beb7-5857-4685-be1f-d57550cc96cc" xsi:nil="true"/>
+    <ShowIn xmlns="4873beb7-5857-4685-be1f-d57550cc96cc">Show everywhere</ShowIn>
+    <ThumbnailAssetId xmlns="4873beb7-5857-4685-be1f-d57550cc96cc" xsi:nil="true"/>
+    <UALocComments xmlns="4873beb7-5857-4685-be1f-d57550cc96cc" xsi:nil="true"/>
+    <UALocRecommendation xmlns="4873beb7-5857-4685-be1f-d57550cc96cc">Localize</UALocRecommendation>
+    <LastModifiedDateTime xmlns="4873beb7-5857-4685-be1f-d57550cc96cc" xsi:nil="true"/>
+    <LegacyData xmlns="4873beb7-5857-4685-be1f-d57550cc96cc" xsi:nil="true"/>
+    <LocManualTestRequired xmlns="4873beb7-5857-4685-be1f-d57550cc96cc">false</LocManualTestRequired>
+    <LocMarketGroupTiers2 xmlns="4873beb7-5857-4685-be1f-d57550cc96cc" xsi:nil="true"/>
+    <ClipArtFilename xmlns="4873beb7-5857-4685-be1f-d57550cc96cc" xsi:nil="true"/>
+    <TPApplication xmlns="4873beb7-5857-4685-be1f-d57550cc96cc" xsi:nil="true"/>
+    <CSXHash xmlns="4873beb7-5857-4685-be1f-d57550cc96cc" xsi:nil="true"/>
+    <DirectSourceMarket xmlns="4873beb7-5857-4685-be1f-d57550cc96cc" xsi:nil="true"/>
+    <PrimaryImageGen xmlns="4873beb7-5857-4685-be1f-d57550cc96cc">true</PrimaryImageGen>
+    <PlannedPubDate xmlns="4873beb7-5857-4685-be1f-d57550cc96cc" xsi:nil="true"/>
+    <CSXSubmissionMarket xmlns="4873beb7-5857-4685-be1f-d57550cc96cc" xsi:nil="true"/>
+    <Downloads xmlns="4873beb7-5857-4685-be1f-d57550cc96cc">0</Downloads>
+    <ArtSampleDocs xmlns="4873beb7-5857-4685-be1f-d57550cc96cc" xsi:nil="true"/>
+    <TrustLevel xmlns="4873beb7-5857-4685-be1f-d57550cc96cc">1 Microsoft Managed Content</TrustLevel>
+    <BlockPublish xmlns="4873beb7-5857-4685-be1f-d57550cc96cc">false</BlockPublish>
+    <TPLaunchHelpLinkType xmlns="4873beb7-5857-4685-be1f-d57550cc96cc">Template</TPLaunchHelpLinkType>
+    <LocalizationTagsTaxHTField0 xmlns="4873beb7-5857-4685-be1f-d57550cc96cc">
+      <Terms xmlns="http://schemas.microsoft.com/office/infopath/2007/PartnerControls"/>
+    </LocalizationTagsTaxHTField0>
+    <BusinessGroup xmlns="4873beb7-5857-4685-be1f-d57550cc96cc" xsi:nil="true"/>
+    <Providers xmlns="4873beb7-5857-4685-be1f-d57550cc96cc" xsi:nil="true"/>
+    <TemplateTemplateType xmlns="4873beb7-5857-4685-be1f-d57550cc96cc">PowerPoint Presentation Template</TemplateTemplateType>
+    <TimesCloned xmlns="4873beb7-5857-4685-be1f-d57550cc96cc" xsi:nil="true"/>
+    <TPAppVersion xmlns="4873beb7-5857-4685-be1f-d57550cc96cc" xsi:nil="true"/>
+    <VoteCount xmlns="4873beb7-5857-4685-be1f-d57550cc96cc" xsi:nil="true"/>
+    <AverageRating xmlns="4873beb7-5857-4685-be1f-d57550cc96cc" xsi:nil="true"/>
+    <FeatureTagsTaxHTField0 xmlns="4873beb7-5857-4685-be1f-d57550cc96cc">
+      <Terms xmlns="http://schemas.microsoft.com/office/infopath/2007/PartnerControls"/>
+    </FeatureTagsTaxHTField0>
+    <Provider xmlns="4873beb7-5857-4685-be1f-d57550cc96cc" xsi:nil="true"/>
+    <UACurrentWords xmlns="4873beb7-5857-4685-be1f-d57550cc96cc" xsi:nil="true"/>
+    <AssetId xmlns="4873beb7-5857-4685-be1f-d57550cc96cc">TP103431361</AssetId>
+    <TPClientViewer xmlns="4873beb7-5857-4685-be1f-d57550cc96cc" xsi:nil="true"/>
+    <DSATActionTaken xmlns="4873beb7-5857-4685-be1f-d57550cc96cc" xsi:nil="true"/>
+    <APEditor xmlns="4873beb7-5857-4685-be1f-d57550cc96cc">
+      <UserInfo>
+        <DisplayName/>
+        <AccountId xsi:nil="true"/>
+        <AccountType/>
+      </UserInfo>
+    </APEditor>
+    <TPInstallLocation xmlns="4873beb7-5857-4685-be1f-d57550cc96cc" xsi:nil="true"/>
+    <OOCacheId xmlns="4873beb7-5857-4685-be1f-d57550cc96cc" xsi:nil="true"/>
+    <IsDeleted xmlns="4873beb7-5857-4685-be1f-d57550cc96cc">false</IsDeleted>
+    <PublishTargets xmlns="4873beb7-5857-4685-be1f-d57550cc96cc">OfficeOnlineVNext</PublishTargets>
+    <ApprovalLog xmlns="4873beb7-5857-4685-be1f-d57550cc96cc" xsi:nil="true"/>
+    <BugNumber xmlns="4873beb7-5857-4685-be1f-d57550cc96cc" xsi:nil="true"/>
+    <CrawlForDependencies xmlns="4873beb7-5857-4685-be1f-d57550cc96cc">false</CrawlForDependencies>
+    <InternalTagsTaxHTField0 xmlns="4873beb7-5857-4685-be1f-d57550cc96cc">
+      <Terms xmlns="http://schemas.microsoft.com/office/infopath/2007/PartnerControls"/>
+    </InternalTagsTaxHTField0>
+    <LastHandOff xmlns="4873beb7-5857-4685-be1f-d57550cc96cc" xsi:nil="true"/>
+    <Milestone xmlns="4873beb7-5857-4685-be1f-d57550cc96cc" xsi:nil="true"/>
+    <OriginalRelease xmlns="4873beb7-5857-4685-be1f-d57550cc96cc">15</OriginalRelease>
+    <RecommendationsModifier xmlns="4873beb7-5857-4685-be1f-d57550cc96cc" xsi:nil="true"/>
+    <ScenarioTagsTaxHTField0 xmlns="4873beb7-5857-4685-be1f-d57550cc96cc">
+      <Terms xmlns="http://schemas.microsoft.com/office/infopath/2007/PartnerControls"/>
+    </ScenarioTagsTaxHTField0>
+    <UANotes xmlns="4873beb7-5857-4685-be1f-d57550cc96cc" xsi:nil="true"/>
+  </documentManagement>
+</p:properties>
 </file>
 
 <file path=customXml/itemProps1.xml><?xml version="1.0" encoding="utf-8"?>
-<ds:datastoreItem xmlns:ds="http://schemas.openxmlformats.org/officeDocument/2006/customXml" ds:itemID="{8CDDBB83-77C1-4099-A0AA-289882E745E2}">
+<ds:datastoreItem xmlns:ds="http://schemas.openxmlformats.org/officeDocument/2006/customXml" ds:itemID="{561E720F-F05D-4536-9C34-0CFCED65D3B7}">
   <ds:schemaRefs>
-    <ds:schemaRef ds:uri="http://schemas.openxmlformats.org/package/2006/metadata/core-properties"/>
-    <ds:schemaRef ds:uri="http://www.w3.org/XML/1998/namespace"/>
-    <ds:schemaRef ds:uri="http://purl.org/dc/dcmitype/"/>
-    <ds:schemaRef ds:uri="4873beb7-5857-4685-be1f-d57550cc96cc"/>
-    <ds:schemaRef ds:uri="http://purl.org/dc/terms/"/>
-    <ds:schemaRef ds:uri="http://purl.org/dc/elements/1.1/"/>
-    <ds:schemaRef ds:uri="http://schemas.microsoft.com/office/2006/documentManagement/types"/>
-    <ds:schemaRef ds:uri="http://schemas.microsoft.com/office/infopath/2007/PartnerControls"/>
-    <ds:schemaRef ds:uri="http://schemas.microsoft.com/office/2006/metadata/properties"/>
+    <ds:schemaRef ds:uri="http://schemas.microsoft.com/sharepoint/v3/contenttype/forms"/>
   </ds:schemaRefs>
 </ds:datastoreItem>
 </file>
@@ -8627,9 +8521,17 @@
 </file>
 
 <file path=customXml/itemProps3.xml><?xml version="1.0" encoding="utf-8"?>
-<ds:datastoreItem xmlns:ds="http://schemas.openxmlformats.org/officeDocument/2006/customXml" ds:itemID="{561E720F-F05D-4536-9C34-0CFCED65D3B7}">
+<ds:datastoreItem xmlns:ds="http://schemas.openxmlformats.org/officeDocument/2006/customXml" ds:itemID="{8CDDBB83-77C1-4099-A0AA-289882E745E2}">
   <ds:schemaRefs>
-    <ds:schemaRef ds:uri="http://schemas.microsoft.com/sharepoint/v3/contenttype/forms"/>
+    <ds:schemaRef ds:uri="http://schemas.openxmlformats.org/package/2006/metadata/core-properties"/>
+    <ds:schemaRef ds:uri="http://www.w3.org/XML/1998/namespace"/>
+    <ds:schemaRef ds:uri="http://purl.org/dc/dcmitype/"/>
+    <ds:schemaRef ds:uri="4873beb7-5857-4685-be1f-d57550cc96cc"/>
+    <ds:schemaRef ds:uri="http://purl.org/dc/terms/"/>
+    <ds:schemaRef ds:uri="http://purl.org/dc/elements/1.1/"/>
+    <ds:schemaRef ds:uri="http://schemas.microsoft.com/office/2006/documentManagement/types"/>
+    <ds:schemaRef ds:uri="http://schemas.microsoft.com/office/infopath/2007/PartnerControls"/>
+    <ds:schemaRef ds:uri="http://schemas.microsoft.com/office/2006/metadata/properties"/>
   </ds:schemaRefs>
 </ds:datastoreItem>
 </file>
--- a/reports/Fiber_Group_Presenetation.pptx
+++ b/reports/Fiber_Group_Presenetation.pptx
@@ -6112,7 +6112,7 @@
             <a:pPr algn="ctr"/>
             <a:r>
               <a:rPr lang="en-US" dirty="0"/>
-              <a:t>Map of the cities in our study</a:t>
+              <a:t>GeoPandas Map of the cities in our study </a:t>
             </a:r>
             <a:endParaRPr lang="en-US" i="1" dirty="0"/>
           </a:p>
@@ -7329,6 +7329,132 @@
 </file>
 
 <file path=customXml/item2.xml><?xml version="1.0" encoding="utf-8"?>
+<p:properties xmlns:p="http://schemas.microsoft.com/office/2006/metadata/properties" xmlns:xsi="http://www.w3.org/2001/XMLSchema-instance" xmlns:pc="http://schemas.microsoft.com/office/infopath/2007/PartnerControls">
+  <documentManagement>
+    <APDescription xmlns="4873beb7-5857-4685-be1f-d57550cc96cc" xsi:nil="true"/>
+    <AssetExpire xmlns="4873beb7-5857-4685-be1f-d57550cc96cc">2029-01-01T08:00:00+00:00</AssetExpire>
+    <CampaignTagsTaxHTField0 xmlns="4873beb7-5857-4685-be1f-d57550cc96cc">
+      <Terms xmlns="http://schemas.microsoft.com/office/infopath/2007/PartnerControls"/>
+    </CampaignTagsTaxHTField0>
+    <IntlLangReviewDate xmlns="4873beb7-5857-4685-be1f-d57550cc96cc" xsi:nil="true"/>
+    <TPFriendlyName xmlns="4873beb7-5857-4685-be1f-d57550cc96cc" xsi:nil="true"/>
+    <IntlLangReview xmlns="4873beb7-5857-4685-be1f-d57550cc96cc">false</IntlLangReview>
+    <LocLastLocAttemptVersionLookup xmlns="4873beb7-5857-4685-be1f-d57550cc96cc">855024</LocLastLocAttemptVersionLookup>
+    <PolicheckWords xmlns="4873beb7-5857-4685-be1f-d57550cc96cc" xsi:nil="true"/>
+    <SubmitterId xmlns="4873beb7-5857-4685-be1f-d57550cc96cc" xsi:nil="true"/>
+    <AcquiredFrom xmlns="4873beb7-5857-4685-be1f-d57550cc96cc">Internal MS</AcquiredFrom>
+    <EditorialStatus xmlns="4873beb7-5857-4685-be1f-d57550cc96cc">Complete</EditorialStatus>
+    <Markets xmlns="4873beb7-5857-4685-be1f-d57550cc96cc"/>
+    <OriginAsset xmlns="4873beb7-5857-4685-be1f-d57550cc96cc" xsi:nil="true"/>
+    <AssetStart xmlns="4873beb7-5857-4685-be1f-d57550cc96cc">2012-08-31T08:50:00+00:00</AssetStart>
+    <FriendlyTitle xmlns="4873beb7-5857-4685-be1f-d57550cc96cc" xsi:nil="true"/>
+    <MarketSpecific xmlns="4873beb7-5857-4685-be1f-d57550cc96cc">false</MarketSpecific>
+    <TPNamespace xmlns="4873beb7-5857-4685-be1f-d57550cc96cc" xsi:nil="true"/>
+    <PublishStatusLookup xmlns="4873beb7-5857-4685-be1f-d57550cc96cc">
+      <Value>1616423</Value>
+    </PublishStatusLookup>
+    <APAuthor xmlns="4873beb7-5857-4685-be1f-d57550cc96cc">
+      <UserInfo>
+        <DisplayName>REDMOND\kristaa</DisplayName>
+        <AccountId>136</AccountId>
+        <AccountType/>
+      </UserInfo>
+    </APAuthor>
+    <TPCommandLine xmlns="4873beb7-5857-4685-be1f-d57550cc96cc" xsi:nil="true"/>
+    <IntlLangReviewer xmlns="4873beb7-5857-4685-be1f-d57550cc96cc" xsi:nil="true"/>
+    <OpenTemplate xmlns="4873beb7-5857-4685-be1f-d57550cc96cc">true</OpenTemplate>
+    <CSXSubmissionDate xmlns="4873beb7-5857-4685-be1f-d57550cc96cc" xsi:nil="true"/>
+    <TaxCatchAll xmlns="4873beb7-5857-4685-be1f-d57550cc96cc"/>
+    <Manager xmlns="4873beb7-5857-4685-be1f-d57550cc96cc" xsi:nil="true"/>
+    <NumericId xmlns="4873beb7-5857-4685-be1f-d57550cc96cc" xsi:nil="true"/>
+    <ParentAssetId xmlns="4873beb7-5857-4685-be1f-d57550cc96cc" xsi:nil="true"/>
+    <OriginalSourceMarket xmlns="4873beb7-5857-4685-be1f-d57550cc96cc" xsi:nil="true"/>
+    <ApprovalStatus xmlns="4873beb7-5857-4685-be1f-d57550cc96cc">InProgress</ApprovalStatus>
+    <TPComponent xmlns="4873beb7-5857-4685-be1f-d57550cc96cc" xsi:nil="true"/>
+    <EditorialTags xmlns="4873beb7-5857-4685-be1f-d57550cc96cc" xsi:nil="true"/>
+    <TPExecutable xmlns="4873beb7-5857-4685-be1f-d57550cc96cc" xsi:nil="true"/>
+    <TPLaunchHelpLink xmlns="4873beb7-5857-4685-be1f-d57550cc96cc" xsi:nil="true"/>
+    <LocComments xmlns="4873beb7-5857-4685-be1f-d57550cc96cc" xsi:nil="true"/>
+    <LocRecommendedHandoff xmlns="4873beb7-5857-4685-be1f-d57550cc96cc" xsi:nil="true"/>
+    <SourceTitle xmlns="4873beb7-5857-4685-be1f-d57550cc96cc" xsi:nil="true"/>
+    <CSXUpdate xmlns="4873beb7-5857-4685-be1f-d57550cc96cc">false</CSXUpdate>
+    <IntlLocPriority xmlns="4873beb7-5857-4685-be1f-d57550cc96cc" xsi:nil="true"/>
+    <UAProjectedTotalWords xmlns="4873beb7-5857-4685-be1f-d57550cc96cc" xsi:nil="true"/>
+    <AssetType xmlns="4873beb7-5857-4685-be1f-d57550cc96cc">TP</AssetType>
+    <MachineTranslated xmlns="4873beb7-5857-4685-be1f-d57550cc96cc">false</MachineTranslated>
+    <OutputCachingOn xmlns="4873beb7-5857-4685-be1f-d57550cc96cc">false</OutputCachingOn>
+    <TemplateStatus xmlns="4873beb7-5857-4685-be1f-d57550cc96cc">Complete</TemplateStatus>
+    <IsSearchable xmlns="4873beb7-5857-4685-be1f-d57550cc96cc">true</IsSearchable>
+    <ContentItem xmlns="4873beb7-5857-4685-be1f-d57550cc96cc" xsi:nil="true"/>
+    <HandoffToMSDN xmlns="4873beb7-5857-4685-be1f-d57550cc96cc" xsi:nil="true"/>
+    <ShowIn xmlns="4873beb7-5857-4685-be1f-d57550cc96cc">Show everywhere</ShowIn>
+    <ThumbnailAssetId xmlns="4873beb7-5857-4685-be1f-d57550cc96cc" xsi:nil="true"/>
+    <UALocComments xmlns="4873beb7-5857-4685-be1f-d57550cc96cc" xsi:nil="true"/>
+    <UALocRecommendation xmlns="4873beb7-5857-4685-be1f-d57550cc96cc">Localize</UALocRecommendation>
+    <LastModifiedDateTime xmlns="4873beb7-5857-4685-be1f-d57550cc96cc" xsi:nil="true"/>
+    <LegacyData xmlns="4873beb7-5857-4685-be1f-d57550cc96cc" xsi:nil="true"/>
+    <LocManualTestRequired xmlns="4873beb7-5857-4685-be1f-d57550cc96cc">false</LocManualTestRequired>
+    <LocMarketGroupTiers2 xmlns="4873beb7-5857-4685-be1f-d57550cc96cc" xsi:nil="true"/>
+    <ClipArtFilename xmlns="4873beb7-5857-4685-be1f-d57550cc96cc" xsi:nil="true"/>
+    <TPApplication xmlns="4873beb7-5857-4685-be1f-d57550cc96cc" xsi:nil="true"/>
+    <CSXHash xmlns="4873beb7-5857-4685-be1f-d57550cc96cc" xsi:nil="true"/>
+    <DirectSourceMarket xmlns="4873beb7-5857-4685-be1f-d57550cc96cc" xsi:nil="true"/>
+    <PrimaryImageGen xmlns="4873beb7-5857-4685-be1f-d57550cc96cc">true</PrimaryImageGen>
+    <PlannedPubDate xmlns="4873beb7-5857-4685-be1f-d57550cc96cc" xsi:nil="true"/>
+    <CSXSubmissionMarket xmlns="4873beb7-5857-4685-be1f-d57550cc96cc" xsi:nil="true"/>
+    <Downloads xmlns="4873beb7-5857-4685-be1f-d57550cc96cc">0</Downloads>
+    <ArtSampleDocs xmlns="4873beb7-5857-4685-be1f-d57550cc96cc" xsi:nil="true"/>
+    <TrustLevel xmlns="4873beb7-5857-4685-be1f-d57550cc96cc">1 Microsoft Managed Content</TrustLevel>
+    <BlockPublish xmlns="4873beb7-5857-4685-be1f-d57550cc96cc">false</BlockPublish>
+    <TPLaunchHelpLinkType xmlns="4873beb7-5857-4685-be1f-d57550cc96cc">Template</TPLaunchHelpLinkType>
+    <LocalizationTagsTaxHTField0 xmlns="4873beb7-5857-4685-be1f-d57550cc96cc">
+      <Terms xmlns="http://schemas.microsoft.com/office/infopath/2007/PartnerControls"/>
+    </LocalizationTagsTaxHTField0>
+    <BusinessGroup xmlns="4873beb7-5857-4685-be1f-d57550cc96cc" xsi:nil="true"/>
+    <Providers xmlns="4873beb7-5857-4685-be1f-d57550cc96cc" xsi:nil="true"/>
+    <TemplateTemplateType xmlns="4873beb7-5857-4685-be1f-d57550cc96cc">PowerPoint Presentation Template</TemplateTemplateType>
+    <TimesCloned xmlns="4873beb7-5857-4685-be1f-d57550cc96cc" xsi:nil="true"/>
+    <TPAppVersion xmlns="4873beb7-5857-4685-be1f-d57550cc96cc" xsi:nil="true"/>
+    <VoteCount xmlns="4873beb7-5857-4685-be1f-d57550cc96cc" xsi:nil="true"/>
+    <AverageRating xmlns="4873beb7-5857-4685-be1f-d57550cc96cc" xsi:nil="true"/>
+    <FeatureTagsTaxHTField0 xmlns="4873beb7-5857-4685-be1f-d57550cc96cc">
+      <Terms xmlns="http://schemas.microsoft.com/office/infopath/2007/PartnerControls"/>
+    </FeatureTagsTaxHTField0>
+    <Provider xmlns="4873beb7-5857-4685-be1f-d57550cc96cc" xsi:nil="true"/>
+    <UACurrentWords xmlns="4873beb7-5857-4685-be1f-d57550cc96cc" xsi:nil="true"/>
+    <AssetId xmlns="4873beb7-5857-4685-be1f-d57550cc96cc">TP103431361</AssetId>
+    <TPClientViewer xmlns="4873beb7-5857-4685-be1f-d57550cc96cc" xsi:nil="true"/>
+    <DSATActionTaken xmlns="4873beb7-5857-4685-be1f-d57550cc96cc" xsi:nil="true"/>
+    <APEditor xmlns="4873beb7-5857-4685-be1f-d57550cc96cc">
+      <UserInfo>
+        <DisplayName/>
+        <AccountId xsi:nil="true"/>
+        <AccountType/>
+      </UserInfo>
+    </APEditor>
+    <TPInstallLocation xmlns="4873beb7-5857-4685-be1f-d57550cc96cc" xsi:nil="true"/>
+    <OOCacheId xmlns="4873beb7-5857-4685-be1f-d57550cc96cc" xsi:nil="true"/>
+    <IsDeleted xmlns="4873beb7-5857-4685-be1f-d57550cc96cc">false</IsDeleted>
+    <PublishTargets xmlns="4873beb7-5857-4685-be1f-d57550cc96cc">OfficeOnlineVNext</PublishTargets>
+    <ApprovalLog xmlns="4873beb7-5857-4685-be1f-d57550cc96cc" xsi:nil="true"/>
+    <BugNumber xmlns="4873beb7-5857-4685-be1f-d57550cc96cc" xsi:nil="true"/>
+    <CrawlForDependencies xmlns="4873beb7-5857-4685-be1f-d57550cc96cc">false</CrawlForDependencies>
+    <InternalTagsTaxHTField0 xmlns="4873beb7-5857-4685-be1f-d57550cc96cc">
+      <Terms xmlns="http://schemas.microsoft.com/office/infopath/2007/PartnerControls"/>
+    </InternalTagsTaxHTField0>
+    <LastHandOff xmlns="4873beb7-5857-4685-be1f-d57550cc96cc" xsi:nil="true"/>
+    <Milestone xmlns="4873beb7-5857-4685-be1f-d57550cc96cc" xsi:nil="true"/>
+    <OriginalRelease xmlns="4873beb7-5857-4685-be1f-d57550cc96cc">15</OriginalRelease>
+    <RecommendationsModifier xmlns="4873beb7-5857-4685-be1f-d57550cc96cc" xsi:nil="true"/>
+    <ScenarioTagsTaxHTField0 xmlns="4873beb7-5857-4685-be1f-d57550cc96cc">
+      <Terms xmlns="http://schemas.microsoft.com/office/infopath/2007/PartnerControls"/>
+    </ScenarioTagsTaxHTField0>
+    <UANotes xmlns="4873beb7-5857-4685-be1f-d57550cc96cc" xsi:nil="true"/>
+  </documentManagement>
+</p:properties>
+</file>
+
+<file path=customXml/item3.xml><?xml version="1.0" encoding="utf-8"?>
 <ct:contentTypeSchema xmlns:ct="http://schemas.microsoft.com/office/2006/metadata/contentType" xmlns:ma="http://schemas.microsoft.com/office/2006/metadata/properties/metaAttributes" ct:_="" ma:_="" ma:contentTypeName="TemplateFile" ma:contentTypeID="0x0101006EDDDB5EE6D98C44930B742096920B300400F5B6D36B3EF94B4E9A635CDF2A18F5B8" ma:contentTypeVersion="72" ma:contentTypeDescription="Create a new document." ma:contentTypeScope="" ma:versionID="a23e56308344d904b51738559c3d67c9">
   <xsd:schema xmlns:xsd="http://www.w3.org/2001/XMLSchema" xmlns:xs="http://www.w3.org/2001/XMLSchema" xmlns:p="http://schemas.microsoft.com/office/2006/metadata/properties" xmlns:ns2="4873beb7-5857-4685-be1f-d57550cc96cc" targetNamespace="http://schemas.microsoft.com/office/2006/metadata/properties" ma:root="true" ma:fieldsID="cd0908cc4600e77bf5da051303e00c8d" ns2:_="">
     <xsd:import namespace="4873beb7-5857-4685-be1f-d57550cc96cc"/>
@@ -8368,132 +8494,6 @@
 </ct:contentTypeSchema>
 </file>
 
-<file path=customXml/item3.xml><?xml version="1.0" encoding="utf-8"?>
-<p:properties xmlns:p="http://schemas.microsoft.com/office/2006/metadata/properties" xmlns:xsi="http://www.w3.org/2001/XMLSchema-instance" xmlns:pc="http://schemas.microsoft.com/office/infopath/2007/PartnerControls">
-  <documentManagement>
-    <APDescription xmlns="4873beb7-5857-4685-be1f-d57550cc96cc" xsi:nil="true"/>
-    <AssetExpire xmlns="4873beb7-5857-4685-be1f-d57550cc96cc">2029-01-01T08:00:00+00:00</AssetExpire>
-    <CampaignTagsTaxHTField0 xmlns="4873beb7-5857-4685-be1f-d57550cc96cc">
-      <Terms xmlns="http://schemas.microsoft.com/office/infopath/2007/PartnerControls"/>
-    </CampaignTagsTaxHTField0>
-    <IntlLangReviewDate xmlns="4873beb7-5857-4685-be1f-d57550cc96cc" xsi:nil="true"/>
-    <TPFriendlyName xmlns="4873beb7-5857-4685-be1f-d57550cc96cc" xsi:nil="true"/>
-    <IntlLangReview xmlns="4873beb7-5857-4685-be1f-d57550cc96cc">false</IntlLangReview>
-    <LocLastLocAttemptVersionLookup xmlns="4873beb7-5857-4685-be1f-d57550cc96cc">855024</LocLastLocAttemptVersionLookup>
-    <PolicheckWords xmlns="4873beb7-5857-4685-be1f-d57550cc96cc" xsi:nil="true"/>
-    <SubmitterId xmlns="4873beb7-5857-4685-be1f-d57550cc96cc" xsi:nil="true"/>
-    <AcquiredFrom xmlns="4873beb7-5857-4685-be1f-d57550cc96cc">Internal MS</AcquiredFrom>
-    <EditorialStatus xmlns="4873beb7-5857-4685-be1f-d57550cc96cc">Complete</EditorialStatus>
-    <Markets xmlns="4873beb7-5857-4685-be1f-d57550cc96cc"/>
-    <OriginAsset xmlns="4873beb7-5857-4685-be1f-d57550cc96cc" xsi:nil="true"/>
-    <AssetStart xmlns="4873beb7-5857-4685-be1f-d57550cc96cc">2012-08-31T08:50:00+00:00</AssetStart>
-    <FriendlyTitle xmlns="4873beb7-5857-4685-be1f-d57550cc96cc" xsi:nil="true"/>
-    <MarketSpecific xmlns="4873beb7-5857-4685-be1f-d57550cc96cc">false</MarketSpecific>
-    <TPNamespace xmlns="4873beb7-5857-4685-be1f-d57550cc96cc" xsi:nil="true"/>
-    <PublishStatusLookup xmlns="4873beb7-5857-4685-be1f-d57550cc96cc">
-      <Value>1616423</Value>
-    </PublishStatusLookup>
-    <APAuthor xmlns="4873beb7-5857-4685-be1f-d57550cc96cc">
-      <UserInfo>
-        <DisplayName>REDMOND\kristaa</DisplayName>
-        <AccountId>136</AccountId>
-        <AccountType/>
-      </UserInfo>
-    </APAuthor>
-    <TPCommandLine xmlns="4873beb7-5857-4685-be1f-d57550cc96cc" xsi:nil="true"/>
-    <IntlLangReviewer xmlns="4873beb7-5857-4685-be1f-d57550cc96cc" xsi:nil="true"/>
-    <OpenTemplate xmlns="4873beb7-5857-4685-be1f-d57550cc96cc">true</OpenTemplate>
-    <CSXSubmissionDate xmlns="4873beb7-5857-4685-be1f-d57550cc96cc" xsi:nil="true"/>
-    <TaxCatchAll xmlns="4873beb7-5857-4685-be1f-d57550cc96cc"/>
-    <Manager xmlns="4873beb7-5857-4685-be1f-d57550cc96cc" xsi:nil="true"/>
-    <NumericId xmlns="4873beb7-5857-4685-be1f-d57550cc96cc" xsi:nil="true"/>
-    <ParentAssetId xmlns="4873beb7-5857-4685-be1f-d57550cc96cc" xsi:nil="true"/>
-    <OriginalSourceMarket xmlns="4873beb7-5857-4685-be1f-d57550cc96cc" xsi:nil="true"/>
-    <ApprovalStatus xmlns="4873beb7-5857-4685-be1f-d57550cc96cc">InProgress</ApprovalStatus>
-    <TPComponent xmlns="4873beb7-5857-4685-be1f-d57550cc96cc" xsi:nil="true"/>
-    <EditorialTags xmlns="4873beb7-5857-4685-be1f-d57550cc96cc" xsi:nil="true"/>
-    <TPExecutable xmlns="4873beb7-5857-4685-be1f-d57550cc96cc" xsi:nil="true"/>
-    <TPLaunchHelpLink xmlns="4873beb7-5857-4685-be1f-d57550cc96cc" xsi:nil="true"/>
-    <LocComments xmlns="4873beb7-5857-4685-be1f-d57550cc96cc" xsi:nil="true"/>
-    <LocRecommendedHandoff xmlns="4873beb7-5857-4685-be1f-d57550cc96cc" xsi:nil="true"/>
-    <SourceTitle xmlns="4873beb7-5857-4685-be1f-d57550cc96cc" xsi:nil="true"/>
-    <CSXUpdate xmlns="4873beb7-5857-4685-be1f-d57550cc96cc">false</CSXUpdate>
-    <IntlLocPriority xmlns="4873beb7-5857-4685-be1f-d57550cc96cc" xsi:nil="true"/>
-    <UAProjectedTotalWords xmlns="4873beb7-5857-4685-be1f-d57550cc96cc" xsi:nil="true"/>
-    <AssetType xmlns="4873beb7-5857-4685-be1f-d57550cc96cc">TP</AssetType>
-    <MachineTranslated xmlns="4873beb7-5857-4685-be1f-d57550cc96cc">false</MachineTranslated>
-    <OutputCachingOn xmlns="4873beb7-5857-4685-be1f-d57550cc96cc">false</OutputCachingOn>
-    <TemplateStatus xmlns="4873beb7-5857-4685-be1f-d57550cc96cc">Complete</TemplateStatus>
-    <IsSearchable xmlns="4873beb7-5857-4685-be1f-d57550cc96cc">true</IsSearchable>
-    <ContentItem xmlns="4873beb7-5857-4685-be1f-d57550cc96cc" xsi:nil="true"/>
-    <HandoffToMSDN xmlns="4873beb7-5857-4685-be1f-d57550cc96cc" xsi:nil="true"/>
-    <ShowIn xmlns="4873beb7-5857-4685-be1f-d57550cc96cc">Show everywhere</ShowIn>
-    <ThumbnailAssetId xmlns="4873beb7-5857-4685-be1f-d57550cc96cc" xsi:nil="true"/>
-    <UALocComments xmlns="4873beb7-5857-4685-be1f-d57550cc96cc" xsi:nil="true"/>
-    <UALocRecommendation xmlns="4873beb7-5857-4685-be1f-d57550cc96cc">Localize</UALocRecommendation>
-    <LastModifiedDateTime xmlns="4873beb7-5857-4685-be1f-d57550cc96cc" xsi:nil="true"/>
-    <LegacyData xmlns="4873beb7-5857-4685-be1f-d57550cc96cc" xsi:nil="true"/>
-    <LocManualTestRequired xmlns="4873beb7-5857-4685-be1f-d57550cc96cc">false</LocManualTestRequired>
-    <LocMarketGroupTiers2 xmlns="4873beb7-5857-4685-be1f-d57550cc96cc" xsi:nil="true"/>
-    <ClipArtFilename xmlns="4873beb7-5857-4685-be1f-d57550cc96cc" xsi:nil="true"/>
-    <TPApplication xmlns="4873beb7-5857-4685-be1f-d57550cc96cc" xsi:nil="true"/>
-    <CSXHash xmlns="4873beb7-5857-4685-be1f-d57550cc96cc" xsi:nil="true"/>
-    <DirectSourceMarket xmlns="4873beb7-5857-4685-be1f-d57550cc96cc" xsi:nil="true"/>
-    <PrimaryImageGen xmlns="4873beb7-5857-4685-be1f-d57550cc96cc">true</PrimaryImageGen>
-    <PlannedPubDate xmlns="4873beb7-5857-4685-be1f-d57550cc96cc" xsi:nil="true"/>
-    <CSXSubmissionMarket xmlns="4873beb7-5857-4685-be1f-d57550cc96cc" xsi:nil="true"/>
-    <Downloads xmlns="4873beb7-5857-4685-be1f-d57550cc96cc">0</Downloads>
-    <ArtSampleDocs xmlns="4873beb7-5857-4685-be1f-d57550cc96cc" xsi:nil="true"/>
-    <TrustLevel xmlns="4873beb7-5857-4685-be1f-d57550cc96cc">1 Microsoft Managed Content</TrustLevel>
-    <BlockPublish xmlns="4873beb7-5857-4685-be1f-d57550cc96cc">false</BlockPublish>
-    <TPLaunchHelpLinkType xmlns="4873beb7-5857-4685-be1f-d57550cc96cc">Template</TPLaunchHelpLinkType>
-    <LocalizationTagsTaxHTField0 xmlns="4873beb7-5857-4685-be1f-d57550cc96cc">
-      <Terms xmlns="http://schemas.microsoft.com/office/infopath/2007/PartnerControls"/>
-    </LocalizationTagsTaxHTField0>
-    <BusinessGroup xmlns="4873beb7-5857-4685-be1f-d57550cc96cc" xsi:nil="true"/>
-    <Providers xmlns="4873beb7-5857-4685-be1f-d57550cc96cc" xsi:nil="true"/>
-    <TemplateTemplateType xmlns="4873beb7-5857-4685-be1f-d57550cc96cc">PowerPoint Presentation Template</TemplateTemplateType>
-    <TimesCloned xmlns="4873beb7-5857-4685-be1f-d57550cc96cc" xsi:nil="true"/>
-    <TPAppVersion xmlns="4873beb7-5857-4685-be1f-d57550cc96cc" xsi:nil="true"/>
-    <VoteCount xmlns="4873beb7-5857-4685-be1f-d57550cc96cc" xsi:nil="true"/>
-    <AverageRating xmlns="4873beb7-5857-4685-be1f-d57550cc96cc" xsi:nil="true"/>
-    <FeatureTagsTaxHTField0 xmlns="4873beb7-5857-4685-be1f-d57550cc96cc">
-      <Terms xmlns="http://schemas.microsoft.com/office/infopath/2007/PartnerControls"/>
-    </FeatureTagsTaxHTField0>
-    <Provider xmlns="4873beb7-5857-4685-be1f-d57550cc96cc" xsi:nil="true"/>
-    <UACurrentWords xmlns="4873beb7-5857-4685-be1f-d57550cc96cc" xsi:nil="true"/>
-    <AssetId xmlns="4873beb7-5857-4685-be1f-d57550cc96cc">TP103431361</AssetId>
-    <TPClientViewer xmlns="4873beb7-5857-4685-be1f-d57550cc96cc" xsi:nil="true"/>
-    <DSATActionTaken xmlns="4873beb7-5857-4685-be1f-d57550cc96cc" xsi:nil="true"/>
-    <APEditor xmlns="4873beb7-5857-4685-be1f-d57550cc96cc">
-      <UserInfo>
-        <DisplayName/>
-        <AccountId xsi:nil="true"/>
-        <AccountType/>
-      </UserInfo>
-    </APEditor>
-    <TPInstallLocation xmlns="4873beb7-5857-4685-be1f-d57550cc96cc" xsi:nil="true"/>
-    <OOCacheId xmlns="4873beb7-5857-4685-be1f-d57550cc96cc" xsi:nil="true"/>
-    <IsDeleted xmlns="4873beb7-5857-4685-be1f-d57550cc96cc">false</IsDeleted>
-    <PublishTargets xmlns="4873beb7-5857-4685-be1f-d57550cc96cc">OfficeOnlineVNext</PublishTargets>
-    <ApprovalLog xmlns="4873beb7-5857-4685-be1f-d57550cc96cc" xsi:nil="true"/>
-    <BugNumber xmlns="4873beb7-5857-4685-be1f-d57550cc96cc" xsi:nil="true"/>
-    <CrawlForDependencies xmlns="4873beb7-5857-4685-be1f-d57550cc96cc">false</CrawlForDependencies>
-    <InternalTagsTaxHTField0 xmlns="4873beb7-5857-4685-be1f-d57550cc96cc">
-      <Terms xmlns="http://schemas.microsoft.com/office/infopath/2007/PartnerControls"/>
-    </InternalTagsTaxHTField0>
-    <LastHandOff xmlns="4873beb7-5857-4685-be1f-d57550cc96cc" xsi:nil="true"/>
-    <Milestone xmlns="4873beb7-5857-4685-be1f-d57550cc96cc" xsi:nil="true"/>
-    <OriginalRelease xmlns="4873beb7-5857-4685-be1f-d57550cc96cc">15</OriginalRelease>
-    <RecommendationsModifier xmlns="4873beb7-5857-4685-be1f-d57550cc96cc" xsi:nil="true"/>
-    <ScenarioTagsTaxHTField0 xmlns="4873beb7-5857-4685-be1f-d57550cc96cc">
-      <Terms xmlns="http://schemas.microsoft.com/office/infopath/2007/PartnerControls"/>
-    </ScenarioTagsTaxHTField0>
-    <UANotes xmlns="4873beb7-5857-4685-be1f-d57550cc96cc" xsi:nil="true"/>
-  </documentManagement>
-</p:properties>
-</file>
-
 <file path=customXml/itemProps1.xml><?xml version="1.0" encoding="utf-8"?>
 <ds:datastoreItem xmlns:ds="http://schemas.openxmlformats.org/officeDocument/2006/customXml" ds:itemID="{561E720F-F05D-4536-9C34-0CFCED65D3B7}">
   <ds:schemaRefs>
@@ -8503,6 +8503,22 @@
 </file>
 
 <file path=customXml/itemProps2.xml><?xml version="1.0" encoding="utf-8"?>
+<ds:datastoreItem xmlns:ds="http://schemas.openxmlformats.org/officeDocument/2006/customXml" ds:itemID="{8CDDBB83-77C1-4099-A0AA-289882E745E2}">
+  <ds:schemaRefs>
+    <ds:schemaRef ds:uri="http://schemas.openxmlformats.org/package/2006/metadata/core-properties"/>
+    <ds:schemaRef ds:uri="http://www.w3.org/XML/1998/namespace"/>
+    <ds:schemaRef ds:uri="http://purl.org/dc/dcmitype/"/>
+    <ds:schemaRef ds:uri="4873beb7-5857-4685-be1f-d57550cc96cc"/>
+    <ds:schemaRef ds:uri="http://purl.org/dc/terms/"/>
+    <ds:schemaRef ds:uri="http://purl.org/dc/elements/1.1/"/>
+    <ds:schemaRef ds:uri="http://schemas.microsoft.com/office/2006/documentManagement/types"/>
+    <ds:schemaRef ds:uri="http://schemas.microsoft.com/office/infopath/2007/PartnerControls"/>
+    <ds:schemaRef ds:uri="http://schemas.microsoft.com/office/2006/metadata/properties"/>
+  </ds:schemaRefs>
+</ds:datastoreItem>
+</file>
+
+<file path=customXml/itemProps3.xml><?xml version="1.0" encoding="utf-8"?>
 <ds:datastoreItem xmlns:ds="http://schemas.openxmlformats.org/officeDocument/2006/customXml" ds:itemID="{28C8B9CA-0273-4370-889A-FC05DA5C2FA5}">
   <ds:schemaRefs>
     <ds:schemaRef ds:uri="http://schemas.microsoft.com/office/2006/metadata/contentType"/>
@@ -8518,20 +8534,4 @@
     <ds:schemaRef ds:uri="http://schemas.microsoft.com/internal/obd"/>
   </ds:schemaRefs>
 </ds:datastoreItem>
-</file>
-
-<file path=customXml/itemProps3.xml><?xml version="1.0" encoding="utf-8"?>
-<ds:datastoreItem xmlns:ds="http://schemas.openxmlformats.org/officeDocument/2006/customXml" ds:itemID="{8CDDBB83-77C1-4099-A0AA-289882E745E2}">
-  <ds:schemaRefs>
-    <ds:schemaRef ds:uri="http://schemas.openxmlformats.org/package/2006/metadata/core-properties"/>
-    <ds:schemaRef ds:uri="http://www.w3.org/XML/1998/namespace"/>
-    <ds:schemaRef ds:uri="http://purl.org/dc/dcmitype/"/>
-    <ds:schemaRef ds:uri="4873beb7-5857-4685-be1f-d57550cc96cc"/>
-    <ds:schemaRef ds:uri="http://purl.org/dc/terms/"/>
-    <ds:schemaRef ds:uri="http://purl.org/dc/elements/1.1/"/>
-    <ds:schemaRef ds:uri="http://schemas.microsoft.com/office/2006/documentManagement/types"/>
-    <ds:schemaRef ds:uri="http://schemas.microsoft.com/office/infopath/2007/PartnerControls"/>
-    <ds:schemaRef ds:uri="http://schemas.microsoft.com/office/2006/metadata/properties"/>
-  </ds:schemaRefs>
-</ds:datastoreItem>
 </file>
--- a/reports/Fiber_Group_Presenetation.pptx
+++ b/reports/Fiber_Group_Presenetation.pptx
@@ -16,12 +16,12 @@
     <p:sldId id="270" r:id="rId7"/>
     <p:sldId id="271" r:id="rId8"/>
     <p:sldId id="273" r:id="rId9"/>
-    <p:sldId id="275" r:id="rId10"/>
-    <p:sldId id="277" r:id="rId11"/>
-    <p:sldId id="258" r:id="rId12"/>
-    <p:sldId id="274" r:id="rId13"/>
-    <p:sldId id="260" r:id="rId14"/>
-    <p:sldId id="278" r:id="rId15"/>
+    <p:sldId id="278" r:id="rId10"/>
+    <p:sldId id="260" r:id="rId11"/>
+    <p:sldId id="275" r:id="rId12"/>
+    <p:sldId id="277" r:id="rId13"/>
+    <p:sldId id="274" r:id="rId14"/>
+    <p:sldId id="258" r:id="rId15"/>
     <p:sldId id="272" r:id="rId16"/>
     <p:sldId id="265" r:id="rId17"/>
   </p:sldIdLst>
@@ -5145,37 +5145,39 @@
           <a:bodyPr/>
           <a:lstStyle/>
           <a:p>
+            <a:pPr algn="ctr"/>
             <a:r>
               <a:rPr lang="en-US" dirty="0"/>
-              <a:t>Plot of Cities with 3 Years Median Wage</a:t>
+              <a:t>Average cost of Broadband by City </a:t>
             </a:r>
           </a:p>
         </p:txBody>
       </p:sp>
       <p:pic>
         <p:nvPicPr>
-          <p:cNvPr id="3" name="Picture 2">
+          <p:cNvPr id="9" name="Content Placeholder 8">
             <a:extLst>
               <a:ext uri="{FF2B5EF4-FFF2-40B4-BE49-F238E27FC236}">
-                <a16:creationId xmlns:a16="http://schemas.microsoft.com/office/drawing/2014/main" id="{2261B5F9-377C-4882-A652-A8CCEA6ED5E9}"/>
+                <a16:creationId xmlns:a16="http://schemas.microsoft.com/office/drawing/2014/main" id="{6738D900-D7D8-4D7A-BA76-B9EF9194E7BC}"/>
               </a:ext>
             </a:extLst>
           </p:cNvPr>
           <p:cNvPicPr>
-            <a:picLocks noChangeAspect="1"/>
+            <a:picLocks noGrp="1" noChangeAspect="1"/>
           </p:cNvPicPr>
-          <p:nvPr/>
+          <p:nvPr>
+            <p:ph idx="1"/>
+          </p:nvPr>
         </p:nvPicPr>
-        <p:blipFill>
+        <p:blipFill rotWithShape="1">
           <a:blip r:embed="rId2"/>
-          <a:stretch>
-            <a:fillRect/>
-          </a:stretch>
+          <a:srcRect t="3531" r="1145"/>
+          <a:stretch/>
         </p:blipFill>
         <p:spPr>
           <a:xfrm>
-            <a:off x="1617022" y="1876294"/>
-            <a:ext cx="8639175" cy="4162425"/>
+            <a:off x="1104900" y="2623127"/>
+            <a:ext cx="9867900" cy="2622119"/>
           </a:xfrm>
           <a:prstGeom prst="rect">
             <a:avLst/>
@@ -5185,7 +5187,7 @@
     </p:spTree>
     <p:extLst>
       <p:ext uri="{BB962C8B-B14F-4D97-AF65-F5344CB8AC3E}">
-        <p14:creationId xmlns:p14="http://schemas.microsoft.com/office/powerpoint/2010/main" val="4224509479"/>
+        <p14:creationId xmlns:p14="http://schemas.microsoft.com/office/powerpoint/2010/main" val="3553096726"/>
       </p:ext>
     </p:extLst>
   </p:cSld>
@@ -5226,47 +5228,41 @@
       </p:grpSpPr>
       <p:sp>
         <p:nvSpPr>
-          <p:cNvPr id="2" name="Title 1">
+          <p:cNvPr id="2" name="Title 1"/>
+          <p:cNvSpPr>
+            <a:spLocks noGrp="1"/>
+          </p:cNvSpPr>
+          <p:nvPr>
+            <p:ph type="title"/>
+          </p:nvPr>
+        </p:nvSpPr>
+        <p:spPr/>
+        <p:txBody>
+          <a:bodyPr>
+            <a:normAutofit/>
+          </a:bodyPr>
+          <a:lstStyle/>
+          <a:p>
+            <a:r>
+              <a:rPr lang="en-US" sz="2400" dirty="0"/>
+              <a:t>Cost per Mbps by City (plotted by the size of internet tier speed)</a:t>
+            </a:r>
+          </a:p>
+        </p:txBody>
+      </p:sp>
+      <p:pic>
+        <p:nvPicPr>
+          <p:cNvPr id="5" name="Picture 4">
             <a:extLst>
               <a:ext uri="{FF2B5EF4-FFF2-40B4-BE49-F238E27FC236}">
-                <a16:creationId xmlns:a16="http://schemas.microsoft.com/office/drawing/2014/main" id="{D8187CD3-9DB8-4A0B-B347-C9092068BF33}"/>
-              </a:ext>
-            </a:extLst>
-          </p:cNvPr>
-          <p:cNvSpPr>
-            <a:spLocks noGrp="1"/>
-          </p:cNvSpPr>
-          <p:nvPr>
-            <p:ph type="title"/>
-          </p:nvPr>
-        </p:nvSpPr>
-        <p:spPr/>
-        <p:txBody>
-          <a:bodyPr/>
-          <a:lstStyle/>
-          <a:p>
-            <a:r>
-              <a:rPr lang="en-US" dirty="0"/>
-              <a:t>Cellular and Fixed Broadband Infrastructure</a:t>
-            </a:r>
-          </a:p>
-        </p:txBody>
-      </p:sp>
-      <p:pic>
-        <p:nvPicPr>
-          <p:cNvPr id="4" name="Content Placeholder 3">
-            <a:extLst>
-              <a:ext uri="{FF2B5EF4-FFF2-40B4-BE49-F238E27FC236}">
-                <a16:creationId xmlns:a16="http://schemas.microsoft.com/office/drawing/2014/main" id="{4E677CA2-FE6A-4A47-A496-7803069095BB}"/>
+                <a16:creationId xmlns:a16="http://schemas.microsoft.com/office/drawing/2014/main" id="{812C0BE7-8FAC-4838-A401-A7E4FD71C1A3}"/>
               </a:ext>
             </a:extLst>
           </p:cNvPr>
           <p:cNvPicPr>
-            <a:picLocks noGrp="1" noChangeAspect="1"/>
+            <a:picLocks noChangeAspect="1"/>
           </p:cNvPicPr>
-          <p:nvPr>
-            <p:ph idx="1"/>
-          </p:nvPr>
+          <p:nvPr/>
         </p:nvPicPr>
         <p:blipFill>
           <a:blip r:embed="rId2"/>
@@ -5276,8 +5272,8 @@
         </p:blipFill>
         <p:spPr>
           <a:xfrm>
-            <a:off x="2079074" y="1541477"/>
-            <a:ext cx="7111062" cy="4572000"/>
+            <a:off x="1871169" y="1399729"/>
+            <a:ext cx="7605340" cy="4863501"/>
           </a:xfrm>
           <a:prstGeom prst="rect">
             <a:avLst/>
@@ -5287,7 +5283,7 @@
     </p:spTree>
     <p:extLst>
       <p:ext uri="{BB962C8B-B14F-4D97-AF65-F5344CB8AC3E}">
-        <p14:creationId xmlns:p14="http://schemas.microsoft.com/office/powerpoint/2010/main" val="1881910317"/>
+        <p14:creationId xmlns:p14="http://schemas.microsoft.com/office/powerpoint/2010/main" val="4010278615"/>
       </p:ext>
     </p:extLst>
   </p:cSld>
@@ -5437,47 +5433,6 @@
           </a:p>
         </p:txBody>
       </p:sp>
-      <p:sp>
-        <p:nvSpPr>
-          <p:cNvPr id="4" name="Text Placeholder 3"/>
-          <p:cNvSpPr>
-            <a:spLocks noGrp="1"/>
-          </p:cNvSpPr>
-          <p:nvPr>
-            <p:ph type="body" sz="half" idx="2"/>
-          </p:nvPr>
-        </p:nvSpPr>
-        <p:spPr/>
-        <p:txBody>
-          <a:bodyPr/>
-          <a:lstStyle/>
-          <a:p>
-            <a:endParaRPr lang="en-US" dirty="0"/>
-          </a:p>
-        </p:txBody>
-      </p:sp>
-      <p:sp>
-        <p:nvSpPr>
-          <p:cNvPr id="3" name="Content Placeholder 2"/>
-          <p:cNvSpPr>
-            <a:spLocks noGrp="1"/>
-          </p:cNvSpPr>
-          <p:nvPr>
-            <p:ph idx="1"/>
-          </p:nvPr>
-        </p:nvSpPr>
-        <p:spPr/>
-        <p:txBody>
-          <a:bodyPr/>
-          <a:lstStyle/>
-          <a:p>
-            <a:r>
-              <a:rPr lang="en-US" dirty="0"/>
-              <a:t>Have to talk about Ammond, ID. Read first 10 pages of the report, it explains why they chose that city, why its cheap there (municipal infrastructure (ie public), and 20 states have outlawed similar solutions</a:t>
-            </a:r>
-          </a:p>
-        </p:txBody>
-      </p:sp>
     </p:spTree>
     <p:extLst>
       <p:ext uri="{BB962C8B-B14F-4D97-AF65-F5344CB8AC3E}">
@@ -5560,13 +5515,13 @@
         <p:spPr/>
         <p:txBody>
           <a:bodyPr>
-            <a:normAutofit lnSpcReduction="10000"/>
+            <a:normAutofit/>
           </a:bodyPr>
           <a:lstStyle/>
           <a:p>
             <a:r>
               <a:rPr lang="en-US" sz="1400" b="1" dirty="0"/>
-              <a:t>Introduction – Colin Neagle</a:t>
+              <a:t>Introduction – Colin </a:t>
             </a:r>
           </a:p>
           <a:p>
@@ -5599,34 +5554,7 @@
           <a:p>
             <a:r>
               <a:rPr lang="en-US" sz="1400" b="1" dirty="0"/>
-              <a:t>The Cost of Broadband – Michael Foster</a:t>
-            </a:r>
-          </a:p>
-          <a:p>
-            <a:pPr lvl="1"/>
-            <a:r>
-              <a:rPr lang="en-US" sz="1400" dirty="0"/>
-              <a:t>Sample cities selected</a:t>
-            </a:r>
-          </a:p>
-          <a:p>
-            <a:pPr lvl="1"/>
-            <a:r>
-              <a:rPr lang="en-US" sz="1400" dirty="0"/>
-              <a:t>Cost as a function of median income – a growing class inequity</a:t>
-            </a:r>
-          </a:p>
-          <a:p>
-            <a:pPr lvl="1"/>
-            <a:r>
-              <a:rPr lang="en-US" sz="1400" dirty="0"/>
-              <a:t>$/MB by city</a:t>
-            </a:r>
-          </a:p>
-          <a:p>
-            <a:r>
-              <a:rPr lang="en-US" sz="1400" b="1" dirty="0"/>
-              <a:t>The Current Broadband and Cellular Infrastructure – Victor Molina</a:t>
+              <a:t>Examining the cities connectivity in our study – Victor </a:t>
             </a:r>
           </a:p>
           <a:p>
@@ -5640,8 +5568,14 @@
             <a:pPr lvl="1"/>
             <a:r>
               <a:rPr lang="en-US" sz="1400" dirty="0"/>
-              <a:t>The growing inequity between rural and urban infrastructure</a:t>
-            </a:r>
+              <a:t>Cost and download differences</a:t>
+            </a:r>
+          </a:p>
+          <a:p>
+            <a:pPr marL="457200" lvl="1" indent="0">
+              <a:buNone/>
+            </a:pPr>
+            <a:endParaRPr lang="en-US" sz="1400" dirty="0"/>
           </a:p>
           <a:p>
             <a:r>
@@ -5652,6 +5586,9 @@
               <a:rPr lang="en-US" sz="1400" dirty="0"/>
               <a:t>FCC Complaint Data</a:t>
             </a:r>
+          </a:p>
+          <a:p>
+            <a:endParaRPr lang="en-US" sz="1400" dirty="0"/>
           </a:p>
           <a:p>
             <a:r>
@@ -6197,6 +6134,202 @@
           <p:cNvPr id="2" name="Title 1">
             <a:extLst>
               <a:ext uri="{FF2B5EF4-FFF2-40B4-BE49-F238E27FC236}">
+                <a16:creationId xmlns:a16="http://schemas.microsoft.com/office/drawing/2014/main" id="{D8187CD3-9DB8-4A0B-B347-C9092068BF33}"/>
+              </a:ext>
+            </a:extLst>
+          </p:cNvPr>
+          <p:cNvSpPr>
+            <a:spLocks noGrp="1"/>
+          </p:cNvSpPr>
+          <p:nvPr>
+            <p:ph type="title"/>
+          </p:nvPr>
+        </p:nvSpPr>
+        <p:spPr/>
+        <p:txBody>
+          <a:bodyPr/>
+          <a:lstStyle/>
+          <a:p>
+            <a:r>
+              <a:rPr lang="en-US" dirty="0"/>
+              <a:t>Cellular and Fixed Broadband Infrastructure</a:t>
+            </a:r>
+          </a:p>
+        </p:txBody>
+      </p:sp>
+      <p:pic>
+        <p:nvPicPr>
+          <p:cNvPr id="4" name="Content Placeholder 3">
+            <a:extLst>
+              <a:ext uri="{FF2B5EF4-FFF2-40B4-BE49-F238E27FC236}">
+                <a16:creationId xmlns:a16="http://schemas.microsoft.com/office/drawing/2014/main" id="{4E677CA2-FE6A-4A47-A496-7803069095BB}"/>
+              </a:ext>
+            </a:extLst>
+          </p:cNvPr>
+          <p:cNvPicPr>
+            <a:picLocks noGrp="1" noChangeAspect="1"/>
+          </p:cNvPicPr>
+          <p:nvPr>
+            <p:ph idx="1"/>
+          </p:nvPr>
+        </p:nvPicPr>
+        <p:blipFill>
+          <a:blip r:embed="rId2"/>
+          <a:stretch>
+            <a:fillRect/>
+          </a:stretch>
+        </p:blipFill>
+        <p:spPr>
+          <a:xfrm>
+            <a:off x="2079074" y="1541477"/>
+            <a:ext cx="7111062" cy="4572000"/>
+          </a:xfrm>
+          <a:prstGeom prst="rect">
+            <a:avLst/>
+          </a:prstGeom>
+        </p:spPr>
+      </p:pic>
+    </p:spTree>
+    <p:extLst>
+      <p:ext uri="{BB962C8B-B14F-4D97-AF65-F5344CB8AC3E}">
+        <p14:creationId xmlns:p14="http://schemas.microsoft.com/office/powerpoint/2010/main" val="1881910317"/>
+      </p:ext>
+    </p:extLst>
+  </p:cSld>
+  <p:clrMapOvr>
+    <a:masterClrMapping/>
+  </p:clrMapOvr>
+  <mc:AlternateContent xmlns:mc="http://schemas.openxmlformats.org/markup-compatibility/2006" xmlns:p14="http://schemas.microsoft.com/office/powerpoint/2010/main">
+    <mc:Choice Requires="p14">
+      <p:transition spd="med" p14:dur="700">
+        <p:fade/>
+      </p:transition>
+    </mc:Choice>
+    <mc:Fallback xmlns="">
+      <p:transition spd="med">
+        <p:fade/>
+      </p:transition>
+    </mc:Fallback>
+  </mc:AlternateContent>
+</p:sld>
+</file>
+
+<file path=ppt/slides/slide7.xml><?xml version="1.0" encoding="utf-8"?>
+<p:sld xmlns:a="http://schemas.openxmlformats.org/drawingml/2006/main" xmlns:r="http://schemas.openxmlformats.org/officeDocument/2006/relationships" xmlns:p="http://schemas.openxmlformats.org/presentationml/2006/main">
+  <p:cSld>
+    <p:spTree>
+      <p:nvGrpSpPr>
+        <p:cNvPr id="1" name=""/>
+        <p:cNvGrpSpPr/>
+        <p:nvPr/>
+      </p:nvGrpSpPr>
+      <p:grpSpPr>
+        <a:xfrm>
+          <a:off x="0" y="0"/>
+          <a:ext cx="0" cy="0"/>
+          <a:chOff x="0" y="0"/>
+          <a:chExt cx="0" cy="0"/>
+        </a:xfrm>
+      </p:grpSpPr>
+      <p:sp>
+        <p:nvSpPr>
+          <p:cNvPr id="2" name="Title 1"/>
+          <p:cNvSpPr>
+            <a:spLocks noGrp="1"/>
+          </p:cNvSpPr>
+          <p:nvPr>
+            <p:ph type="title"/>
+          </p:nvPr>
+        </p:nvSpPr>
+        <p:spPr/>
+        <p:txBody>
+          <a:bodyPr/>
+          <a:lstStyle/>
+          <a:p>
+            <a:r>
+              <a:rPr lang="en-US" dirty="0"/>
+              <a:t>Plot of Cities with 3 Years Median Wage</a:t>
+            </a:r>
+          </a:p>
+        </p:txBody>
+      </p:sp>
+      <p:pic>
+        <p:nvPicPr>
+          <p:cNvPr id="3" name="Picture 2">
+            <a:extLst>
+              <a:ext uri="{FF2B5EF4-FFF2-40B4-BE49-F238E27FC236}">
+                <a16:creationId xmlns:a16="http://schemas.microsoft.com/office/drawing/2014/main" id="{2261B5F9-377C-4882-A652-A8CCEA6ED5E9}"/>
+              </a:ext>
+            </a:extLst>
+          </p:cNvPr>
+          <p:cNvPicPr>
+            <a:picLocks noChangeAspect="1"/>
+          </p:cNvPicPr>
+          <p:nvPr/>
+        </p:nvPicPr>
+        <p:blipFill>
+          <a:blip r:embed="rId2"/>
+          <a:stretch>
+            <a:fillRect/>
+          </a:stretch>
+        </p:blipFill>
+        <p:spPr>
+          <a:xfrm>
+            <a:off x="1617022" y="1876294"/>
+            <a:ext cx="8639175" cy="4162425"/>
+          </a:xfrm>
+          <a:prstGeom prst="rect">
+            <a:avLst/>
+          </a:prstGeom>
+        </p:spPr>
+      </p:pic>
+    </p:spTree>
+    <p:extLst>
+      <p:ext uri="{BB962C8B-B14F-4D97-AF65-F5344CB8AC3E}">
+        <p14:creationId xmlns:p14="http://schemas.microsoft.com/office/powerpoint/2010/main" val="4224509479"/>
+      </p:ext>
+    </p:extLst>
+  </p:cSld>
+  <p:clrMapOvr>
+    <a:masterClrMapping/>
+  </p:clrMapOvr>
+  <mc:AlternateContent xmlns:mc="http://schemas.openxmlformats.org/markup-compatibility/2006" xmlns:p14="http://schemas.microsoft.com/office/powerpoint/2010/main">
+    <mc:Choice Requires="p14">
+      <p:transition spd="med" p14:dur="700">
+        <p:fade/>
+      </p:transition>
+    </mc:Choice>
+    <mc:Fallback xmlns="">
+      <p:transition spd="med">
+        <p:fade/>
+      </p:transition>
+    </mc:Fallback>
+  </mc:AlternateContent>
+</p:sld>
+</file>
+
+<file path=ppt/slides/slide8.xml><?xml version="1.0" encoding="utf-8"?>
+<p:sld xmlns:a="http://schemas.openxmlformats.org/drawingml/2006/main" xmlns:r="http://schemas.openxmlformats.org/officeDocument/2006/relationships" xmlns:p="http://schemas.openxmlformats.org/presentationml/2006/main">
+  <p:cSld>
+    <p:spTree>
+      <p:nvGrpSpPr>
+        <p:cNvPr id="1" name=""/>
+        <p:cNvGrpSpPr/>
+        <p:nvPr/>
+      </p:nvGrpSpPr>
+      <p:grpSpPr>
+        <a:xfrm>
+          <a:off x="0" y="0"/>
+          <a:ext cx="0" cy="0"/>
+          <a:chOff x="0" y="0"/>
+          <a:chExt cx="0" cy="0"/>
+        </a:xfrm>
+      </p:grpSpPr>
+      <p:sp>
+        <p:nvSpPr>
+          <p:cNvPr id="2" name="Title 1">
+            <a:extLst>
+              <a:ext uri="{FF2B5EF4-FFF2-40B4-BE49-F238E27FC236}">
                 <a16:creationId xmlns:a16="http://schemas.microsoft.com/office/drawing/2014/main" id="{03008605-DDA6-4C0D-B5A0-FC6577C3C196}"/>
               </a:ext>
             </a:extLst>
@@ -6277,7 +6410,7 @@
 </p:sld>
 </file>
 
-<file path=ppt/slides/slide7.xml><?xml version="1.0" encoding="utf-8"?>
+<file path=ppt/slides/slide9.xml><?xml version="1.0" encoding="utf-8"?>
 <p:sld xmlns:a="http://schemas.openxmlformats.org/drawingml/2006/main" xmlns:r="http://schemas.openxmlformats.org/officeDocument/2006/relationships" xmlns:p="http://schemas.openxmlformats.org/presentationml/2006/main">
   <p:cSld>
     <p:spTree>
@@ -6359,198 +6492,6 @@
     <p:extLst>
       <p:ext uri="{BB962C8B-B14F-4D97-AF65-F5344CB8AC3E}">
         <p14:creationId xmlns:p14="http://schemas.microsoft.com/office/powerpoint/2010/main" val="1436573505"/>
-      </p:ext>
-    </p:extLst>
-  </p:cSld>
-  <p:clrMapOvr>
-    <a:masterClrMapping/>
-  </p:clrMapOvr>
-  <mc:AlternateContent xmlns:mc="http://schemas.openxmlformats.org/markup-compatibility/2006" xmlns:p14="http://schemas.microsoft.com/office/powerpoint/2010/main">
-    <mc:Choice Requires="p14">
-      <p:transition spd="med" p14:dur="700">
-        <p:fade/>
-      </p:transition>
-    </mc:Choice>
-    <mc:Fallback xmlns="">
-      <p:transition spd="med">
-        <p:fade/>
-      </p:transition>
-    </mc:Fallback>
-  </mc:AlternateContent>
-</p:sld>
-</file>
-
-<file path=ppt/slides/slide8.xml><?xml version="1.0" encoding="utf-8"?>
-<p:sld xmlns:a="http://schemas.openxmlformats.org/drawingml/2006/main" xmlns:r="http://schemas.openxmlformats.org/officeDocument/2006/relationships" xmlns:p="http://schemas.openxmlformats.org/presentationml/2006/main">
-  <p:cSld>
-    <p:spTree>
-      <p:nvGrpSpPr>
-        <p:cNvPr id="1" name=""/>
-        <p:cNvGrpSpPr/>
-        <p:nvPr/>
-      </p:nvGrpSpPr>
-      <p:grpSpPr>
-        <a:xfrm>
-          <a:off x="0" y="0"/>
-          <a:ext cx="0" cy="0"/>
-          <a:chOff x="0" y="0"/>
-          <a:chExt cx="0" cy="0"/>
-        </a:xfrm>
-      </p:grpSpPr>
-      <p:sp>
-        <p:nvSpPr>
-          <p:cNvPr id="2" name="Title 1"/>
-          <p:cNvSpPr>
-            <a:spLocks noGrp="1"/>
-          </p:cNvSpPr>
-          <p:nvPr>
-            <p:ph type="title"/>
-          </p:nvPr>
-        </p:nvSpPr>
-        <p:spPr/>
-        <p:txBody>
-          <a:bodyPr>
-            <a:normAutofit/>
-          </a:bodyPr>
-          <a:lstStyle/>
-          <a:p>
-            <a:r>
-              <a:rPr lang="en-US" sz="2400" dirty="0"/>
-              <a:t>Cost per Mbps by City (plotted by the size of internet speed series)</a:t>
-            </a:r>
-          </a:p>
-        </p:txBody>
-      </p:sp>
-      <p:pic>
-        <p:nvPicPr>
-          <p:cNvPr id="5" name="Picture 4">
-            <a:extLst>
-              <a:ext uri="{FF2B5EF4-FFF2-40B4-BE49-F238E27FC236}">
-                <a16:creationId xmlns:a16="http://schemas.microsoft.com/office/drawing/2014/main" id="{812C0BE7-8FAC-4838-A401-A7E4FD71C1A3}"/>
-              </a:ext>
-            </a:extLst>
-          </p:cNvPr>
-          <p:cNvPicPr>
-            <a:picLocks noChangeAspect="1"/>
-          </p:cNvPicPr>
-          <p:nvPr/>
-        </p:nvPicPr>
-        <p:blipFill>
-          <a:blip r:embed="rId2"/>
-          <a:stretch>
-            <a:fillRect/>
-          </a:stretch>
-        </p:blipFill>
-        <p:spPr>
-          <a:xfrm>
-            <a:off x="1871169" y="1399729"/>
-            <a:ext cx="7605340" cy="4863501"/>
-          </a:xfrm>
-          <a:prstGeom prst="rect">
-            <a:avLst/>
-          </a:prstGeom>
-        </p:spPr>
-      </p:pic>
-    </p:spTree>
-    <p:extLst>
-      <p:ext uri="{BB962C8B-B14F-4D97-AF65-F5344CB8AC3E}">
-        <p14:creationId xmlns:p14="http://schemas.microsoft.com/office/powerpoint/2010/main" val="4010278615"/>
-      </p:ext>
-    </p:extLst>
-  </p:cSld>
-  <p:clrMapOvr>
-    <a:masterClrMapping/>
-  </p:clrMapOvr>
-  <mc:AlternateContent xmlns:mc="http://schemas.openxmlformats.org/markup-compatibility/2006" xmlns:p14="http://schemas.microsoft.com/office/powerpoint/2010/main">
-    <mc:Choice Requires="p14">
-      <p:transition spd="med" p14:dur="700">
-        <p:fade/>
-      </p:transition>
-    </mc:Choice>
-    <mc:Fallback xmlns="">
-      <p:transition spd="med">
-        <p:fade/>
-      </p:transition>
-    </mc:Fallback>
-  </mc:AlternateContent>
-</p:sld>
-</file>
-
-<file path=ppt/slides/slide9.xml><?xml version="1.0" encoding="utf-8"?>
-<p:sld xmlns:a="http://schemas.openxmlformats.org/drawingml/2006/main" xmlns:r="http://schemas.openxmlformats.org/officeDocument/2006/relationships" xmlns:p="http://schemas.openxmlformats.org/presentationml/2006/main">
-  <p:cSld>
-    <p:spTree>
-      <p:nvGrpSpPr>
-        <p:cNvPr id="1" name=""/>
-        <p:cNvGrpSpPr/>
-        <p:nvPr/>
-      </p:nvGrpSpPr>
-      <p:grpSpPr>
-        <a:xfrm>
-          <a:off x="0" y="0"/>
-          <a:ext cx="0" cy="0"/>
-          <a:chOff x="0" y="0"/>
-          <a:chExt cx="0" cy="0"/>
-        </a:xfrm>
-      </p:grpSpPr>
-      <p:sp>
-        <p:nvSpPr>
-          <p:cNvPr id="2" name="Title 1"/>
-          <p:cNvSpPr>
-            <a:spLocks noGrp="1"/>
-          </p:cNvSpPr>
-          <p:nvPr>
-            <p:ph type="title"/>
-          </p:nvPr>
-        </p:nvSpPr>
-        <p:spPr/>
-        <p:txBody>
-          <a:bodyPr/>
-          <a:lstStyle/>
-          <a:p>
-            <a:pPr algn="ctr"/>
-            <a:r>
-              <a:rPr lang="en-US" dirty="0"/>
-              <a:t>Average cost of Broadband by City </a:t>
-            </a:r>
-          </a:p>
-        </p:txBody>
-      </p:sp>
-      <p:pic>
-        <p:nvPicPr>
-          <p:cNvPr id="9" name="Content Placeholder 8">
-            <a:extLst>
-              <a:ext uri="{FF2B5EF4-FFF2-40B4-BE49-F238E27FC236}">
-                <a16:creationId xmlns:a16="http://schemas.microsoft.com/office/drawing/2014/main" id="{6738D900-D7D8-4D7A-BA76-B9EF9194E7BC}"/>
-              </a:ext>
-            </a:extLst>
-          </p:cNvPr>
-          <p:cNvPicPr>
-            <a:picLocks noGrp="1" noChangeAspect="1"/>
-          </p:cNvPicPr>
-          <p:nvPr>
-            <p:ph idx="1"/>
-          </p:nvPr>
-        </p:nvPicPr>
-        <p:blipFill rotWithShape="1">
-          <a:blip r:embed="rId2"/>
-          <a:srcRect t="3531" r="1145"/>
-          <a:stretch/>
-        </p:blipFill>
-        <p:spPr>
-          <a:xfrm>
-            <a:off x="1104900" y="2623127"/>
-            <a:ext cx="9867900" cy="2622119"/>
-          </a:xfrm>
-          <a:prstGeom prst="rect">
-            <a:avLst/>
-          </a:prstGeom>
-        </p:spPr>
-      </p:pic>
-    </p:spTree>
-    <p:extLst>
-      <p:ext uri="{BB962C8B-B14F-4D97-AF65-F5344CB8AC3E}">
-        <p14:creationId xmlns:p14="http://schemas.microsoft.com/office/powerpoint/2010/main" val="3553096726"/>
       </p:ext>
     </p:extLst>
   </p:cSld>
@@ -7320,141 +7261,6 @@
 </file>
 
 <file path=customXml/item1.xml><?xml version="1.0" encoding="utf-8"?>
-<?mso-contentType ?>
-<FormTemplates xmlns="http://schemas.microsoft.com/sharepoint/v3/contenttype/forms">
-  <Display>DocumentLibraryForm</Display>
-  <Edit>AssetEditForm</Edit>
-  <New>DocumentLibraryForm</New>
-</FormTemplates>
-</file>
-
-<file path=customXml/item2.xml><?xml version="1.0" encoding="utf-8"?>
-<p:properties xmlns:p="http://schemas.microsoft.com/office/2006/metadata/properties" xmlns:xsi="http://www.w3.org/2001/XMLSchema-instance" xmlns:pc="http://schemas.microsoft.com/office/infopath/2007/PartnerControls">
-  <documentManagement>
-    <APDescription xmlns="4873beb7-5857-4685-be1f-d57550cc96cc" xsi:nil="true"/>
-    <AssetExpire xmlns="4873beb7-5857-4685-be1f-d57550cc96cc">2029-01-01T08:00:00+00:00</AssetExpire>
-    <CampaignTagsTaxHTField0 xmlns="4873beb7-5857-4685-be1f-d57550cc96cc">
-      <Terms xmlns="http://schemas.microsoft.com/office/infopath/2007/PartnerControls"/>
-    </CampaignTagsTaxHTField0>
-    <IntlLangReviewDate xmlns="4873beb7-5857-4685-be1f-d57550cc96cc" xsi:nil="true"/>
-    <TPFriendlyName xmlns="4873beb7-5857-4685-be1f-d57550cc96cc" xsi:nil="true"/>
-    <IntlLangReview xmlns="4873beb7-5857-4685-be1f-d57550cc96cc">false</IntlLangReview>
-    <LocLastLocAttemptVersionLookup xmlns="4873beb7-5857-4685-be1f-d57550cc96cc">855024</LocLastLocAttemptVersionLookup>
-    <PolicheckWords xmlns="4873beb7-5857-4685-be1f-d57550cc96cc" xsi:nil="true"/>
-    <SubmitterId xmlns="4873beb7-5857-4685-be1f-d57550cc96cc" xsi:nil="true"/>
-    <AcquiredFrom xmlns="4873beb7-5857-4685-be1f-d57550cc96cc">Internal MS</AcquiredFrom>
-    <EditorialStatus xmlns="4873beb7-5857-4685-be1f-d57550cc96cc">Complete</EditorialStatus>
-    <Markets xmlns="4873beb7-5857-4685-be1f-d57550cc96cc"/>
-    <OriginAsset xmlns="4873beb7-5857-4685-be1f-d57550cc96cc" xsi:nil="true"/>
-    <AssetStart xmlns="4873beb7-5857-4685-be1f-d57550cc96cc">2012-08-31T08:50:00+00:00</AssetStart>
-    <FriendlyTitle xmlns="4873beb7-5857-4685-be1f-d57550cc96cc" xsi:nil="true"/>
-    <MarketSpecific xmlns="4873beb7-5857-4685-be1f-d57550cc96cc">false</MarketSpecific>
-    <TPNamespace xmlns="4873beb7-5857-4685-be1f-d57550cc96cc" xsi:nil="true"/>
-    <PublishStatusLookup xmlns="4873beb7-5857-4685-be1f-d57550cc96cc">
-      <Value>1616423</Value>
-    </PublishStatusLookup>
-    <APAuthor xmlns="4873beb7-5857-4685-be1f-d57550cc96cc">
-      <UserInfo>
-        <DisplayName>REDMOND\kristaa</DisplayName>
-        <AccountId>136</AccountId>
-        <AccountType/>
-      </UserInfo>
-    </APAuthor>
-    <TPCommandLine xmlns="4873beb7-5857-4685-be1f-d57550cc96cc" xsi:nil="true"/>
-    <IntlLangReviewer xmlns="4873beb7-5857-4685-be1f-d57550cc96cc" xsi:nil="true"/>
-    <OpenTemplate xmlns="4873beb7-5857-4685-be1f-d57550cc96cc">true</OpenTemplate>
-    <CSXSubmissionDate xmlns="4873beb7-5857-4685-be1f-d57550cc96cc" xsi:nil="true"/>
-    <TaxCatchAll xmlns="4873beb7-5857-4685-be1f-d57550cc96cc"/>
-    <Manager xmlns="4873beb7-5857-4685-be1f-d57550cc96cc" xsi:nil="true"/>
-    <NumericId xmlns="4873beb7-5857-4685-be1f-d57550cc96cc" xsi:nil="true"/>
-    <ParentAssetId xmlns="4873beb7-5857-4685-be1f-d57550cc96cc" xsi:nil="true"/>
-    <OriginalSourceMarket xmlns="4873beb7-5857-4685-be1f-d57550cc96cc" xsi:nil="true"/>
-    <ApprovalStatus xmlns="4873beb7-5857-4685-be1f-d57550cc96cc">InProgress</ApprovalStatus>
-    <TPComponent xmlns="4873beb7-5857-4685-be1f-d57550cc96cc" xsi:nil="true"/>
-    <EditorialTags xmlns="4873beb7-5857-4685-be1f-d57550cc96cc" xsi:nil="true"/>
-    <TPExecutable xmlns="4873beb7-5857-4685-be1f-d57550cc96cc" xsi:nil="true"/>
-    <TPLaunchHelpLink xmlns="4873beb7-5857-4685-be1f-d57550cc96cc" xsi:nil="true"/>
-    <LocComments xmlns="4873beb7-5857-4685-be1f-d57550cc96cc" xsi:nil="true"/>
-    <LocRecommendedHandoff xmlns="4873beb7-5857-4685-be1f-d57550cc96cc" xsi:nil="true"/>
-    <SourceTitle xmlns="4873beb7-5857-4685-be1f-d57550cc96cc" xsi:nil="true"/>
-    <CSXUpdate xmlns="4873beb7-5857-4685-be1f-d57550cc96cc">false</CSXUpdate>
-    <IntlLocPriority xmlns="4873beb7-5857-4685-be1f-d57550cc96cc" xsi:nil="true"/>
-    <UAProjectedTotalWords xmlns="4873beb7-5857-4685-be1f-d57550cc96cc" xsi:nil="true"/>
-    <AssetType xmlns="4873beb7-5857-4685-be1f-d57550cc96cc">TP</AssetType>
-    <MachineTranslated xmlns="4873beb7-5857-4685-be1f-d57550cc96cc">false</MachineTranslated>
-    <OutputCachingOn xmlns="4873beb7-5857-4685-be1f-d57550cc96cc">false</OutputCachingOn>
-    <TemplateStatus xmlns="4873beb7-5857-4685-be1f-d57550cc96cc">Complete</TemplateStatus>
-    <IsSearchable xmlns="4873beb7-5857-4685-be1f-d57550cc96cc">true</IsSearchable>
-    <ContentItem xmlns="4873beb7-5857-4685-be1f-d57550cc96cc" xsi:nil="true"/>
-    <HandoffToMSDN xmlns="4873beb7-5857-4685-be1f-d57550cc96cc" xsi:nil="true"/>
-    <ShowIn xmlns="4873beb7-5857-4685-be1f-d57550cc96cc">Show everywhere</ShowIn>
-    <ThumbnailAssetId xmlns="4873beb7-5857-4685-be1f-d57550cc96cc" xsi:nil="true"/>
-    <UALocComments xmlns="4873beb7-5857-4685-be1f-d57550cc96cc" xsi:nil="true"/>
-    <UALocRecommendation xmlns="4873beb7-5857-4685-be1f-d57550cc96cc">Localize</UALocRecommendation>
-    <LastModifiedDateTime xmlns="4873beb7-5857-4685-be1f-d57550cc96cc" xsi:nil="true"/>
-    <LegacyData xmlns="4873beb7-5857-4685-be1f-d57550cc96cc" xsi:nil="true"/>
-    <LocManualTestRequired xmlns="4873beb7-5857-4685-be1f-d57550cc96cc">false</LocManualTestRequired>
-    <LocMarketGroupTiers2 xmlns="4873beb7-5857-4685-be1f-d57550cc96cc" xsi:nil="true"/>
-    <ClipArtFilename xmlns="4873beb7-5857-4685-be1f-d57550cc96cc" xsi:nil="true"/>
-    <TPApplication xmlns="4873beb7-5857-4685-be1f-d57550cc96cc" xsi:nil="true"/>
-    <CSXHash xmlns="4873beb7-5857-4685-be1f-d57550cc96cc" xsi:nil="true"/>
-    <DirectSourceMarket xmlns="4873beb7-5857-4685-be1f-d57550cc96cc" xsi:nil="true"/>
-    <PrimaryImageGen xmlns="4873beb7-5857-4685-be1f-d57550cc96cc">true</PrimaryImageGen>
-    <PlannedPubDate xmlns="4873beb7-5857-4685-be1f-d57550cc96cc" xsi:nil="true"/>
-    <CSXSubmissionMarket xmlns="4873beb7-5857-4685-be1f-d57550cc96cc" xsi:nil="true"/>
-    <Downloads xmlns="4873beb7-5857-4685-be1f-d57550cc96cc">0</Downloads>
-    <ArtSampleDocs xmlns="4873beb7-5857-4685-be1f-d57550cc96cc" xsi:nil="true"/>
-    <TrustLevel xmlns="4873beb7-5857-4685-be1f-d57550cc96cc">1 Microsoft Managed Content</TrustLevel>
-    <BlockPublish xmlns="4873beb7-5857-4685-be1f-d57550cc96cc">false</BlockPublish>
-    <TPLaunchHelpLinkType xmlns="4873beb7-5857-4685-be1f-d57550cc96cc">Template</TPLaunchHelpLinkType>
-    <LocalizationTagsTaxHTField0 xmlns="4873beb7-5857-4685-be1f-d57550cc96cc">
-      <Terms xmlns="http://schemas.microsoft.com/office/infopath/2007/PartnerControls"/>
-    </LocalizationTagsTaxHTField0>
-    <BusinessGroup xmlns="4873beb7-5857-4685-be1f-d57550cc96cc" xsi:nil="true"/>
-    <Providers xmlns="4873beb7-5857-4685-be1f-d57550cc96cc" xsi:nil="true"/>
-    <TemplateTemplateType xmlns="4873beb7-5857-4685-be1f-d57550cc96cc">PowerPoint Presentation Template</TemplateTemplateType>
-    <TimesCloned xmlns="4873beb7-5857-4685-be1f-d57550cc96cc" xsi:nil="true"/>
-    <TPAppVersion xmlns="4873beb7-5857-4685-be1f-d57550cc96cc" xsi:nil="true"/>
-    <VoteCount xmlns="4873beb7-5857-4685-be1f-d57550cc96cc" xsi:nil="true"/>
-    <AverageRating xmlns="4873beb7-5857-4685-be1f-d57550cc96cc" xsi:nil="true"/>
-    <FeatureTagsTaxHTField0 xmlns="4873beb7-5857-4685-be1f-d57550cc96cc">
-      <Terms xmlns="http://schemas.microsoft.com/office/infopath/2007/PartnerControls"/>
-    </FeatureTagsTaxHTField0>
-    <Provider xmlns="4873beb7-5857-4685-be1f-d57550cc96cc" xsi:nil="true"/>
-    <UACurrentWords xmlns="4873beb7-5857-4685-be1f-d57550cc96cc" xsi:nil="true"/>
-    <AssetId xmlns="4873beb7-5857-4685-be1f-d57550cc96cc">TP103431361</AssetId>
-    <TPClientViewer xmlns="4873beb7-5857-4685-be1f-d57550cc96cc" xsi:nil="true"/>
-    <DSATActionTaken xmlns="4873beb7-5857-4685-be1f-d57550cc96cc" xsi:nil="true"/>
-    <APEditor xmlns="4873beb7-5857-4685-be1f-d57550cc96cc">
-      <UserInfo>
-        <DisplayName/>
-        <AccountId xsi:nil="true"/>
-        <AccountType/>
-      </UserInfo>
-    </APEditor>
-    <TPInstallLocation xmlns="4873beb7-5857-4685-be1f-d57550cc96cc" xsi:nil="true"/>
-    <OOCacheId xmlns="4873beb7-5857-4685-be1f-d57550cc96cc" xsi:nil="true"/>
-    <IsDeleted xmlns="4873beb7-5857-4685-be1f-d57550cc96cc">false</IsDeleted>
-    <PublishTargets xmlns="4873beb7-5857-4685-be1f-d57550cc96cc">OfficeOnlineVNext</PublishTargets>
-    <ApprovalLog xmlns="4873beb7-5857-4685-be1f-d57550cc96cc" xsi:nil="true"/>
-    <BugNumber xmlns="4873beb7-5857-4685-be1f-d57550cc96cc" xsi:nil="true"/>
-    <CrawlForDependencies xmlns="4873beb7-5857-4685-be1f-d57550cc96cc">false</CrawlForDependencies>
-    <InternalTagsTaxHTField0 xmlns="4873beb7-5857-4685-be1f-d57550cc96cc">
-      <Terms xmlns="http://schemas.microsoft.com/office/infopath/2007/PartnerControls"/>
-    </InternalTagsTaxHTField0>
-    <LastHandOff xmlns="4873beb7-5857-4685-be1f-d57550cc96cc" xsi:nil="true"/>
-    <Milestone xmlns="4873beb7-5857-4685-be1f-d57550cc96cc" xsi:nil="true"/>
-    <OriginalRelease xmlns="4873beb7-5857-4685-be1f-d57550cc96cc">15</OriginalRelease>
-    <RecommendationsModifier xmlns="4873beb7-5857-4685-be1f-d57550cc96cc" xsi:nil="true"/>
-    <ScenarioTagsTaxHTField0 xmlns="4873beb7-5857-4685-be1f-d57550cc96cc">
-      <Terms xmlns="http://schemas.microsoft.com/office/infopath/2007/PartnerControls"/>
-    </ScenarioTagsTaxHTField0>
-    <UANotes xmlns="4873beb7-5857-4685-be1f-d57550cc96cc" xsi:nil="true"/>
-  </documentManagement>
-</p:properties>
-</file>
-
-<file path=customXml/item3.xml><?xml version="1.0" encoding="utf-8"?>
 <ct:contentTypeSchema xmlns:ct="http://schemas.microsoft.com/office/2006/metadata/contentType" xmlns:ma="http://schemas.microsoft.com/office/2006/metadata/properties/metaAttributes" ct:_="" ma:_="" ma:contentTypeName="TemplateFile" ma:contentTypeID="0x0101006EDDDB5EE6D98C44930B742096920B300400F5B6D36B3EF94B4E9A635CDF2A18F5B8" ma:contentTypeVersion="72" ma:contentTypeDescription="Create a new document." ma:contentTypeScope="" ma:versionID="a23e56308344d904b51738559c3d67c9">
   <xsd:schema xmlns:xsd="http://www.w3.org/2001/XMLSchema" xmlns:xs="http://www.w3.org/2001/XMLSchema" xmlns:p="http://schemas.microsoft.com/office/2006/metadata/properties" xmlns:ns2="4873beb7-5857-4685-be1f-d57550cc96cc" targetNamespace="http://schemas.microsoft.com/office/2006/metadata/properties" ma:root="true" ma:fieldsID="cd0908cc4600e77bf5da051303e00c8d" ns2:_="">
     <xsd:import namespace="4873beb7-5857-4685-be1f-d57550cc96cc"/>
@@ -8494,10 +8300,155 @@
 </ct:contentTypeSchema>
 </file>
 
+<file path=customXml/item2.xml><?xml version="1.0" encoding="utf-8"?>
+<p:properties xmlns:p="http://schemas.microsoft.com/office/2006/metadata/properties" xmlns:xsi="http://www.w3.org/2001/XMLSchema-instance" xmlns:pc="http://schemas.microsoft.com/office/infopath/2007/PartnerControls">
+  <documentManagement>
+    <APDescription xmlns="4873beb7-5857-4685-be1f-d57550cc96cc" xsi:nil="true"/>
+    <AssetExpire xmlns="4873beb7-5857-4685-be1f-d57550cc96cc">2029-01-01T08:00:00+00:00</AssetExpire>
+    <CampaignTagsTaxHTField0 xmlns="4873beb7-5857-4685-be1f-d57550cc96cc">
+      <Terms xmlns="http://schemas.microsoft.com/office/infopath/2007/PartnerControls"/>
+    </CampaignTagsTaxHTField0>
+    <IntlLangReviewDate xmlns="4873beb7-5857-4685-be1f-d57550cc96cc" xsi:nil="true"/>
+    <TPFriendlyName xmlns="4873beb7-5857-4685-be1f-d57550cc96cc" xsi:nil="true"/>
+    <IntlLangReview xmlns="4873beb7-5857-4685-be1f-d57550cc96cc">false</IntlLangReview>
+    <LocLastLocAttemptVersionLookup xmlns="4873beb7-5857-4685-be1f-d57550cc96cc">855024</LocLastLocAttemptVersionLookup>
+    <PolicheckWords xmlns="4873beb7-5857-4685-be1f-d57550cc96cc" xsi:nil="true"/>
+    <SubmitterId xmlns="4873beb7-5857-4685-be1f-d57550cc96cc" xsi:nil="true"/>
+    <AcquiredFrom xmlns="4873beb7-5857-4685-be1f-d57550cc96cc">Internal MS</AcquiredFrom>
+    <EditorialStatus xmlns="4873beb7-5857-4685-be1f-d57550cc96cc">Complete</EditorialStatus>
+    <Markets xmlns="4873beb7-5857-4685-be1f-d57550cc96cc"/>
+    <OriginAsset xmlns="4873beb7-5857-4685-be1f-d57550cc96cc" xsi:nil="true"/>
+    <AssetStart xmlns="4873beb7-5857-4685-be1f-d57550cc96cc">2012-08-31T08:50:00+00:00</AssetStart>
+    <FriendlyTitle xmlns="4873beb7-5857-4685-be1f-d57550cc96cc" xsi:nil="true"/>
+    <MarketSpecific xmlns="4873beb7-5857-4685-be1f-d57550cc96cc">false</MarketSpecific>
+    <TPNamespace xmlns="4873beb7-5857-4685-be1f-d57550cc96cc" xsi:nil="true"/>
+    <PublishStatusLookup xmlns="4873beb7-5857-4685-be1f-d57550cc96cc">
+      <Value>1616423</Value>
+    </PublishStatusLookup>
+    <APAuthor xmlns="4873beb7-5857-4685-be1f-d57550cc96cc">
+      <UserInfo>
+        <DisplayName>REDMOND\kristaa</DisplayName>
+        <AccountId>136</AccountId>
+        <AccountType/>
+      </UserInfo>
+    </APAuthor>
+    <TPCommandLine xmlns="4873beb7-5857-4685-be1f-d57550cc96cc" xsi:nil="true"/>
+    <IntlLangReviewer xmlns="4873beb7-5857-4685-be1f-d57550cc96cc" xsi:nil="true"/>
+    <OpenTemplate xmlns="4873beb7-5857-4685-be1f-d57550cc96cc">true</OpenTemplate>
+    <CSXSubmissionDate xmlns="4873beb7-5857-4685-be1f-d57550cc96cc" xsi:nil="true"/>
+    <TaxCatchAll xmlns="4873beb7-5857-4685-be1f-d57550cc96cc"/>
+    <Manager xmlns="4873beb7-5857-4685-be1f-d57550cc96cc" xsi:nil="true"/>
+    <NumericId xmlns="4873beb7-5857-4685-be1f-d57550cc96cc" xsi:nil="true"/>
+    <ParentAssetId xmlns="4873beb7-5857-4685-be1f-d57550cc96cc" xsi:nil="true"/>
+    <OriginalSourceMarket xmlns="4873beb7-5857-4685-be1f-d57550cc96cc" xsi:nil="true"/>
+    <ApprovalStatus xmlns="4873beb7-5857-4685-be1f-d57550cc96cc">InProgress</ApprovalStatus>
+    <TPComponent xmlns="4873beb7-5857-4685-be1f-d57550cc96cc" xsi:nil="true"/>
+    <EditorialTags xmlns="4873beb7-5857-4685-be1f-d57550cc96cc" xsi:nil="true"/>
+    <TPExecutable xmlns="4873beb7-5857-4685-be1f-d57550cc96cc" xsi:nil="true"/>
+    <TPLaunchHelpLink xmlns="4873beb7-5857-4685-be1f-d57550cc96cc" xsi:nil="true"/>
+    <LocComments xmlns="4873beb7-5857-4685-be1f-d57550cc96cc" xsi:nil="true"/>
+    <LocRecommendedHandoff xmlns="4873beb7-5857-4685-be1f-d57550cc96cc" xsi:nil="true"/>
+    <SourceTitle xmlns="4873beb7-5857-4685-be1f-d57550cc96cc" xsi:nil="true"/>
+    <CSXUpdate xmlns="4873beb7-5857-4685-be1f-d57550cc96cc">false</CSXUpdate>
+    <IntlLocPriority xmlns="4873beb7-5857-4685-be1f-d57550cc96cc" xsi:nil="true"/>
+    <UAProjectedTotalWords xmlns="4873beb7-5857-4685-be1f-d57550cc96cc" xsi:nil="true"/>
+    <AssetType xmlns="4873beb7-5857-4685-be1f-d57550cc96cc">TP</AssetType>
+    <MachineTranslated xmlns="4873beb7-5857-4685-be1f-d57550cc96cc">false</MachineTranslated>
+    <OutputCachingOn xmlns="4873beb7-5857-4685-be1f-d57550cc96cc">false</OutputCachingOn>
+    <TemplateStatus xmlns="4873beb7-5857-4685-be1f-d57550cc96cc">Complete</TemplateStatus>
+    <IsSearchable xmlns="4873beb7-5857-4685-be1f-d57550cc96cc">true</IsSearchable>
+    <ContentItem xmlns="4873beb7-5857-4685-be1f-d57550cc96cc" xsi:nil="true"/>
+    <HandoffToMSDN xmlns="4873beb7-5857-4685-be1f-d57550cc96cc" xsi:nil="true"/>
+    <ShowIn xmlns="4873beb7-5857-4685-be1f-d57550cc96cc">Show everywhere</ShowIn>
+    <ThumbnailAssetId xmlns="4873beb7-5857-4685-be1f-d57550cc96cc" xsi:nil="true"/>
+    <UALocComments xmlns="4873beb7-5857-4685-be1f-d57550cc96cc" xsi:nil="true"/>
+    <UALocRecommendation xmlns="4873beb7-5857-4685-be1f-d57550cc96cc">Localize</UALocRecommendation>
+    <LastModifiedDateTime xmlns="4873beb7-5857-4685-be1f-d57550cc96cc" xsi:nil="true"/>
+    <LegacyData xmlns="4873beb7-5857-4685-be1f-d57550cc96cc" xsi:nil="true"/>
+    <LocManualTestRequired xmlns="4873beb7-5857-4685-be1f-d57550cc96cc">false</LocManualTestRequired>
+    <LocMarketGroupTiers2 xmlns="4873beb7-5857-4685-be1f-d57550cc96cc" xsi:nil="true"/>
+    <ClipArtFilename xmlns="4873beb7-5857-4685-be1f-d57550cc96cc" xsi:nil="true"/>
+    <TPApplication xmlns="4873beb7-5857-4685-be1f-d57550cc96cc" xsi:nil="true"/>
+    <CSXHash xmlns="4873beb7-5857-4685-be1f-d57550cc96cc" xsi:nil="true"/>
+    <DirectSourceMarket xmlns="4873beb7-5857-4685-be1f-d57550cc96cc" xsi:nil="true"/>
+    <PrimaryImageGen xmlns="4873beb7-5857-4685-be1f-d57550cc96cc">true</PrimaryImageGen>
+    <PlannedPubDate xmlns="4873beb7-5857-4685-be1f-d57550cc96cc" xsi:nil="true"/>
+    <CSXSubmissionMarket xmlns="4873beb7-5857-4685-be1f-d57550cc96cc" xsi:nil="true"/>
+    <Downloads xmlns="4873beb7-5857-4685-be1f-d57550cc96cc">0</Downloads>
+    <ArtSampleDocs xmlns="4873beb7-5857-4685-be1f-d57550cc96cc" xsi:nil="true"/>
+    <TrustLevel xmlns="4873beb7-5857-4685-be1f-d57550cc96cc">1 Microsoft Managed Content</TrustLevel>
+    <BlockPublish xmlns="4873beb7-5857-4685-be1f-d57550cc96cc">false</BlockPublish>
+    <TPLaunchHelpLinkType xmlns="4873beb7-5857-4685-be1f-d57550cc96cc">Template</TPLaunchHelpLinkType>
+    <LocalizationTagsTaxHTField0 xmlns="4873beb7-5857-4685-be1f-d57550cc96cc">
+      <Terms xmlns="http://schemas.microsoft.com/office/infopath/2007/PartnerControls"/>
+    </LocalizationTagsTaxHTField0>
+    <BusinessGroup xmlns="4873beb7-5857-4685-be1f-d57550cc96cc" xsi:nil="true"/>
+    <Providers xmlns="4873beb7-5857-4685-be1f-d57550cc96cc" xsi:nil="true"/>
+    <TemplateTemplateType xmlns="4873beb7-5857-4685-be1f-d57550cc96cc">PowerPoint Presentation Template</TemplateTemplateType>
+    <TimesCloned xmlns="4873beb7-5857-4685-be1f-d57550cc96cc" xsi:nil="true"/>
+    <TPAppVersion xmlns="4873beb7-5857-4685-be1f-d57550cc96cc" xsi:nil="true"/>
+    <VoteCount xmlns="4873beb7-5857-4685-be1f-d57550cc96cc" xsi:nil="true"/>
+    <AverageRating xmlns="4873beb7-5857-4685-be1f-d57550cc96cc" xsi:nil="true"/>
+    <FeatureTagsTaxHTField0 xmlns="4873beb7-5857-4685-be1f-d57550cc96cc">
+      <Terms xmlns="http://schemas.microsoft.com/office/infopath/2007/PartnerControls"/>
+    </FeatureTagsTaxHTField0>
+    <Provider xmlns="4873beb7-5857-4685-be1f-d57550cc96cc" xsi:nil="true"/>
+    <UACurrentWords xmlns="4873beb7-5857-4685-be1f-d57550cc96cc" xsi:nil="true"/>
+    <AssetId xmlns="4873beb7-5857-4685-be1f-d57550cc96cc">TP103431361</AssetId>
+    <TPClientViewer xmlns="4873beb7-5857-4685-be1f-d57550cc96cc" xsi:nil="true"/>
+    <DSATActionTaken xmlns="4873beb7-5857-4685-be1f-d57550cc96cc" xsi:nil="true"/>
+    <APEditor xmlns="4873beb7-5857-4685-be1f-d57550cc96cc">
+      <UserInfo>
+        <DisplayName/>
+        <AccountId xsi:nil="true"/>
+        <AccountType/>
+      </UserInfo>
+    </APEditor>
+    <TPInstallLocation xmlns="4873beb7-5857-4685-be1f-d57550cc96cc" xsi:nil="true"/>
+    <OOCacheId xmlns="4873beb7-5857-4685-be1f-d57550cc96cc" xsi:nil="true"/>
+    <IsDeleted xmlns="4873beb7-5857-4685-be1f-d57550cc96cc">false</IsDeleted>
+    <PublishTargets xmlns="4873beb7-5857-4685-be1f-d57550cc96cc">OfficeOnlineVNext</PublishTargets>
+    <ApprovalLog xmlns="4873beb7-5857-4685-be1f-d57550cc96cc" xsi:nil="true"/>
+    <BugNumber xmlns="4873beb7-5857-4685-be1f-d57550cc96cc" xsi:nil="true"/>
+    <CrawlForDependencies xmlns="4873beb7-5857-4685-be1f-d57550cc96cc">false</CrawlForDependencies>
+    <InternalTagsTaxHTField0 xmlns="4873beb7-5857-4685-be1f-d57550cc96cc">
+      <Terms xmlns="http://schemas.microsoft.com/office/infopath/2007/PartnerControls"/>
+    </InternalTagsTaxHTField0>
+    <LastHandOff xmlns="4873beb7-5857-4685-be1f-d57550cc96cc" xsi:nil="true"/>
+    <Milestone xmlns="4873beb7-5857-4685-be1f-d57550cc96cc" xsi:nil="true"/>
+    <OriginalRelease xmlns="4873beb7-5857-4685-be1f-d57550cc96cc">15</OriginalRelease>
+    <RecommendationsModifier xmlns="4873beb7-5857-4685-be1f-d57550cc96cc" xsi:nil="true"/>
+    <ScenarioTagsTaxHTField0 xmlns="4873beb7-5857-4685-be1f-d57550cc96cc">
+      <Terms xmlns="http://schemas.microsoft.com/office/infopath/2007/PartnerControls"/>
+    </ScenarioTagsTaxHTField0>
+    <UANotes xmlns="4873beb7-5857-4685-be1f-d57550cc96cc" xsi:nil="true"/>
+  </documentManagement>
+</p:properties>
+</file>
+
+<file path=customXml/item3.xml><?xml version="1.0" encoding="utf-8"?>
+<?mso-contentType ?>
+<FormTemplates xmlns="http://schemas.microsoft.com/sharepoint/v3/contenttype/forms">
+  <Display>DocumentLibraryForm</Display>
+  <Edit>AssetEditForm</Edit>
+  <New>DocumentLibraryForm</New>
+</FormTemplates>
+</file>
+
 <file path=customXml/itemProps1.xml><?xml version="1.0" encoding="utf-8"?>
-<ds:datastoreItem xmlns:ds="http://schemas.openxmlformats.org/officeDocument/2006/customXml" ds:itemID="{561E720F-F05D-4536-9C34-0CFCED65D3B7}">
+<ds:datastoreItem xmlns:ds="http://schemas.openxmlformats.org/officeDocument/2006/customXml" ds:itemID="{28C8B9CA-0273-4370-889A-FC05DA5C2FA5}">
   <ds:schemaRefs>
-    <ds:schemaRef ds:uri="http://schemas.microsoft.com/sharepoint/v3/contenttype/forms"/>
+    <ds:schemaRef ds:uri="http://schemas.microsoft.com/office/2006/metadata/contentType"/>
+    <ds:schemaRef ds:uri="http://schemas.microsoft.com/office/2006/metadata/properties/metaAttributes"/>
+    <ds:schemaRef ds:uri="http://www.w3.org/2001/XMLSchema"/>
+    <ds:schemaRef ds:uri="http://schemas.microsoft.com/office/2006/metadata/properties"/>
+    <ds:schemaRef ds:uri="4873beb7-5857-4685-be1f-d57550cc96cc"/>
+    <ds:schemaRef ds:uri="http://schemas.microsoft.com/office/2006/documentManagement/types"/>
+    <ds:schemaRef ds:uri="http://schemas.microsoft.com/office/infopath/2007/PartnerControls"/>
+    <ds:schemaRef ds:uri="http://schemas.openxmlformats.org/package/2006/metadata/core-properties"/>
+    <ds:schemaRef ds:uri="http://purl.org/dc/elements/1.1/"/>
+    <ds:schemaRef ds:uri="http://purl.org/dc/terms/"/>
+    <ds:schemaRef ds:uri="http://schemas.microsoft.com/internal/obd"/>
   </ds:schemaRefs>
 </ds:datastoreItem>
 </file>
@@ -8519,19 +8470,9 @@
 </file>
 
 <file path=customXml/itemProps3.xml><?xml version="1.0" encoding="utf-8"?>
-<ds:datastoreItem xmlns:ds="http://schemas.openxmlformats.org/officeDocument/2006/customXml" ds:itemID="{28C8B9CA-0273-4370-889A-FC05DA5C2FA5}">
+<ds:datastoreItem xmlns:ds="http://schemas.openxmlformats.org/officeDocument/2006/customXml" ds:itemID="{561E720F-F05D-4536-9C34-0CFCED65D3B7}">
   <ds:schemaRefs>
-    <ds:schemaRef ds:uri="http://schemas.microsoft.com/office/2006/metadata/contentType"/>
-    <ds:schemaRef ds:uri="http://schemas.microsoft.com/office/2006/metadata/properties/metaAttributes"/>
-    <ds:schemaRef ds:uri="http://www.w3.org/2001/XMLSchema"/>
-    <ds:schemaRef ds:uri="http://schemas.microsoft.com/office/2006/metadata/properties"/>
-    <ds:schemaRef ds:uri="4873beb7-5857-4685-be1f-d57550cc96cc"/>
-    <ds:schemaRef ds:uri="http://schemas.microsoft.com/office/2006/documentManagement/types"/>
-    <ds:schemaRef ds:uri="http://schemas.microsoft.com/office/infopath/2007/PartnerControls"/>
-    <ds:schemaRef ds:uri="http://schemas.openxmlformats.org/package/2006/metadata/core-properties"/>
-    <ds:schemaRef ds:uri="http://purl.org/dc/elements/1.1/"/>
-    <ds:schemaRef ds:uri="http://purl.org/dc/terms/"/>
-    <ds:schemaRef ds:uri="http://schemas.microsoft.com/internal/obd"/>
+    <ds:schemaRef ds:uri="http://schemas.microsoft.com/sharepoint/v3/contenttype/forms"/>
   </ds:schemaRefs>
 </ds:datastoreItem>
 </file>
--- a/reports/Fiber_Group_Presenetation.pptx
+++ b/reports/Fiber_Group_Presenetation.pptx
@@ -5344,31 +5344,6 @@
           </a:p>
         </p:txBody>
       </p:sp>
-      <p:sp>
-        <p:nvSpPr>
-          <p:cNvPr id="5" name="Content Placeholder 4">
-            <a:extLst>
-              <a:ext uri="{FF2B5EF4-FFF2-40B4-BE49-F238E27FC236}">
-                <a16:creationId xmlns:a16="http://schemas.microsoft.com/office/drawing/2014/main" id="{1C18B280-069E-40CB-AE35-07F9DA34BC03}"/>
-              </a:ext>
-            </a:extLst>
-          </p:cNvPr>
-          <p:cNvSpPr>
-            <a:spLocks noGrp="1"/>
-          </p:cNvSpPr>
-          <p:nvPr>
-            <p:ph idx="1"/>
-          </p:nvPr>
-        </p:nvSpPr>
-        <p:spPr/>
-        <p:txBody>
-          <a:bodyPr/>
-          <a:lstStyle/>
-          <a:p>
-            <a:endParaRPr lang="en-US" dirty="0"/>
-          </a:p>
-        </p:txBody>
-      </p:sp>
     </p:spTree>
     <p:extLst>
       <p:ext uri="{BB962C8B-B14F-4D97-AF65-F5344CB8AC3E}">
@@ -5752,6 +5727,12 @@
               <a:rPr lang="en-US" baseline="-25000" dirty="0"/>
               <a:t>1</a:t>
             </a:r>
+          </a:p>
+          <a:p>
+            <a:pPr marL="457200" lvl="1" indent="0">
+              <a:buNone/>
+            </a:pPr>
+            <a:endParaRPr lang="en-US" baseline="-25000" dirty="0"/>
           </a:p>
           <a:p>
             <a:pPr lvl="1"/>
@@ -7261,6 +7242,132 @@
 </file>
 
 <file path=customXml/item1.xml><?xml version="1.0" encoding="utf-8"?>
+<p:properties xmlns:p="http://schemas.microsoft.com/office/2006/metadata/properties" xmlns:xsi="http://www.w3.org/2001/XMLSchema-instance" xmlns:pc="http://schemas.microsoft.com/office/infopath/2007/PartnerControls">
+  <documentManagement>
+    <APDescription xmlns="4873beb7-5857-4685-be1f-d57550cc96cc" xsi:nil="true"/>
+    <AssetExpire xmlns="4873beb7-5857-4685-be1f-d57550cc96cc">2029-01-01T08:00:00+00:00</AssetExpire>
+    <CampaignTagsTaxHTField0 xmlns="4873beb7-5857-4685-be1f-d57550cc96cc">
+      <Terms xmlns="http://schemas.microsoft.com/office/infopath/2007/PartnerControls"/>
+    </CampaignTagsTaxHTField0>
+    <IntlLangReviewDate xmlns="4873beb7-5857-4685-be1f-d57550cc96cc" xsi:nil="true"/>
+    <TPFriendlyName xmlns="4873beb7-5857-4685-be1f-d57550cc96cc" xsi:nil="true"/>
+    <IntlLangReview xmlns="4873beb7-5857-4685-be1f-d57550cc96cc">false</IntlLangReview>
+    <LocLastLocAttemptVersionLookup xmlns="4873beb7-5857-4685-be1f-d57550cc96cc">855024</LocLastLocAttemptVersionLookup>
+    <PolicheckWords xmlns="4873beb7-5857-4685-be1f-d57550cc96cc" xsi:nil="true"/>
+    <SubmitterId xmlns="4873beb7-5857-4685-be1f-d57550cc96cc" xsi:nil="true"/>
+    <AcquiredFrom xmlns="4873beb7-5857-4685-be1f-d57550cc96cc">Internal MS</AcquiredFrom>
+    <EditorialStatus xmlns="4873beb7-5857-4685-be1f-d57550cc96cc">Complete</EditorialStatus>
+    <Markets xmlns="4873beb7-5857-4685-be1f-d57550cc96cc"/>
+    <OriginAsset xmlns="4873beb7-5857-4685-be1f-d57550cc96cc" xsi:nil="true"/>
+    <AssetStart xmlns="4873beb7-5857-4685-be1f-d57550cc96cc">2012-08-31T08:50:00+00:00</AssetStart>
+    <FriendlyTitle xmlns="4873beb7-5857-4685-be1f-d57550cc96cc" xsi:nil="true"/>
+    <MarketSpecific xmlns="4873beb7-5857-4685-be1f-d57550cc96cc">false</MarketSpecific>
+    <TPNamespace xmlns="4873beb7-5857-4685-be1f-d57550cc96cc" xsi:nil="true"/>
+    <PublishStatusLookup xmlns="4873beb7-5857-4685-be1f-d57550cc96cc">
+      <Value>1616423</Value>
+    </PublishStatusLookup>
+    <APAuthor xmlns="4873beb7-5857-4685-be1f-d57550cc96cc">
+      <UserInfo>
+        <DisplayName>REDMOND\kristaa</DisplayName>
+        <AccountId>136</AccountId>
+        <AccountType/>
+      </UserInfo>
+    </APAuthor>
+    <TPCommandLine xmlns="4873beb7-5857-4685-be1f-d57550cc96cc" xsi:nil="true"/>
+    <IntlLangReviewer xmlns="4873beb7-5857-4685-be1f-d57550cc96cc" xsi:nil="true"/>
+    <OpenTemplate xmlns="4873beb7-5857-4685-be1f-d57550cc96cc">true</OpenTemplate>
+    <CSXSubmissionDate xmlns="4873beb7-5857-4685-be1f-d57550cc96cc" xsi:nil="true"/>
+    <TaxCatchAll xmlns="4873beb7-5857-4685-be1f-d57550cc96cc"/>
+    <Manager xmlns="4873beb7-5857-4685-be1f-d57550cc96cc" xsi:nil="true"/>
+    <NumericId xmlns="4873beb7-5857-4685-be1f-d57550cc96cc" xsi:nil="true"/>
+    <ParentAssetId xmlns="4873beb7-5857-4685-be1f-d57550cc96cc" xsi:nil="true"/>
+    <OriginalSourceMarket xmlns="4873beb7-5857-4685-be1f-d57550cc96cc" xsi:nil="true"/>
+    <ApprovalStatus xmlns="4873beb7-5857-4685-be1f-d57550cc96cc">InProgress</ApprovalStatus>
+    <TPComponent xmlns="4873beb7-5857-4685-be1f-d57550cc96cc" xsi:nil="true"/>
+    <EditorialTags xmlns="4873beb7-5857-4685-be1f-d57550cc96cc" xsi:nil="true"/>
+    <TPExecutable xmlns="4873beb7-5857-4685-be1f-d57550cc96cc" xsi:nil="true"/>
+    <TPLaunchHelpLink xmlns="4873beb7-5857-4685-be1f-d57550cc96cc" xsi:nil="true"/>
+    <LocComments xmlns="4873beb7-5857-4685-be1f-d57550cc96cc" xsi:nil="true"/>
+    <LocRecommendedHandoff xmlns="4873beb7-5857-4685-be1f-d57550cc96cc" xsi:nil="true"/>
+    <SourceTitle xmlns="4873beb7-5857-4685-be1f-d57550cc96cc" xsi:nil="true"/>
+    <CSXUpdate xmlns="4873beb7-5857-4685-be1f-d57550cc96cc">false</CSXUpdate>
+    <IntlLocPriority xmlns="4873beb7-5857-4685-be1f-d57550cc96cc" xsi:nil="true"/>
+    <UAProjectedTotalWords xmlns="4873beb7-5857-4685-be1f-d57550cc96cc" xsi:nil="true"/>
+    <AssetType xmlns="4873beb7-5857-4685-be1f-d57550cc96cc">TP</AssetType>
+    <MachineTranslated xmlns="4873beb7-5857-4685-be1f-d57550cc96cc">false</MachineTranslated>
+    <OutputCachingOn xmlns="4873beb7-5857-4685-be1f-d57550cc96cc">false</OutputCachingOn>
+    <TemplateStatus xmlns="4873beb7-5857-4685-be1f-d57550cc96cc">Complete</TemplateStatus>
+    <IsSearchable xmlns="4873beb7-5857-4685-be1f-d57550cc96cc">true</IsSearchable>
+    <ContentItem xmlns="4873beb7-5857-4685-be1f-d57550cc96cc" xsi:nil="true"/>
+    <HandoffToMSDN xmlns="4873beb7-5857-4685-be1f-d57550cc96cc" xsi:nil="true"/>
+    <ShowIn xmlns="4873beb7-5857-4685-be1f-d57550cc96cc">Show everywhere</ShowIn>
+    <ThumbnailAssetId xmlns="4873beb7-5857-4685-be1f-d57550cc96cc" xsi:nil="true"/>
+    <UALocComments xmlns="4873beb7-5857-4685-be1f-d57550cc96cc" xsi:nil="true"/>
+    <UALocRecommendation xmlns="4873beb7-5857-4685-be1f-d57550cc96cc">Localize</UALocRecommendation>
+    <LastModifiedDateTime xmlns="4873beb7-5857-4685-be1f-d57550cc96cc" xsi:nil="true"/>
+    <LegacyData xmlns="4873beb7-5857-4685-be1f-d57550cc96cc" xsi:nil="true"/>
+    <LocManualTestRequired xmlns="4873beb7-5857-4685-be1f-d57550cc96cc">false</LocManualTestRequired>
+    <LocMarketGroupTiers2 xmlns="4873beb7-5857-4685-be1f-d57550cc96cc" xsi:nil="true"/>
+    <ClipArtFilename xmlns="4873beb7-5857-4685-be1f-d57550cc96cc" xsi:nil="true"/>
+    <TPApplication xmlns="4873beb7-5857-4685-be1f-d57550cc96cc" xsi:nil="true"/>
+    <CSXHash xmlns="4873beb7-5857-4685-be1f-d57550cc96cc" xsi:nil="true"/>
+    <DirectSourceMarket xmlns="4873beb7-5857-4685-be1f-d57550cc96cc" xsi:nil="true"/>
+    <PrimaryImageGen xmlns="4873beb7-5857-4685-be1f-d57550cc96cc">true</PrimaryImageGen>
+    <PlannedPubDate xmlns="4873beb7-5857-4685-be1f-d57550cc96cc" xsi:nil="true"/>
+    <CSXSubmissionMarket xmlns="4873beb7-5857-4685-be1f-d57550cc96cc" xsi:nil="true"/>
+    <Downloads xmlns="4873beb7-5857-4685-be1f-d57550cc96cc">0</Downloads>
+    <ArtSampleDocs xmlns="4873beb7-5857-4685-be1f-d57550cc96cc" xsi:nil="true"/>
+    <TrustLevel xmlns="4873beb7-5857-4685-be1f-d57550cc96cc">1 Microsoft Managed Content</TrustLevel>
+    <BlockPublish xmlns="4873beb7-5857-4685-be1f-d57550cc96cc">false</BlockPublish>
+    <TPLaunchHelpLinkType xmlns="4873beb7-5857-4685-be1f-d57550cc96cc">Template</TPLaunchHelpLinkType>
+    <LocalizationTagsTaxHTField0 xmlns="4873beb7-5857-4685-be1f-d57550cc96cc">
+      <Terms xmlns="http://schemas.microsoft.com/office/infopath/2007/PartnerControls"/>
+    </LocalizationTagsTaxHTField0>
+    <BusinessGroup xmlns="4873beb7-5857-4685-be1f-d57550cc96cc" xsi:nil="true"/>
+    <Providers xmlns="4873beb7-5857-4685-be1f-d57550cc96cc" xsi:nil="true"/>
+    <TemplateTemplateType xmlns="4873beb7-5857-4685-be1f-d57550cc96cc">PowerPoint Presentation Template</TemplateTemplateType>
+    <TimesCloned xmlns="4873beb7-5857-4685-be1f-d57550cc96cc" xsi:nil="true"/>
+    <TPAppVersion xmlns="4873beb7-5857-4685-be1f-d57550cc96cc" xsi:nil="true"/>
+    <VoteCount xmlns="4873beb7-5857-4685-be1f-d57550cc96cc" xsi:nil="true"/>
+    <AverageRating xmlns="4873beb7-5857-4685-be1f-d57550cc96cc" xsi:nil="true"/>
+    <FeatureTagsTaxHTField0 xmlns="4873beb7-5857-4685-be1f-d57550cc96cc">
+      <Terms xmlns="http://schemas.microsoft.com/office/infopath/2007/PartnerControls"/>
+    </FeatureTagsTaxHTField0>
+    <Provider xmlns="4873beb7-5857-4685-be1f-d57550cc96cc" xsi:nil="true"/>
+    <UACurrentWords xmlns="4873beb7-5857-4685-be1f-d57550cc96cc" xsi:nil="true"/>
+    <AssetId xmlns="4873beb7-5857-4685-be1f-d57550cc96cc">TP103431361</AssetId>
+    <TPClientViewer xmlns="4873beb7-5857-4685-be1f-d57550cc96cc" xsi:nil="true"/>
+    <DSATActionTaken xmlns="4873beb7-5857-4685-be1f-d57550cc96cc" xsi:nil="true"/>
+    <APEditor xmlns="4873beb7-5857-4685-be1f-d57550cc96cc">
+      <UserInfo>
+        <DisplayName/>
+        <AccountId xsi:nil="true"/>
+        <AccountType/>
+      </UserInfo>
+    </APEditor>
+    <TPInstallLocation xmlns="4873beb7-5857-4685-be1f-d57550cc96cc" xsi:nil="true"/>
+    <OOCacheId xmlns="4873beb7-5857-4685-be1f-d57550cc96cc" xsi:nil="true"/>
+    <IsDeleted xmlns="4873beb7-5857-4685-be1f-d57550cc96cc">false</IsDeleted>
+    <PublishTargets xmlns="4873beb7-5857-4685-be1f-d57550cc96cc">OfficeOnlineVNext</PublishTargets>
+    <ApprovalLog xmlns="4873beb7-5857-4685-be1f-d57550cc96cc" xsi:nil="true"/>
+    <BugNumber xmlns="4873beb7-5857-4685-be1f-d57550cc96cc" xsi:nil="true"/>
+    <CrawlForDependencies xmlns="4873beb7-5857-4685-be1f-d57550cc96cc">false</CrawlForDependencies>
+    <InternalTagsTaxHTField0 xmlns="4873beb7-5857-4685-be1f-d57550cc96cc">
+      <Terms xmlns="http://schemas.microsoft.com/office/infopath/2007/PartnerControls"/>
+    </InternalTagsTaxHTField0>
+    <LastHandOff xmlns="4873beb7-5857-4685-be1f-d57550cc96cc" xsi:nil="true"/>
+    <Milestone xmlns="4873beb7-5857-4685-be1f-d57550cc96cc" xsi:nil="true"/>
+    <OriginalRelease xmlns="4873beb7-5857-4685-be1f-d57550cc96cc">15</OriginalRelease>
+    <RecommendationsModifier xmlns="4873beb7-5857-4685-be1f-d57550cc96cc" xsi:nil="true"/>
+    <ScenarioTagsTaxHTField0 xmlns="4873beb7-5857-4685-be1f-d57550cc96cc">
+      <Terms xmlns="http://schemas.microsoft.com/office/infopath/2007/PartnerControls"/>
+    </ScenarioTagsTaxHTField0>
+    <UANotes xmlns="4873beb7-5857-4685-be1f-d57550cc96cc" xsi:nil="true"/>
+  </documentManagement>
+</p:properties>
+</file>
+
+<file path=customXml/item2.xml><?xml version="1.0" encoding="utf-8"?>
 <ct:contentTypeSchema xmlns:ct="http://schemas.microsoft.com/office/2006/metadata/contentType" xmlns:ma="http://schemas.microsoft.com/office/2006/metadata/properties/metaAttributes" ct:_="" ma:_="" ma:contentTypeName="TemplateFile" ma:contentTypeID="0x0101006EDDDB5EE6D98C44930B742096920B300400F5B6D36B3EF94B4E9A635CDF2A18F5B8" ma:contentTypeVersion="72" ma:contentTypeDescription="Create a new document." ma:contentTypeScope="" ma:versionID="a23e56308344d904b51738559c3d67c9">
   <xsd:schema xmlns:xsd="http://www.w3.org/2001/XMLSchema" xmlns:xs="http://www.w3.org/2001/XMLSchema" xmlns:p="http://schemas.microsoft.com/office/2006/metadata/properties" xmlns:ns2="4873beb7-5857-4685-be1f-d57550cc96cc" targetNamespace="http://schemas.microsoft.com/office/2006/metadata/properties" ma:root="true" ma:fieldsID="cd0908cc4600e77bf5da051303e00c8d" ns2:_="">
     <xsd:import namespace="4873beb7-5857-4685-be1f-d57550cc96cc"/>
@@ -8300,132 +8407,6 @@
 </ct:contentTypeSchema>
 </file>
 
-<file path=customXml/item2.xml><?xml version="1.0" encoding="utf-8"?>
-<p:properties xmlns:p="http://schemas.microsoft.com/office/2006/metadata/properties" xmlns:xsi="http://www.w3.org/2001/XMLSchema-instance" xmlns:pc="http://schemas.microsoft.com/office/infopath/2007/PartnerControls">
-  <documentManagement>
-    <APDescription xmlns="4873beb7-5857-4685-be1f-d57550cc96cc" xsi:nil="true"/>
-    <AssetExpire xmlns="4873beb7-5857-4685-be1f-d57550cc96cc">2029-01-01T08:00:00+00:00</AssetExpire>
-    <CampaignTagsTaxHTField0 xmlns="4873beb7-5857-4685-be1f-d57550cc96cc">
-      <Terms xmlns="http://schemas.microsoft.com/office/infopath/2007/PartnerControls"/>
-    </CampaignTagsTaxHTField0>
-    <IntlLangReviewDate xmlns="4873beb7-5857-4685-be1f-d57550cc96cc" xsi:nil="true"/>
-    <TPFriendlyName xmlns="4873beb7-5857-4685-be1f-d57550cc96cc" xsi:nil="true"/>
-    <IntlLangReview xmlns="4873beb7-5857-4685-be1f-d57550cc96cc">false</IntlLangReview>
-    <LocLastLocAttemptVersionLookup xmlns="4873beb7-5857-4685-be1f-d57550cc96cc">855024</LocLastLocAttemptVersionLookup>
-    <PolicheckWords xmlns="4873beb7-5857-4685-be1f-d57550cc96cc" xsi:nil="true"/>
-    <SubmitterId xmlns="4873beb7-5857-4685-be1f-d57550cc96cc" xsi:nil="true"/>
-    <AcquiredFrom xmlns="4873beb7-5857-4685-be1f-d57550cc96cc">Internal MS</AcquiredFrom>
-    <EditorialStatus xmlns="4873beb7-5857-4685-be1f-d57550cc96cc">Complete</EditorialStatus>
-    <Markets xmlns="4873beb7-5857-4685-be1f-d57550cc96cc"/>
-    <OriginAsset xmlns="4873beb7-5857-4685-be1f-d57550cc96cc" xsi:nil="true"/>
-    <AssetStart xmlns="4873beb7-5857-4685-be1f-d57550cc96cc">2012-08-31T08:50:00+00:00</AssetStart>
-    <FriendlyTitle xmlns="4873beb7-5857-4685-be1f-d57550cc96cc" xsi:nil="true"/>
-    <MarketSpecific xmlns="4873beb7-5857-4685-be1f-d57550cc96cc">false</MarketSpecific>
-    <TPNamespace xmlns="4873beb7-5857-4685-be1f-d57550cc96cc" xsi:nil="true"/>
-    <PublishStatusLookup xmlns="4873beb7-5857-4685-be1f-d57550cc96cc">
-      <Value>1616423</Value>
-    </PublishStatusLookup>
-    <APAuthor xmlns="4873beb7-5857-4685-be1f-d57550cc96cc">
-      <UserInfo>
-        <DisplayName>REDMOND\kristaa</DisplayName>
-        <AccountId>136</AccountId>
-        <AccountType/>
-      </UserInfo>
-    </APAuthor>
-    <TPCommandLine xmlns="4873beb7-5857-4685-be1f-d57550cc96cc" xsi:nil="true"/>
-    <IntlLangReviewer xmlns="4873beb7-5857-4685-be1f-d57550cc96cc" xsi:nil="true"/>
-    <OpenTemplate xmlns="4873beb7-5857-4685-be1f-d57550cc96cc">true</OpenTemplate>
-    <CSXSubmissionDate xmlns="4873beb7-5857-4685-be1f-d57550cc96cc" xsi:nil="true"/>
-    <TaxCatchAll xmlns="4873beb7-5857-4685-be1f-d57550cc96cc"/>
-    <Manager xmlns="4873beb7-5857-4685-be1f-d57550cc96cc" xsi:nil="true"/>
-    <NumericId xmlns="4873beb7-5857-4685-be1f-d57550cc96cc" xsi:nil="true"/>
-    <ParentAssetId xmlns="4873beb7-5857-4685-be1f-d57550cc96cc" xsi:nil="true"/>
-    <OriginalSourceMarket xmlns="4873beb7-5857-4685-be1f-d57550cc96cc" xsi:nil="true"/>
-    <ApprovalStatus xmlns="4873beb7-5857-4685-be1f-d57550cc96cc">InProgress</ApprovalStatus>
-    <TPComponent xmlns="4873beb7-5857-4685-be1f-d57550cc96cc" xsi:nil="true"/>
-    <EditorialTags xmlns="4873beb7-5857-4685-be1f-d57550cc96cc" xsi:nil="true"/>
-    <TPExecutable xmlns="4873beb7-5857-4685-be1f-d57550cc96cc" xsi:nil="true"/>
-    <TPLaunchHelpLink xmlns="4873beb7-5857-4685-be1f-d57550cc96cc" xsi:nil="true"/>
-    <LocComments xmlns="4873beb7-5857-4685-be1f-d57550cc96cc" xsi:nil="true"/>
-    <LocRecommendedHandoff xmlns="4873beb7-5857-4685-be1f-d57550cc96cc" xsi:nil="true"/>
-    <SourceTitle xmlns="4873beb7-5857-4685-be1f-d57550cc96cc" xsi:nil="true"/>
-    <CSXUpdate xmlns="4873beb7-5857-4685-be1f-d57550cc96cc">false</CSXUpdate>
-    <IntlLocPriority xmlns="4873beb7-5857-4685-be1f-d57550cc96cc" xsi:nil="true"/>
-    <UAProjectedTotalWords xmlns="4873beb7-5857-4685-be1f-d57550cc96cc" xsi:nil="true"/>
-    <AssetType xmlns="4873beb7-5857-4685-be1f-d57550cc96cc">TP</AssetType>
-    <MachineTranslated xmlns="4873beb7-5857-4685-be1f-d57550cc96cc">false</MachineTranslated>
-    <OutputCachingOn xmlns="4873beb7-5857-4685-be1f-d57550cc96cc">false</OutputCachingOn>
-    <TemplateStatus xmlns="4873beb7-5857-4685-be1f-d57550cc96cc">Complete</TemplateStatus>
-    <IsSearchable xmlns="4873beb7-5857-4685-be1f-d57550cc96cc">true</IsSearchable>
-    <ContentItem xmlns="4873beb7-5857-4685-be1f-d57550cc96cc" xsi:nil="true"/>
-    <HandoffToMSDN xmlns="4873beb7-5857-4685-be1f-d57550cc96cc" xsi:nil="true"/>
-    <ShowIn xmlns="4873beb7-5857-4685-be1f-d57550cc96cc">Show everywhere</ShowIn>
-    <ThumbnailAssetId xmlns="4873beb7-5857-4685-be1f-d57550cc96cc" xsi:nil="true"/>
-    <UALocComments xmlns="4873beb7-5857-4685-be1f-d57550cc96cc" xsi:nil="true"/>
-    <UALocRecommendation xmlns="4873beb7-5857-4685-be1f-d57550cc96cc">Localize</UALocRecommendation>
-    <LastModifiedDateTime xmlns="4873beb7-5857-4685-be1f-d57550cc96cc" xsi:nil="true"/>
-    <LegacyData xmlns="4873beb7-5857-4685-be1f-d57550cc96cc" xsi:nil="true"/>
-    <LocManualTestRequired xmlns="4873beb7-5857-4685-be1f-d57550cc96cc">false</LocManualTestRequired>
-    <LocMarketGroupTiers2 xmlns="4873beb7-5857-4685-be1f-d57550cc96cc" xsi:nil="true"/>
-    <ClipArtFilename xmlns="4873beb7-5857-4685-be1f-d57550cc96cc" xsi:nil="true"/>
-    <TPApplication xmlns="4873beb7-5857-4685-be1f-d57550cc96cc" xsi:nil="true"/>
-    <CSXHash xmlns="4873beb7-5857-4685-be1f-d57550cc96cc" xsi:nil="true"/>
-    <DirectSourceMarket xmlns="4873beb7-5857-4685-be1f-d57550cc96cc" xsi:nil="true"/>
-    <PrimaryImageGen xmlns="4873beb7-5857-4685-be1f-d57550cc96cc">true</PrimaryImageGen>
-    <PlannedPubDate xmlns="4873beb7-5857-4685-be1f-d57550cc96cc" xsi:nil="true"/>
-    <CSXSubmissionMarket xmlns="4873beb7-5857-4685-be1f-d57550cc96cc" xsi:nil="true"/>
-    <Downloads xmlns="4873beb7-5857-4685-be1f-d57550cc96cc">0</Downloads>
-    <ArtSampleDocs xmlns="4873beb7-5857-4685-be1f-d57550cc96cc" xsi:nil="true"/>
-    <TrustLevel xmlns="4873beb7-5857-4685-be1f-d57550cc96cc">1 Microsoft Managed Content</TrustLevel>
-    <BlockPublish xmlns="4873beb7-5857-4685-be1f-d57550cc96cc">false</BlockPublish>
-    <TPLaunchHelpLinkType xmlns="4873beb7-5857-4685-be1f-d57550cc96cc">Template</TPLaunchHelpLinkType>
-    <LocalizationTagsTaxHTField0 xmlns="4873beb7-5857-4685-be1f-d57550cc96cc">
-      <Terms xmlns="http://schemas.microsoft.com/office/infopath/2007/PartnerControls"/>
-    </LocalizationTagsTaxHTField0>
-    <BusinessGroup xmlns="4873beb7-5857-4685-be1f-d57550cc96cc" xsi:nil="true"/>
-    <Providers xmlns="4873beb7-5857-4685-be1f-d57550cc96cc" xsi:nil="true"/>
-    <TemplateTemplateType xmlns="4873beb7-5857-4685-be1f-d57550cc96cc">PowerPoint Presentation Template</TemplateTemplateType>
-    <TimesCloned xmlns="4873beb7-5857-4685-be1f-d57550cc96cc" xsi:nil="true"/>
-    <TPAppVersion xmlns="4873beb7-5857-4685-be1f-d57550cc96cc" xsi:nil="true"/>
-    <VoteCount xmlns="4873beb7-5857-4685-be1f-d57550cc96cc" xsi:nil="true"/>
-    <AverageRating xmlns="4873beb7-5857-4685-be1f-d57550cc96cc" xsi:nil="true"/>
-    <FeatureTagsTaxHTField0 xmlns="4873beb7-5857-4685-be1f-d57550cc96cc">
-      <Terms xmlns="http://schemas.microsoft.com/office/infopath/2007/PartnerControls"/>
-    </FeatureTagsTaxHTField0>
-    <Provider xmlns="4873beb7-5857-4685-be1f-d57550cc96cc" xsi:nil="true"/>
-    <UACurrentWords xmlns="4873beb7-5857-4685-be1f-d57550cc96cc" xsi:nil="true"/>
-    <AssetId xmlns="4873beb7-5857-4685-be1f-d57550cc96cc">TP103431361</AssetId>
-    <TPClientViewer xmlns="4873beb7-5857-4685-be1f-d57550cc96cc" xsi:nil="true"/>
-    <DSATActionTaken xmlns="4873beb7-5857-4685-be1f-d57550cc96cc" xsi:nil="true"/>
-    <APEditor xmlns="4873beb7-5857-4685-be1f-d57550cc96cc">
-      <UserInfo>
-        <DisplayName/>
-        <AccountId xsi:nil="true"/>
-        <AccountType/>
-      </UserInfo>
-    </APEditor>
-    <TPInstallLocation xmlns="4873beb7-5857-4685-be1f-d57550cc96cc" xsi:nil="true"/>
-    <OOCacheId xmlns="4873beb7-5857-4685-be1f-d57550cc96cc" xsi:nil="true"/>
-    <IsDeleted xmlns="4873beb7-5857-4685-be1f-d57550cc96cc">false</IsDeleted>
-    <PublishTargets xmlns="4873beb7-5857-4685-be1f-d57550cc96cc">OfficeOnlineVNext</PublishTargets>
-    <ApprovalLog xmlns="4873beb7-5857-4685-be1f-d57550cc96cc" xsi:nil="true"/>
-    <BugNumber xmlns="4873beb7-5857-4685-be1f-d57550cc96cc" xsi:nil="true"/>
-    <CrawlForDependencies xmlns="4873beb7-5857-4685-be1f-d57550cc96cc">false</CrawlForDependencies>
-    <InternalTagsTaxHTField0 xmlns="4873beb7-5857-4685-be1f-d57550cc96cc">
-      <Terms xmlns="http://schemas.microsoft.com/office/infopath/2007/PartnerControls"/>
-    </InternalTagsTaxHTField0>
-    <LastHandOff xmlns="4873beb7-5857-4685-be1f-d57550cc96cc" xsi:nil="true"/>
-    <Milestone xmlns="4873beb7-5857-4685-be1f-d57550cc96cc" xsi:nil="true"/>
-    <OriginalRelease xmlns="4873beb7-5857-4685-be1f-d57550cc96cc">15</OriginalRelease>
-    <RecommendationsModifier xmlns="4873beb7-5857-4685-be1f-d57550cc96cc" xsi:nil="true"/>
-    <ScenarioTagsTaxHTField0 xmlns="4873beb7-5857-4685-be1f-d57550cc96cc">
-      <Terms xmlns="http://schemas.microsoft.com/office/infopath/2007/PartnerControls"/>
-    </ScenarioTagsTaxHTField0>
-    <UANotes xmlns="4873beb7-5857-4685-be1f-d57550cc96cc" xsi:nil="true"/>
-  </documentManagement>
-</p:properties>
-</file>
-
 <file path=customXml/item3.xml><?xml version="1.0" encoding="utf-8"?>
 <?mso-contentType ?>
 <FormTemplates xmlns="http://schemas.microsoft.com/sharepoint/v3/contenttype/forms">
@@ -8436,6 +8417,22 @@
 </file>
 
 <file path=customXml/itemProps1.xml><?xml version="1.0" encoding="utf-8"?>
+<ds:datastoreItem xmlns:ds="http://schemas.openxmlformats.org/officeDocument/2006/customXml" ds:itemID="{8CDDBB83-77C1-4099-A0AA-289882E745E2}">
+  <ds:schemaRefs>
+    <ds:schemaRef ds:uri="http://schemas.openxmlformats.org/package/2006/metadata/core-properties"/>
+    <ds:schemaRef ds:uri="http://www.w3.org/XML/1998/namespace"/>
+    <ds:schemaRef ds:uri="http://purl.org/dc/dcmitype/"/>
+    <ds:schemaRef ds:uri="4873beb7-5857-4685-be1f-d57550cc96cc"/>
+    <ds:schemaRef ds:uri="http://purl.org/dc/terms/"/>
+    <ds:schemaRef ds:uri="http://purl.org/dc/elements/1.1/"/>
+    <ds:schemaRef ds:uri="http://schemas.microsoft.com/office/2006/documentManagement/types"/>
+    <ds:schemaRef ds:uri="http://schemas.microsoft.com/office/infopath/2007/PartnerControls"/>
+    <ds:schemaRef ds:uri="http://schemas.microsoft.com/office/2006/metadata/properties"/>
+  </ds:schemaRefs>
+</ds:datastoreItem>
+</file>
+
+<file path=customXml/itemProps2.xml><?xml version="1.0" encoding="utf-8"?>
 <ds:datastoreItem xmlns:ds="http://schemas.openxmlformats.org/officeDocument/2006/customXml" ds:itemID="{28C8B9CA-0273-4370-889A-FC05DA5C2FA5}">
   <ds:schemaRefs>
     <ds:schemaRef ds:uri="http://schemas.microsoft.com/office/2006/metadata/contentType"/>
@@ -8453,22 +8450,6 @@
 </ds:datastoreItem>
 </file>
 
-<file path=customXml/itemProps2.xml><?xml version="1.0" encoding="utf-8"?>
-<ds:datastoreItem xmlns:ds="http://schemas.openxmlformats.org/officeDocument/2006/customXml" ds:itemID="{8CDDBB83-77C1-4099-A0AA-289882E745E2}">
-  <ds:schemaRefs>
-    <ds:schemaRef ds:uri="http://schemas.openxmlformats.org/package/2006/metadata/core-properties"/>
-    <ds:schemaRef ds:uri="http://www.w3.org/XML/1998/namespace"/>
-    <ds:schemaRef ds:uri="http://purl.org/dc/dcmitype/"/>
-    <ds:schemaRef ds:uri="4873beb7-5857-4685-be1f-d57550cc96cc"/>
-    <ds:schemaRef ds:uri="http://purl.org/dc/terms/"/>
-    <ds:schemaRef ds:uri="http://purl.org/dc/elements/1.1/"/>
-    <ds:schemaRef ds:uri="http://schemas.microsoft.com/office/2006/documentManagement/types"/>
-    <ds:schemaRef ds:uri="http://schemas.microsoft.com/office/infopath/2007/PartnerControls"/>
-    <ds:schemaRef ds:uri="http://schemas.microsoft.com/office/2006/metadata/properties"/>
-  </ds:schemaRefs>
-</ds:datastoreItem>
-</file>
-
 <file path=customXml/itemProps3.xml><?xml version="1.0" encoding="utf-8"?>
 <ds:datastoreItem xmlns:ds="http://schemas.openxmlformats.org/officeDocument/2006/customXml" ds:itemID="{561E720F-F05D-4536-9C34-0CFCED65D3B7}">
   <ds:schemaRefs>

--- a/reports/Fiber_Group_Presenetation.pptx
+++ b/reports/Fiber_Group_Presenetation.pptx
@@ -5243,6 +5243,7 @@
           </a:bodyPr>
           <a:lstStyle/>
           <a:p>
+            <a:pPr algn="ctr"/>
             <a:r>
               <a:rPr lang="en-US" sz="2400" dirty="0"/>
               <a:t>Cost per Mbps by City (plotted by the size of internet tier speed)</a:t>
@@ -5337,6 +5338,7 @@
           <a:bodyPr/>
           <a:lstStyle/>
           <a:p>
+            <a:pPr algn="ctr"/>
             <a:r>
               <a:rPr lang="en-US" dirty="0"/>
               <a:t>FCC Complaints data</a:t>
@@ -5401,6 +5403,7 @@
           <a:bodyPr/>
           <a:lstStyle/>
           <a:p>
+            <a:pPr algn="ctr"/>
             <a:r>
               <a:rPr lang="en-US" dirty="0"/>
               <a:t>Conclusion - Philippe</a:t>
@@ -6131,9 +6134,10 @@
           <a:bodyPr/>
           <a:lstStyle/>
           <a:p>
+            <a:pPr algn="ctr"/>
             <a:r>
               <a:rPr lang="en-US" dirty="0"/>
-              <a:t>Cellular and Fixed Broadband Infrastructure</a:t>
+              <a:t>Cellular and Broadband Infrastructure</a:t>
             </a:r>
           </a:p>
         </p:txBody>
@@ -6227,6 +6231,7 @@
           <a:bodyPr/>
           <a:lstStyle/>
           <a:p>
+            <a:pPr algn="ctr"/>
             <a:r>
               <a:rPr lang="en-US" dirty="0"/>
               <a:t>Plot of Cities with 3 Years Median Wage</a:t>
@@ -6236,10 +6241,10 @@
       </p:sp>
       <p:pic>
         <p:nvPicPr>
-          <p:cNvPr id="3" name="Picture 2">
+          <p:cNvPr id="4" name="Picture 3">
             <a:extLst>
               <a:ext uri="{FF2B5EF4-FFF2-40B4-BE49-F238E27FC236}">
-                <a16:creationId xmlns:a16="http://schemas.microsoft.com/office/drawing/2014/main" id="{2261B5F9-377C-4882-A652-A8CCEA6ED5E9}"/>
+                <a16:creationId xmlns:a16="http://schemas.microsoft.com/office/drawing/2014/main" id="{458735A9-F365-422A-970D-1BA369B941C9}"/>
               </a:ext>
             </a:extLst>
           </p:cNvPr>
@@ -6256,8 +6261,8 @@
         </p:blipFill>
         <p:spPr>
           <a:xfrm>
-            <a:off x="1617022" y="1876294"/>
-            <a:ext cx="8639175" cy="4162425"/>
+            <a:off x="1104900" y="1406423"/>
+            <a:ext cx="9810750" cy="4867275"/>
           </a:xfrm>
           <a:prstGeom prst="rect">
             <a:avLst/>
@@ -6330,7 +6335,7 @@
             <a:pPr algn="ctr"/>
             <a:r>
               <a:rPr lang="en-US" dirty="0"/>
-              <a:t>Average  Download Speed Mbps by City </a:t>
+              <a:t>Average  $/Mbps (Download) by City </a:t>
             </a:r>
           </a:p>
         </p:txBody>
@@ -7242,132 +7247,6 @@
 </file>
 
 <file path=customXml/item1.xml><?xml version="1.0" encoding="utf-8"?>
-<p:properties xmlns:p="http://schemas.microsoft.com/office/2006/metadata/properties" xmlns:xsi="http://www.w3.org/2001/XMLSchema-instance" xmlns:pc="http://schemas.microsoft.com/office/infopath/2007/PartnerControls">
-  <documentManagement>
-    <APDescription xmlns="4873beb7-5857-4685-be1f-d57550cc96cc" xsi:nil="true"/>
-    <AssetExpire xmlns="4873beb7-5857-4685-be1f-d57550cc96cc">2029-01-01T08:00:00+00:00</AssetExpire>
-    <CampaignTagsTaxHTField0 xmlns="4873beb7-5857-4685-be1f-d57550cc96cc">
-      <Terms xmlns="http://schemas.microsoft.com/office/infopath/2007/PartnerControls"/>
-    </CampaignTagsTaxHTField0>
-    <IntlLangReviewDate xmlns="4873beb7-5857-4685-be1f-d57550cc96cc" xsi:nil="true"/>
-    <TPFriendlyName xmlns="4873beb7-5857-4685-be1f-d57550cc96cc" xsi:nil="true"/>
-    <IntlLangReview xmlns="4873beb7-5857-4685-be1f-d57550cc96cc">false</IntlLangReview>
-    <LocLastLocAttemptVersionLookup xmlns="4873beb7-5857-4685-be1f-d57550cc96cc">855024</LocLastLocAttemptVersionLookup>
-    <PolicheckWords xmlns="4873beb7-5857-4685-be1f-d57550cc96cc" xsi:nil="true"/>
-    <SubmitterId xmlns="4873beb7-5857-4685-be1f-d57550cc96cc" xsi:nil="true"/>
-    <AcquiredFrom xmlns="4873beb7-5857-4685-be1f-d57550cc96cc">Internal MS</AcquiredFrom>
-    <EditorialStatus xmlns="4873beb7-5857-4685-be1f-d57550cc96cc">Complete</EditorialStatus>
-    <Markets xmlns="4873beb7-5857-4685-be1f-d57550cc96cc"/>
-    <OriginAsset xmlns="4873beb7-5857-4685-be1f-d57550cc96cc" xsi:nil="true"/>
-    <AssetStart xmlns="4873beb7-5857-4685-be1f-d57550cc96cc">2012-08-31T08:50:00+00:00</AssetStart>
-    <FriendlyTitle xmlns="4873beb7-5857-4685-be1f-d57550cc96cc" xsi:nil="true"/>
-    <MarketSpecific xmlns="4873beb7-5857-4685-be1f-d57550cc96cc">false</MarketSpecific>
-    <TPNamespace xmlns="4873beb7-5857-4685-be1f-d57550cc96cc" xsi:nil="true"/>
-    <PublishStatusLookup xmlns="4873beb7-5857-4685-be1f-d57550cc96cc">
-      <Value>1616423</Value>
-    </PublishStatusLookup>
-    <APAuthor xmlns="4873beb7-5857-4685-be1f-d57550cc96cc">
-      <UserInfo>
-        <DisplayName>REDMOND\kristaa</DisplayName>
-        <AccountId>136</AccountId>
-        <AccountType/>
-      </UserInfo>
-    </APAuthor>
-    <TPCommandLine xmlns="4873beb7-5857-4685-be1f-d57550cc96cc" xsi:nil="true"/>
-    <IntlLangReviewer xmlns="4873beb7-5857-4685-be1f-d57550cc96cc" xsi:nil="true"/>
-    <OpenTemplate xmlns="4873beb7-5857-4685-be1f-d57550cc96cc">true</OpenTemplate>
-    <CSXSubmissionDate xmlns="4873beb7-5857-4685-be1f-d57550cc96cc" xsi:nil="true"/>
-    <TaxCatchAll xmlns="4873beb7-5857-4685-be1f-d57550cc96cc"/>
-    <Manager xmlns="4873beb7-5857-4685-be1f-d57550cc96cc" xsi:nil="true"/>
-    <NumericId xmlns="4873beb7-5857-4685-be1f-d57550cc96cc" xsi:nil="true"/>
-    <ParentAssetId xmlns="4873beb7-5857-4685-be1f-d57550cc96cc" xsi:nil="true"/>
-    <OriginalSourceMarket xmlns="4873beb7-5857-4685-be1f-d57550cc96cc" xsi:nil="true"/>
-    <ApprovalStatus xmlns="4873beb7-5857-4685-be1f-d57550cc96cc">InProgress</ApprovalStatus>
-    <TPComponent xmlns="4873beb7-5857-4685-be1f-d57550cc96cc" xsi:nil="true"/>
-    <EditorialTags xmlns="4873beb7-5857-4685-be1f-d57550cc96cc" xsi:nil="true"/>
-    <TPExecutable xmlns="4873beb7-5857-4685-be1f-d57550cc96cc" xsi:nil="true"/>
-    <TPLaunchHelpLink xmlns="4873beb7-5857-4685-be1f-d57550cc96cc" xsi:nil="true"/>
-    <LocComments xmlns="4873beb7-5857-4685-be1f-d57550cc96cc" xsi:nil="true"/>
-    <LocRecommendedHandoff xmlns="4873beb7-5857-4685-be1f-d57550cc96cc" xsi:nil="true"/>
-    <SourceTitle xmlns="4873beb7-5857-4685-be1f-d57550cc96cc" xsi:nil="true"/>
-    <CSXUpdate xmlns="4873beb7-5857-4685-be1f-d57550cc96cc">false</CSXUpdate>
-    <IntlLocPriority xmlns="4873beb7-5857-4685-be1f-d57550cc96cc" xsi:nil="true"/>
-    <UAProjectedTotalWords xmlns="4873beb7-5857-4685-be1f-d57550cc96cc" xsi:nil="true"/>
-    <AssetType xmlns="4873beb7-5857-4685-be1f-d57550cc96cc">TP</AssetType>
-    <MachineTranslated xmlns="4873beb7-5857-4685-be1f-d57550cc96cc">false</MachineTranslated>
-    <OutputCachingOn xmlns="4873beb7-5857-4685-be1f-d57550cc96cc">false</OutputCachingOn>
-    <TemplateStatus xmlns="4873beb7-5857-4685-be1f-d57550cc96cc">Complete</TemplateStatus>
-    <IsSearchable xmlns="4873beb7-5857-4685-be1f-d57550cc96cc">true</IsSearchable>
-    <ContentItem xmlns="4873beb7-5857-4685-be1f-d57550cc96cc" xsi:nil="true"/>
-    <HandoffToMSDN xmlns="4873beb7-5857-4685-be1f-d57550cc96cc" xsi:nil="true"/>
-    <ShowIn xmlns="4873beb7-5857-4685-be1f-d57550cc96cc">Show everywhere</ShowIn>
-    <ThumbnailAssetId xmlns="4873beb7-5857-4685-be1f-d57550cc96cc" xsi:nil="true"/>
-    <UALocComments xmlns="4873beb7-5857-4685-be1f-d57550cc96cc" xsi:nil="true"/>
-    <UALocRecommendation xmlns="4873beb7-5857-4685-be1f-d57550cc96cc">Localize</UALocRecommendation>
-    <LastModifiedDateTime xmlns="4873beb7-5857-4685-be1f-d57550cc96cc" xsi:nil="true"/>
-    <LegacyData xmlns="4873beb7-5857-4685-be1f-d57550cc96cc" xsi:nil="true"/>
-    <LocManualTestRequired xmlns="4873beb7-5857-4685-be1f-d57550cc96cc">false</LocManualTestRequired>
-    <LocMarketGroupTiers2 xmlns="4873beb7-5857-4685-be1f-d57550cc96cc" xsi:nil="true"/>
-    <ClipArtFilename xmlns="4873beb7-5857-4685-be1f-d57550cc96cc" xsi:nil="true"/>
-    <TPApplication xmlns="4873beb7-5857-4685-be1f-d57550cc96cc" xsi:nil="true"/>
-    <CSXHash xmlns="4873beb7-5857-4685-be1f-d57550cc96cc" xsi:nil="true"/>
-    <DirectSourceMarket xmlns="4873beb7-5857-4685-be1f-d57550cc96cc" xsi:nil="true"/>
-    <PrimaryImageGen xmlns="4873beb7-5857-4685-be1f-d57550cc96cc">true</PrimaryImageGen>
-    <PlannedPubDate xmlns="4873beb7-5857-4685-be1f-d57550cc96cc" xsi:nil="true"/>
-    <CSXSubmissionMarket xmlns="4873beb7-5857-4685-be1f-d57550cc96cc" xsi:nil="true"/>
-    <Downloads xmlns="4873beb7-5857-4685-be1f-d57550cc96cc">0</Downloads>
-    <ArtSampleDocs xmlns="4873beb7-5857-4685-be1f-d57550cc96cc" xsi:nil="true"/>
-    <TrustLevel xmlns="4873beb7-5857-4685-be1f-d57550cc96cc">1 Microsoft Managed Content</TrustLevel>
-    <BlockPublish xmlns="4873beb7-5857-4685-be1f-d57550cc96cc">false</BlockPublish>
-    <TPLaunchHelpLinkType xmlns="4873beb7-5857-4685-be1f-d57550cc96cc">Template</TPLaunchHelpLinkType>
-    <LocalizationTagsTaxHTField0 xmlns="4873beb7-5857-4685-be1f-d57550cc96cc">
-      <Terms xmlns="http://schemas.microsoft.com/office/infopath/2007/PartnerControls"/>
-    </LocalizationTagsTaxHTField0>
-    <BusinessGroup xmlns="4873beb7-5857-4685-be1f-d57550cc96cc" xsi:nil="true"/>
-    <Providers xmlns="4873beb7-5857-4685-be1f-d57550cc96cc" xsi:nil="true"/>
-    <TemplateTemplateType xmlns="4873beb7-5857-4685-be1f-d57550cc96cc">PowerPoint Presentation Template</TemplateTemplateType>
-    <TimesCloned xmlns="4873beb7-5857-4685-be1f-d57550cc96cc" xsi:nil="true"/>
-    <TPAppVersion xmlns="4873beb7-5857-4685-be1f-d57550cc96cc" xsi:nil="true"/>
-    <VoteCount xmlns="4873beb7-5857-4685-be1f-d57550cc96cc" xsi:nil="true"/>
-    <AverageRating xmlns="4873beb7-5857-4685-be1f-d57550cc96cc" xsi:nil="true"/>
-    <FeatureTagsTaxHTField0 xmlns="4873beb7-5857-4685-be1f-d57550cc96cc">
-      <Terms xmlns="http://schemas.microsoft.com/office/infopath/2007/PartnerControls"/>
-    </FeatureTagsTaxHTField0>
-    <Provider xmlns="4873beb7-5857-4685-be1f-d57550cc96cc" xsi:nil="true"/>
-    <UACurrentWords xmlns="4873beb7-5857-4685-be1f-d57550cc96cc" xsi:nil="true"/>
-    <AssetId xmlns="4873beb7-5857-4685-be1f-d57550cc96cc">TP103431361</AssetId>
-    <TPClientViewer xmlns="4873beb7-5857-4685-be1f-d57550cc96cc" xsi:nil="true"/>
-    <DSATActionTaken xmlns="4873beb7-5857-4685-be1f-d57550cc96cc" xsi:nil="true"/>
-    <APEditor xmlns="4873beb7-5857-4685-be1f-d57550cc96cc">
-      <UserInfo>
-        <DisplayName/>
-        <AccountId xsi:nil="true"/>
-        <AccountType/>
-      </UserInfo>
-    </APEditor>
-    <TPInstallLocation xmlns="4873beb7-5857-4685-be1f-d57550cc96cc" xsi:nil="true"/>
-    <OOCacheId xmlns="4873beb7-5857-4685-be1f-d57550cc96cc" xsi:nil="true"/>
-    <IsDeleted xmlns="4873beb7-5857-4685-be1f-d57550cc96cc">false</IsDeleted>
-    <PublishTargets xmlns="4873beb7-5857-4685-be1f-d57550cc96cc">OfficeOnlineVNext</PublishTargets>
-    <ApprovalLog xmlns="4873beb7-5857-4685-be1f-d57550cc96cc" xsi:nil="true"/>
-    <BugNumber xmlns="4873beb7-5857-4685-be1f-d57550cc96cc" xsi:nil="true"/>
-    <CrawlForDependencies xmlns="4873beb7-5857-4685-be1f-d57550cc96cc">false</CrawlForDependencies>
-    <InternalTagsTaxHTField0 xmlns="4873beb7-5857-4685-be1f-d57550cc96cc">
-      <Terms xmlns="http://schemas.microsoft.com/office/infopath/2007/PartnerControls"/>
-    </InternalTagsTaxHTField0>
-    <LastHandOff xmlns="4873beb7-5857-4685-be1f-d57550cc96cc" xsi:nil="true"/>
-    <Milestone xmlns="4873beb7-5857-4685-be1f-d57550cc96cc" xsi:nil="true"/>
-    <OriginalRelease xmlns="4873beb7-5857-4685-be1f-d57550cc96cc">15</OriginalRelease>
-    <RecommendationsModifier xmlns="4873beb7-5857-4685-be1f-d57550cc96cc" xsi:nil="true"/>
-    <ScenarioTagsTaxHTField0 xmlns="4873beb7-5857-4685-be1f-d57550cc96cc">
-      <Terms xmlns="http://schemas.microsoft.com/office/infopath/2007/PartnerControls"/>
-    </ScenarioTagsTaxHTField0>
-    <UANotes xmlns="4873beb7-5857-4685-be1f-d57550cc96cc" xsi:nil="true"/>
-  </documentManagement>
-</p:properties>
-</file>
-
-<file path=customXml/item2.xml><?xml version="1.0" encoding="utf-8"?>
 <ct:contentTypeSchema xmlns:ct="http://schemas.microsoft.com/office/2006/metadata/contentType" xmlns:ma="http://schemas.microsoft.com/office/2006/metadata/properties/metaAttributes" ct:_="" ma:_="" ma:contentTypeName="TemplateFile" ma:contentTypeID="0x0101006EDDDB5EE6D98C44930B742096920B300400F5B6D36B3EF94B4E9A635CDF2A18F5B8" ma:contentTypeVersion="72" ma:contentTypeDescription="Create a new document." ma:contentTypeScope="" ma:versionID="a23e56308344d904b51738559c3d67c9">
   <xsd:schema xmlns:xsd="http://www.w3.org/2001/XMLSchema" xmlns:xs="http://www.w3.org/2001/XMLSchema" xmlns:p="http://schemas.microsoft.com/office/2006/metadata/properties" xmlns:ns2="4873beb7-5857-4685-be1f-d57550cc96cc" targetNamespace="http://schemas.microsoft.com/office/2006/metadata/properties" ma:root="true" ma:fieldsID="cd0908cc4600e77bf5da051303e00c8d" ns2:_="">
     <xsd:import namespace="4873beb7-5857-4685-be1f-d57550cc96cc"/>
@@ -8407,7 +8286,7 @@
 </ct:contentTypeSchema>
 </file>
 
-<file path=customXml/item3.xml><?xml version="1.0" encoding="utf-8"?>
+<file path=customXml/item2.xml><?xml version="1.0" encoding="utf-8"?>
 <?mso-contentType ?>
 <FormTemplates xmlns="http://schemas.microsoft.com/sharepoint/v3/contenttype/forms">
   <Display>DocumentLibraryForm</Display>
@@ -8416,23 +8295,133 @@
 </FormTemplates>
 </file>
 
-<file path=customXml/itemProps1.xml><?xml version="1.0" encoding="utf-8"?>
-<ds:datastoreItem xmlns:ds="http://schemas.openxmlformats.org/officeDocument/2006/customXml" ds:itemID="{8CDDBB83-77C1-4099-A0AA-289882E745E2}">
-  <ds:schemaRefs>
-    <ds:schemaRef ds:uri="http://schemas.openxmlformats.org/package/2006/metadata/core-properties"/>
-    <ds:schemaRef ds:uri="http://www.w3.org/XML/1998/namespace"/>
-    <ds:schemaRef ds:uri="http://purl.org/dc/dcmitype/"/>
-    <ds:schemaRef ds:uri="4873beb7-5857-4685-be1f-d57550cc96cc"/>
-    <ds:schemaRef ds:uri="http://purl.org/dc/terms/"/>
-    <ds:schemaRef ds:uri="http://purl.org/dc/elements/1.1/"/>
-    <ds:schemaRef ds:uri="http://schemas.microsoft.com/office/2006/documentManagement/types"/>
-    <ds:schemaRef ds:uri="http://schemas.microsoft.com/office/infopath/2007/PartnerControls"/>
-    <ds:schemaRef ds:uri="http://schemas.microsoft.com/office/2006/metadata/properties"/>
-  </ds:schemaRefs>
-</ds:datastoreItem>
+<file path=customXml/item3.xml><?xml version="1.0" encoding="utf-8"?>
+<p:properties xmlns:p="http://schemas.microsoft.com/office/2006/metadata/properties" xmlns:xsi="http://www.w3.org/2001/XMLSchema-instance" xmlns:pc="http://schemas.microsoft.com/office/infopath/2007/PartnerControls">
+  <documentManagement>
+    <APDescription xmlns="4873beb7-5857-4685-be1f-d57550cc96cc" xsi:nil="true"/>
+    <AssetExpire xmlns="4873beb7-5857-4685-be1f-d57550cc96cc">2029-01-01T08:00:00+00:00</AssetExpire>
+    <CampaignTagsTaxHTField0 xmlns="4873beb7-5857-4685-be1f-d57550cc96cc">
+      <Terms xmlns="http://schemas.microsoft.com/office/infopath/2007/PartnerControls"/>
+    </CampaignTagsTaxHTField0>
+    <IntlLangReviewDate xmlns="4873beb7-5857-4685-be1f-d57550cc96cc" xsi:nil="true"/>
+    <TPFriendlyName xmlns="4873beb7-5857-4685-be1f-d57550cc96cc" xsi:nil="true"/>
+    <IntlLangReview xmlns="4873beb7-5857-4685-be1f-d57550cc96cc">false</IntlLangReview>
+    <LocLastLocAttemptVersionLookup xmlns="4873beb7-5857-4685-be1f-d57550cc96cc">855024</LocLastLocAttemptVersionLookup>
+    <PolicheckWords xmlns="4873beb7-5857-4685-be1f-d57550cc96cc" xsi:nil="true"/>
+    <SubmitterId xmlns="4873beb7-5857-4685-be1f-d57550cc96cc" xsi:nil="true"/>
+    <AcquiredFrom xmlns="4873beb7-5857-4685-be1f-d57550cc96cc">Internal MS</AcquiredFrom>
+    <EditorialStatus xmlns="4873beb7-5857-4685-be1f-d57550cc96cc">Complete</EditorialStatus>
+    <Markets xmlns="4873beb7-5857-4685-be1f-d57550cc96cc"/>
+    <OriginAsset xmlns="4873beb7-5857-4685-be1f-d57550cc96cc" xsi:nil="true"/>
+    <AssetStart xmlns="4873beb7-5857-4685-be1f-d57550cc96cc">2012-08-31T08:50:00+00:00</AssetStart>
+    <FriendlyTitle xmlns="4873beb7-5857-4685-be1f-d57550cc96cc" xsi:nil="true"/>
+    <MarketSpecific xmlns="4873beb7-5857-4685-be1f-d57550cc96cc">false</MarketSpecific>
+    <TPNamespace xmlns="4873beb7-5857-4685-be1f-d57550cc96cc" xsi:nil="true"/>
+    <PublishStatusLookup xmlns="4873beb7-5857-4685-be1f-d57550cc96cc">
+      <Value>1616423</Value>
+    </PublishStatusLookup>
+    <APAuthor xmlns="4873beb7-5857-4685-be1f-d57550cc96cc">
+      <UserInfo>
+        <DisplayName>REDMOND\kristaa</DisplayName>
+        <AccountId>136</AccountId>
+        <AccountType/>
+      </UserInfo>
+    </APAuthor>
+    <TPCommandLine xmlns="4873beb7-5857-4685-be1f-d57550cc96cc" xsi:nil="true"/>
+    <IntlLangReviewer xmlns="4873beb7-5857-4685-be1f-d57550cc96cc" xsi:nil="true"/>
+    <OpenTemplate xmlns="4873beb7-5857-4685-be1f-d57550cc96cc">true</OpenTemplate>
+    <CSXSubmissionDate xmlns="4873beb7-5857-4685-be1f-d57550cc96cc" xsi:nil="true"/>
+    <TaxCatchAll xmlns="4873beb7-5857-4685-be1f-d57550cc96cc"/>
+    <Manager xmlns="4873beb7-5857-4685-be1f-d57550cc96cc" xsi:nil="true"/>
+    <NumericId xmlns="4873beb7-5857-4685-be1f-d57550cc96cc" xsi:nil="true"/>
+    <ParentAssetId xmlns="4873beb7-5857-4685-be1f-d57550cc96cc" xsi:nil="true"/>
+    <OriginalSourceMarket xmlns="4873beb7-5857-4685-be1f-d57550cc96cc" xsi:nil="true"/>
+    <ApprovalStatus xmlns="4873beb7-5857-4685-be1f-d57550cc96cc">InProgress</ApprovalStatus>
+    <TPComponent xmlns="4873beb7-5857-4685-be1f-d57550cc96cc" xsi:nil="true"/>
+    <EditorialTags xmlns="4873beb7-5857-4685-be1f-d57550cc96cc" xsi:nil="true"/>
+    <TPExecutable xmlns="4873beb7-5857-4685-be1f-d57550cc96cc" xsi:nil="true"/>
+    <TPLaunchHelpLink xmlns="4873beb7-5857-4685-be1f-d57550cc96cc" xsi:nil="true"/>
+    <LocComments xmlns="4873beb7-5857-4685-be1f-d57550cc96cc" xsi:nil="true"/>
+    <LocRecommendedHandoff xmlns="4873beb7-5857-4685-be1f-d57550cc96cc" xsi:nil="true"/>
+    <SourceTitle xmlns="4873beb7-5857-4685-be1f-d57550cc96cc" xsi:nil="true"/>
+    <CSXUpdate xmlns="4873beb7-5857-4685-be1f-d57550cc96cc">false</CSXUpdate>
+    <IntlLocPriority xmlns="4873beb7-5857-4685-be1f-d57550cc96cc" xsi:nil="true"/>
+    <UAProjectedTotalWords xmlns="4873beb7-5857-4685-be1f-d57550cc96cc" xsi:nil="true"/>
+    <AssetType xmlns="4873beb7-5857-4685-be1f-d57550cc96cc">TP</AssetType>
+    <MachineTranslated xmlns="4873beb7-5857-4685-be1f-d57550cc96cc">false</MachineTranslated>
+    <OutputCachingOn xmlns="4873beb7-5857-4685-be1f-d57550cc96cc">false</OutputCachingOn>
+    <TemplateStatus xmlns="4873beb7-5857-4685-be1f-d57550cc96cc">Complete</TemplateStatus>
+    <IsSearchable xmlns="4873beb7-5857-4685-be1f-d57550cc96cc">true</IsSearchable>
+    <ContentItem xmlns="4873beb7-5857-4685-be1f-d57550cc96cc" xsi:nil="true"/>
+    <HandoffToMSDN xmlns="4873beb7-5857-4685-be1f-d57550cc96cc" xsi:nil="true"/>
+    <ShowIn xmlns="4873beb7-5857-4685-be1f-d57550cc96cc">Show everywhere</ShowIn>
+    <ThumbnailAssetId xmlns="4873beb7-5857-4685-be1f-d57550cc96cc" xsi:nil="true"/>
+    <UALocComments xmlns="4873beb7-5857-4685-be1f-d57550cc96cc" xsi:nil="true"/>
+    <UALocRecommendation xmlns="4873beb7-5857-4685-be1f-d57550cc96cc">Localize</UALocRecommendation>
+    <LastModifiedDateTime xmlns="4873beb7-5857-4685-be1f-d57550cc96cc" xsi:nil="true"/>
+    <LegacyData xmlns="4873beb7-5857-4685-be1f-d57550cc96cc" xsi:nil="true"/>
+    <LocManualTestRequired xmlns="4873beb7-5857-4685-be1f-d57550cc96cc">false</LocManualTestRequired>
+    <LocMarketGroupTiers2 xmlns="4873beb7-5857-4685-be1f-d57550cc96cc" xsi:nil="true"/>
+    <ClipArtFilename xmlns="4873beb7-5857-4685-be1f-d57550cc96cc" xsi:nil="true"/>
+    <TPApplication xmlns="4873beb7-5857-4685-be1f-d57550cc96cc" xsi:nil="true"/>
+    <CSXHash xmlns="4873beb7-5857-4685-be1f-d57550cc96cc" xsi:nil="true"/>
+    <DirectSourceMarket xmlns="4873beb7-5857-4685-be1f-d57550cc96cc" xsi:nil="true"/>
+    <PrimaryImageGen xmlns="4873beb7-5857-4685-be1f-d57550cc96cc">true</PrimaryImageGen>
+    <PlannedPubDate xmlns="4873beb7-5857-4685-be1f-d57550cc96cc" xsi:nil="true"/>
+    <CSXSubmissionMarket xmlns="4873beb7-5857-4685-be1f-d57550cc96cc" xsi:nil="true"/>
+    <Downloads xmlns="4873beb7-5857-4685-be1f-d57550cc96cc">0</Downloads>
+    <ArtSampleDocs xmlns="4873beb7-5857-4685-be1f-d57550cc96cc" xsi:nil="true"/>
+    <TrustLevel xmlns="4873beb7-5857-4685-be1f-d57550cc96cc">1 Microsoft Managed Content</TrustLevel>
+    <BlockPublish xmlns="4873beb7-5857-4685-be1f-d57550cc96cc">false</BlockPublish>
+    <TPLaunchHelpLinkType xmlns="4873beb7-5857-4685-be1f-d57550cc96cc">Template</TPLaunchHelpLinkType>
+    <LocalizationTagsTaxHTField0 xmlns="4873beb7-5857-4685-be1f-d57550cc96cc">
+      <Terms xmlns="http://schemas.microsoft.com/office/infopath/2007/PartnerControls"/>
+    </LocalizationTagsTaxHTField0>
+    <BusinessGroup xmlns="4873beb7-5857-4685-be1f-d57550cc96cc" xsi:nil="true"/>
+    <Providers xmlns="4873beb7-5857-4685-be1f-d57550cc96cc" xsi:nil="true"/>
+    <TemplateTemplateType xmlns="4873beb7-5857-4685-be1f-d57550cc96cc">PowerPoint Presentation Template</TemplateTemplateType>
+    <TimesCloned xmlns="4873beb7-5857-4685-be1f-d57550cc96cc" xsi:nil="true"/>
+    <TPAppVersion xmlns="4873beb7-5857-4685-be1f-d57550cc96cc" xsi:nil="true"/>
+    <VoteCount xmlns="4873beb7-5857-4685-be1f-d57550cc96cc" xsi:nil="true"/>
+    <AverageRating xmlns="4873beb7-5857-4685-be1f-d57550cc96cc" xsi:nil="true"/>
+    <FeatureTagsTaxHTField0 xmlns="4873beb7-5857-4685-be1f-d57550cc96cc">
+      <Terms xmlns="http://schemas.microsoft.com/office/infopath/2007/PartnerControls"/>
+    </FeatureTagsTaxHTField0>
+    <Provider xmlns="4873beb7-5857-4685-be1f-d57550cc96cc" xsi:nil="true"/>
+    <UACurrentWords xmlns="4873beb7-5857-4685-be1f-d57550cc96cc" xsi:nil="true"/>
+    <AssetId xmlns="4873beb7-5857-4685-be1f-d57550cc96cc">TP103431361</AssetId>
+    <TPClientViewer xmlns="4873beb7-5857-4685-be1f-d57550cc96cc" xsi:nil="true"/>
+    <DSATActionTaken xmlns="4873beb7-5857-4685-be1f-d57550cc96cc" xsi:nil="true"/>
+    <APEditor xmlns="4873beb7-5857-4685-be1f-d57550cc96cc">
+      <UserInfo>
+        <DisplayName/>
+        <AccountId xsi:nil="true"/>
+        <AccountType/>
+      </UserInfo>
+    </APEditor>
+    <TPInstallLocation xmlns="4873beb7-5857-4685-be1f-d57550cc96cc" xsi:nil="true"/>
+    <OOCacheId xmlns="4873beb7-5857-4685-be1f-d57550cc96cc" xsi:nil="true"/>
+    <IsDeleted xmlns="4873beb7-5857-4685-be1f-d57550cc96cc">false</IsDeleted>
+    <PublishTargets xmlns="4873beb7-5857-4685-be1f-d57550cc96cc">OfficeOnlineVNext</PublishTargets>
+    <ApprovalLog xmlns="4873beb7-5857-4685-be1f-d57550cc96cc" xsi:nil="true"/>
+    <BugNumber xmlns="4873beb7-5857-4685-be1f-d57550cc96cc" xsi:nil="true"/>
+    <CrawlForDependencies xmlns="4873beb7-5857-4685-be1f-d57550cc96cc">false</CrawlForDependencies>
+    <InternalTagsTaxHTField0 xmlns="4873beb7-5857-4685-be1f-d57550cc96cc">
+      <Terms xmlns="http://schemas.microsoft.com/office/infopath/2007/PartnerControls"/>
+    </InternalTagsTaxHTField0>
+    <LastHandOff xmlns="4873beb7-5857-4685-be1f-d57550cc96cc" xsi:nil="true"/>
+    <Milestone xmlns="4873beb7-5857-4685-be1f-d57550cc96cc" xsi:nil="true"/>
+    <OriginalRelease xmlns="4873beb7-5857-4685-be1f-d57550cc96cc">15</OriginalRelease>
+    <RecommendationsModifier xmlns="4873beb7-5857-4685-be1f-d57550cc96cc" xsi:nil="true"/>
+    <ScenarioTagsTaxHTField0 xmlns="4873beb7-5857-4685-be1f-d57550cc96cc">
+      <Terms xmlns="http://schemas.microsoft.com/office/infopath/2007/PartnerControls"/>
+    </ScenarioTagsTaxHTField0>
+    <UANotes xmlns="4873beb7-5857-4685-be1f-d57550cc96cc" xsi:nil="true"/>
+  </documentManagement>
+</p:properties>
 </file>
 
-<file path=customXml/itemProps2.xml><?xml version="1.0" encoding="utf-8"?>
+<file path=customXml/itemProps1.xml><?xml version="1.0" encoding="utf-8"?>
 <ds:datastoreItem xmlns:ds="http://schemas.openxmlformats.org/officeDocument/2006/customXml" ds:itemID="{28C8B9CA-0273-4370-889A-FC05DA5C2FA5}">
   <ds:schemaRefs>
     <ds:schemaRef ds:uri="http://schemas.microsoft.com/office/2006/metadata/contentType"/>
@@ -8450,10 +8439,26 @@
 </ds:datastoreItem>
 </file>
 
-<file path=customXml/itemProps3.xml><?xml version="1.0" encoding="utf-8"?>
+<file path=customXml/itemProps2.xml><?xml version="1.0" encoding="utf-8"?>
 <ds:datastoreItem xmlns:ds="http://schemas.openxmlformats.org/officeDocument/2006/customXml" ds:itemID="{561E720F-F05D-4536-9C34-0CFCED65D3B7}">
   <ds:schemaRefs>
     <ds:schemaRef ds:uri="http://schemas.microsoft.com/sharepoint/v3/contenttype/forms"/>
   </ds:schemaRefs>
 </ds:datastoreItem>
+</file>
+
+<file path=customXml/itemProps3.xml><?xml version="1.0" encoding="utf-8"?>
+<ds:datastoreItem xmlns:ds="http://schemas.openxmlformats.org/officeDocument/2006/customXml" ds:itemID="{8CDDBB83-77C1-4099-A0AA-289882E745E2}">
+  <ds:schemaRefs>
+    <ds:schemaRef ds:uri="http://schemas.openxmlformats.org/package/2006/metadata/core-properties"/>
+    <ds:schemaRef ds:uri="http://www.w3.org/XML/1998/namespace"/>
+    <ds:schemaRef ds:uri="http://purl.org/dc/dcmitype/"/>
+    <ds:schemaRef ds:uri="4873beb7-5857-4685-be1f-d57550cc96cc"/>
+    <ds:schemaRef ds:uri="http://purl.org/dc/terms/"/>
+    <ds:schemaRef ds:uri="http://purl.org/dc/elements/1.1/"/>
+    <ds:schemaRef ds:uri="http://schemas.microsoft.com/office/2006/documentManagement/types"/>
+    <ds:schemaRef ds:uri="http://schemas.microsoft.com/office/infopath/2007/PartnerControls"/>
+    <ds:schemaRef ds:uri="http://schemas.microsoft.com/office/2006/metadata/properties"/>
+  </ds:schemaRefs>
+</ds:datastoreItem>
 </file>